--- a/lectures/13-finite-state-machine-&-inheritance.pptx
+++ b/lectures/13-finite-state-machine-&-inheritance.pptx
@@ -235,7 +235,7 @@
           <a:p>
             <a:fld id="{FC7B69E6-F8CB-4072-9959-5455E5EB1A9B}" type="datetimeFigureOut">
               <a:rPr lang="en-NZ" smtClean="0"/>
-              <a:t>19/02/20</a:t>
+              <a:t>9/04/20</a:t>
             </a:fld>
             <a:endParaRPr lang="en-NZ"/>
           </a:p>
@@ -6332,7 +6332,7 @@
           <a:p>
             <a:fld id="{F8166F1F-CE9B-4651-A6AA-CD717754106B}" type="datetimeFigureOut">
               <a:rPr lang="en-US" smtClean="0"/>
-              <a:t>2/19/20</a:t>
+              <a:t>4/9/20</a:t>
             </a:fld>
             <a:endParaRPr lang="en-US"/>
           </a:p>
@@ -6497,7 +6497,7 @@
           <a:p>
             <a:fld id="{A76116CE-C4A3-4A05-B2D7-7C2E9A889C0F}" type="datetimeFigureOut">
               <a:rPr lang="en-US" smtClean="0"/>
-              <a:t>2/19/20</a:t>
+              <a:t>4/9/20</a:t>
             </a:fld>
             <a:endParaRPr lang="en-US"/>
           </a:p>
@@ -6672,7 +6672,7 @@
           <a:p>
             <a:fld id="{A76116CE-C4A3-4A05-B2D7-7C2E9A889C0F}" type="datetimeFigureOut">
               <a:rPr lang="en-US" smtClean="0"/>
-              <a:t>2/19/20</a:t>
+              <a:t>4/9/20</a:t>
             </a:fld>
             <a:endParaRPr lang="en-US"/>
           </a:p>
@@ -6839,7 +6839,7 @@
           <a:p>
             <a:fld id="{A76116CE-C4A3-4A05-B2D7-7C2E9A889C0F}" type="datetimeFigureOut">
               <a:rPr lang="en-US" smtClean="0"/>
-              <a:t>2/19/20</a:t>
+              <a:t>4/9/20</a:t>
             </a:fld>
             <a:endParaRPr lang="en-US"/>
           </a:p>
@@ -7080,7 +7080,7 @@
           <a:p>
             <a:fld id="{A76116CE-C4A3-4A05-B2D7-7C2E9A889C0F}" type="datetimeFigureOut">
               <a:rPr lang="en-US" smtClean="0"/>
-              <a:t>2/19/20</a:t>
+              <a:t>4/9/20</a:t>
             </a:fld>
             <a:endParaRPr lang="en-US"/>
           </a:p>
@@ -7363,7 +7363,7 @@
           <a:p>
             <a:fld id="{A76116CE-C4A3-4A05-B2D7-7C2E9A889C0F}" type="datetimeFigureOut">
               <a:rPr lang="en-US" smtClean="0"/>
-              <a:t>2/19/20</a:t>
+              <a:t>4/9/20</a:t>
             </a:fld>
             <a:endParaRPr lang="en-US"/>
           </a:p>
@@ -7780,7 +7780,7 @@
           <a:p>
             <a:fld id="{A76116CE-C4A3-4A05-B2D7-7C2E9A889C0F}" type="datetimeFigureOut">
               <a:rPr lang="en-US" smtClean="0"/>
-              <a:t>2/19/20</a:t>
+              <a:t>4/9/20</a:t>
             </a:fld>
             <a:endParaRPr lang="en-US"/>
           </a:p>
@@ -7893,7 +7893,7 @@
           <a:p>
             <a:fld id="{A76116CE-C4A3-4A05-B2D7-7C2E9A889C0F}" type="datetimeFigureOut">
               <a:rPr lang="en-US" smtClean="0"/>
-              <a:t>2/19/20</a:t>
+              <a:t>4/9/20</a:t>
             </a:fld>
             <a:endParaRPr lang="en-US"/>
           </a:p>
@@ -7983,7 +7983,7 @@
           <a:p>
             <a:fld id="{A76116CE-C4A3-4A05-B2D7-7C2E9A889C0F}" type="datetimeFigureOut">
               <a:rPr lang="en-US" smtClean="0"/>
-              <a:t>2/19/20</a:t>
+              <a:t>4/9/20</a:t>
             </a:fld>
             <a:endParaRPr lang="en-US"/>
           </a:p>
@@ -8255,7 +8255,7 @@
           <a:p>
             <a:fld id="{A76116CE-C4A3-4A05-B2D7-7C2E9A889C0F}" type="datetimeFigureOut">
               <a:rPr lang="en-US" smtClean="0"/>
-              <a:t>2/19/20</a:t>
+              <a:t>4/9/20</a:t>
             </a:fld>
             <a:endParaRPr lang="en-US"/>
           </a:p>
@@ -8503,7 +8503,7 @@
           <a:p>
             <a:fld id="{A76116CE-C4A3-4A05-B2D7-7C2E9A889C0F}" type="datetimeFigureOut">
               <a:rPr lang="en-US" smtClean="0"/>
-              <a:t>2/19/20</a:t>
+              <a:t>4/9/20</a:t>
             </a:fld>
             <a:endParaRPr lang="en-US"/>
           </a:p>
@@ -8711,7 +8711,7 @@
           <a:p>
             <a:fld id="{F8166F1F-CE9B-4651-A6AA-CD717754106B}" type="datetimeFigureOut">
               <a:rPr lang="en-US" smtClean="0"/>
-              <a:t>2/19/20</a:t>
+              <a:t>4/9/20</a:t>
             </a:fld>
             <a:endParaRPr lang="en-US"/>
           </a:p>
@@ -9205,12 +9205,16 @@
           <a:p>
             <a:pPr algn="ctr"/>
             <a:r>
+              <a:rPr lang="en-US" sz="3000" b="1" dirty="0" smtClean="0"/>
+              <a:t>Wednesday</a:t>
+            </a:r>
+            <a:r>
               <a:rPr lang="en-US" sz="3000" b="1" smtClean="0"/>
-              <a:t>Wednesday, </a:t>
-            </a:r>
-            <a:r>
-              <a:rPr lang="en-US" sz="3000" b="1" dirty="0"/>
-              <a:t>8</a:t>
+              <a:t>, </a:t>
+            </a:r>
+            <a:r>
+              <a:rPr lang="en-US" sz="3000" b="1" smtClean="0"/>
+              <a:t>22</a:t>
             </a:r>
             <a:r>
               <a:rPr lang="en-US" sz="3000" b="1" smtClean="0"/>
@@ -14325,14 +14329,14 @@
                 <a:gridCol w="2952328">
                   <a:extLst>
                     <a:ext uri="{9D8B030D-6E8A-4147-A177-3AD203B41FA5}">
-                      <a16:colId xmlns="" xmlns:a16="http://schemas.microsoft.com/office/drawing/2014/main" val="20000"/>
+                      <a16:colId xmlns:a16="http://schemas.microsoft.com/office/drawing/2014/main" xmlns="" val="20000"/>
                     </a:ext>
                   </a:extLst>
                 </a:gridCol>
                 <a:gridCol w="4392488">
                   <a:extLst>
                     <a:ext uri="{9D8B030D-6E8A-4147-A177-3AD203B41FA5}">
-                      <a16:colId xmlns="" xmlns:a16="http://schemas.microsoft.com/office/drawing/2014/main" val="20001"/>
+                      <a16:colId xmlns:a16="http://schemas.microsoft.com/office/drawing/2014/main" xmlns="" val="20001"/>
                     </a:ext>
                   </a:extLst>
                 </a:gridCol>
@@ -14368,7 +14372,7 @@
                 </a:tc>
                 <a:extLst>
                   <a:ext uri="{0D108BD9-81ED-4DB2-BD59-A6C34878D82A}">
-                    <a16:rowId xmlns="" xmlns:a16="http://schemas.microsoft.com/office/drawing/2014/main" val="10000"/>
+                    <a16:rowId xmlns:a16="http://schemas.microsoft.com/office/drawing/2014/main" xmlns="" val="10000"/>
                   </a:ext>
                 </a:extLst>
               </a:tr>
@@ -14425,7 +14429,7 @@
                 </a:tc>
                 <a:extLst>
                   <a:ext uri="{0D108BD9-81ED-4DB2-BD59-A6C34878D82A}">
-                    <a16:rowId xmlns="" xmlns:a16="http://schemas.microsoft.com/office/drawing/2014/main" val="10001"/>
+                    <a16:rowId xmlns:a16="http://schemas.microsoft.com/office/drawing/2014/main" xmlns="" val="10001"/>
                   </a:ext>
                 </a:extLst>
               </a:tr>
@@ -14488,7 +14492,7 @@
                 </a:tc>
                 <a:extLst>
                   <a:ext uri="{0D108BD9-81ED-4DB2-BD59-A6C34878D82A}">
-                    <a16:rowId xmlns="" xmlns:a16="http://schemas.microsoft.com/office/drawing/2014/main" val="10002"/>
+                    <a16:rowId xmlns:a16="http://schemas.microsoft.com/office/drawing/2014/main" xmlns="" val="10002"/>
                   </a:ext>
                 </a:extLst>
               </a:tr>
@@ -14537,7 +14541,7 @@
                 </a:tc>
                 <a:extLst>
                   <a:ext uri="{0D108BD9-81ED-4DB2-BD59-A6C34878D82A}">
-                    <a16:rowId xmlns="" xmlns:a16="http://schemas.microsoft.com/office/drawing/2014/main" val="10003"/>
+                    <a16:rowId xmlns:a16="http://schemas.microsoft.com/office/drawing/2014/main" xmlns="" val="10003"/>
                   </a:ext>
                 </a:extLst>
               </a:tr>

--- a/lectures/13-finite-state-machine-&-inheritance.pptx
+++ b/lectures/13-finite-state-machine-&-inheritance.pptx
@@ -235,7 +235,7 @@
           <a:p>
             <a:fld id="{FC7B69E6-F8CB-4072-9959-5455E5EB1A9B}" type="datetimeFigureOut">
               <a:rPr lang="en-NZ" smtClean="0"/>
-              <a:t>9/04/20</a:t>
+              <a:t>22/04/20</a:t>
             </a:fld>
             <a:endParaRPr lang="en-NZ"/>
           </a:p>
@@ -299,35 +299,35 @@
           <a:p>
             <a:pPr lvl="0"/>
             <a:r>
-              <a:rPr lang="en-US" smtClean="0"/>
+              <a:rPr lang="en-US"/>
               <a:t>Edit Master text styles</a:t>
             </a:r>
           </a:p>
           <a:p>
             <a:pPr lvl="1"/>
             <a:r>
-              <a:rPr lang="en-US" smtClean="0"/>
+              <a:rPr lang="en-US"/>
               <a:t>Second level</a:t>
             </a:r>
           </a:p>
           <a:p>
             <a:pPr lvl="2"/>
             <a:r>
-              <a:rPr lang="en-US" smtClean="0"/>
+              <a:rPr lang="en-US"/>
               <a:t>Third level</a:t>
             </a:r>
           </a:p>
           <a:p>
             <a:pPr lvl="3"/>
             <a:r>
-              <a:rPr lang="en-US" smtClean="0"/>
+              <a:rPr lang="en-US"/>
               <a:t>Fourth level</a:t>
             </a:r>
           </a:p>
           <a:p>
             <a:pPr lvl="4"/>
             <a:r>
-              <a:rPr lang="en-US" smtClean="0"/>
+              <a:rPr lang="en-US"/>
               <a:t>Fifth level</a:t>
             </a:r>
             <a:endParaRPr lang="en-NZ"/>
@@ -551,487 +551,7 @@
               <a:buFont typeface="Arial" charset="0"/>
               <a:buChar char="•"/>
             </a:pPr>
-            <a:r>
-              <a:rPr lang="en-NZ" sz="1200" kern="1200" dirty="0" smtClean="0">
-                <a:solidFill>
-                  <a:schemeClr val="tx1"/>
-                </a:solidFill>
-                <a:effectLst/>
-                <a:latin typeface="+mn-lt"/>
-                <a:ea typeface="+mn-ea"/>
-                <a:cs typeface="+mn-cs"/>
-              </a:rPr>
-              <a:t>The next technique up. We will build one of these systems next week</a:t>
-            </a:r>
-          </a:p>
-          <a:p>
-            <a:pPr marL="171450" indent="-171450">
-              <a:buFont typeface="Arial" charset="0"/>
-              <a:buChar char="•"/>
-            </a:pPr>
-            <a:r>
-              <a:rPr lang="en-NZ" sz="1200" kern="1200" dirty="0" smtClean="0">
-                <a:solidFill>
-                  <a:schemeClr val="tx1"/>
-                </a:solidFill>
-                <a:effectLst/>
-                <a:latin typeface="+mn-lt"/>
-                <a:ea typeface="+mn-ea"/>
-                <a:cs typeface="+mn-cs"/>
-              </a:rPr>
-              <a:t>This approach requires describing the behaviour of an entity in terms of states, actions and events.</a:t>
-            </a:r>
-          </a:p>
-          <a:p>
-            <a:pPr marL="171450" indent="-171450">
-              <a:buFont typeface="Arial" charset="0"/>
-              <a:buChar char="•"/>
-            </a:pPr>
-            <a:endParaRPr lang="en-NZ" sz="1200" kern="1200" dirty="0" smtClean="0">
-              <a:solidFill>
-                <a:schemeClr val="tx1"/>
-              </a:solidFill>
-              <a:effectLst/>
-              <a:latin typeface="+mn-lt"/>
-              <a:ea typeface="+mn-ea"/>
-              <a:cs typeface="+mn-cs"/>
-            </a:endParaRPr>
-          </a:p>
-          <a:p>
-            <a:pPr marL="171450" indent="-171450">
-              <a:buFont typeface="Arial" charset="0"/>
-              <a:buChar char="•"/>
-            </a:pPr>
-            <a:r>
-              <a:rPr lang="en-NZ" sz="1200" kern="1200" dirty="0" smtClean="0">
-                <a:solidFill>
-                  <a:schemeClr val="tx1"/>
-                </a:solidFill>
-                <a:effectLst/>
-                <a:latin typeface="+mn-lt"/>
-                <a:ea typeface="+mn-ea"/>
-                <a:cs typeface="+mn-cs"/>
-              </a:rPr>
-              <a:t>NB: The diagram shows only the states and events. The Actions are included in an additional table that has a column for State and a column for Action. Seen next slide</a:t>
-            </a:r>
-          </a:p>
-          <a:p>
-            <a:pPr marL="171450" indent="-171450">
-              <a:buFont typeface="Arial" charset="0"/>
-              <a:buChar char="•"/>
-            </a:pPr>
-            <a:endParaRPr lang="en-NZ" sz="1200" kern="1200" dirty="0" smtClean="0">
-              <a:solidFill>
-                <a:schemeClr val="tx1"/>
-              </a:solidFill>
-              <a:effectLst/>
-              <a:latin typeface="+mn-lt"/>
-              <a:ea typeface="+mn-ea"/>
-              <a:cs typeface="+mn-cs"/>
-            </a:endParaRPr>
-          </a:p>
-          <a:p>
-            <a:pPr marL="171450" indent="-171450">
-              <a:buFont typeface="Arial" charset="0"/>
-              <a:buChar char="•"/>
-            </a:pPr>
-            <a:r>
-              <a:rPr lang="en-NZ" sz="1200" kern="1200" dirty="0" smtClean="0">
-                <a:solidFill>
-                  <a:schemeClr val="tx1"/>
-                </a:solidFill>
-                <a:effectLst/>
-                <a:latin typeface="+mn-lt"/>
-                <a:ea typeface="+mn-ea"/>
-                <a:cs typeface="+mn-cs"/>
-              </a:rPr>
-              <a:t>If the behaviour can be captured this way, there is a good structured technique for coding it up</a:t>
-            </a:r>
-          </a:p>
-          <a:p>
-            <a:pPr marL="171450" indent="-171450">
-              <a:buFont typeface="Arial" charset="0"/>
-              <a:buChar char="•"/>
-            </a:pPr>
-            <a:endParaRPr lang="en-NZ" sz="1200" kern="1200" dirty="0" smtClean="0">
-              <a:solidFill>
-                <a:schemeClr val="tx1"/>
-              </a:solidFill>
-              <a:effectLst/>
-              <a:latin typeface="+mn-lt"/>
-              <a:ea typeface="+mn-ea"/>
-              <a:cs typeface="+mn-cs"/>
-            </a:endParaRPr>
-          </a:p>
-          <a:p>
-            <a:pPr marL="171450" indent="-171450">
-              <a:buFont typeface="Arial" charset="0"/>
-              <a:buChar char="•"/>
-            </a:pPr>
-            <a:r>
-              <a:rPr lang="en-NZ" sz="1200" kern="1200" dirty="0" smtClean="0">
-                <a:solidFill>
-                  <a:schemeClr val="tx1"/>
-                </a:solidFill>
-                <a:effectLst/>
-                <a:latin typeface="+mn-lt"/>
-                <a:ea typeface="+mn-ea"/>
-                <a:cs typeface="+mn-cs"/>
-              </a:rPr>
-              <a:t>Example: This is a diagram describing the behaviour of my cat Eddie</a:t>
-            </a:r>
-          </a:p>
-          <a:p>
-            <a:pPr marL="171450" indent="-171450">
-              <a:buFont typeface="Arial" charset="0"/>
-              <a:buChar char="•"/>
-            </a:pPr>
-            <a:endParaRPr lang="en-NZ" sz="1200" kern="1200" dirty="0" smtClean="0">
-              <a:solidFill>
-                <a:schemeClr val="tx1"/>
-              </a:solidFill>
-              <a:effectLst/>
-              <a:latin typeface="+mn-lt"/>
-              <a:ea typeface="+mn-ea"/>
-              <a:cs typeface="+mn-cs"/>
-            </a:endParaRPr>
-          </a:p>
-          <a:p>
-            <a:pPr marL="171450" indent="-171450">
-              <a:buFont typeface="Arial" charset="0"/>
-              <a:buChar char="•"/>
-            </a:pPr>
-            <a:r>
-              <a:rPr lang="en-NZ" sz="1200" kern="1200" dirty="0" smtClean="0">
-                <a:solidFill>
-                  <a:schemeClr val="tx1"/>
-                </a:solidFill>
-                <a:effectLst/>
-                <a:latin typeface="+mn-lt"/>
-                <a:ea typeface="+mn-ea"/>
-                <a:cs typeface="+mn-cs"/>
-              </a:rPr>
-              <a:t>Usually, my cat is in the sleeping state. His actions there are sleeping, drooling and occasionally rolling over</a:t>
-            </a:r>
-          </a:p>
-          <a:p>
-            <a:pPr marL="171450" indent="-171450">
-              <a:buFont typeface="Arial" charset="0"/>
-              <a:buChar char="•"/>
-            </a:pPr>
-            <a:endParaRPr lang="en-NZ" sz="1200" kern="1200" dirty="0" smtClean="0">
-              <a:solidFill>
-                <a:schemeClr val="tx1"/>
-              </a:solidFill>
-              <a:effectLst/>
-              <a:latin typeface="+mn-lt"/>
-              <a:ea typeface="+mn-ea"/>
-              <a:cs typeface="+mn-cs"/>
-            </a:endParaRPr>
-          </a:p>
-          <a:p>
-            <a:pPr marL="171450" indent="-171450">
-              <a:buFont typeface="Arial" charset="0"/>
-              <a:buChar char="•"/>
-            </a:pPr>
-            <a:r>
-              <a:rPr lang="en-NZ" sz="1200" kern="1200" dirty="0" smtClean="0">
-                <a:solidFill>
-                  <a:schemeClr val="tx1"/>
-                </a:solidFill>
-                <a:effectLst/>
-                <a:latin typeface="+mn-lt"/>
-                <a:ea typeface="+mn-ea"/>
-                <a:cs typeface="+mn-cs"/>
-              </a:rPr>
-              <a:t>If a neighbour cat enters the yard, my cat will sense it. This is an event and causes him to change state</a:t>
-            </a:r>
-          </a:p>
-          <a:p>
-            <a:pPr marL="171450" indent="-171450">
-              <a:buFont typeface="Arial" charset="0"/>
-              <a:buChar char="•"/>
-            </a:pPr>
-            <a:endParaRPr lang="en-NZ" sz="1200" kern="1200" dirty="0" smtClean="0">
-              <a:solidFill>
-                <a:schemeClr val="tx1"/>
-              </a:solidFill>
-              <a:effectLst/>
-              <a:latin typeface="+mn-lt"/>
-              <a:ea typeface="+mn-ea"/>
-              <a:cs typeface="+mn-cs"/>
-            </a:endParaRPr>
-          </a:p>
-          <a:p>
-            <a:pPr marL="171450" indent="-171450">
-              <a:buFont typeface="Arial" charset="0"/>
-              <a:buChar char="•"/>
-            </a:pPr>
-            <a:r>
-              <a:rPr lang="en-NZ" sz="1200" kern="1200" dirty="0" smtClean="0">
-                <a:solidFill>
-                  <a:schemeClr val="tx1"/>
-                </a:solidFill>
-                <a:effectLst/>
-                <a:latin typeface="+mn-lt"/>
-                <a:ea typeface="+mn-ea"/>
-                <a:cs typeface="+mn-cs"/>
-              </a:rPr>
-              <a:t>He changes to the Chasing Neighbour Cat state. His actions in this state are targeting the neighbour cat (like the </a:t>
-            </a:r>
-            <a:r>
-              <a:rPr lang="en-NZ" sz="1200" kern="1200" dirty="0" err="1" smtClean="0">
-                <a:solidFill>
-                  <a:schemeClr val="tx1"/>
-                </a:solidFill>
-                <a:effectLst/>
-                <a:latin typeface="+mn-lt"/>
-                <a:ea typeface="+mn-ea"/>
-                <a:cs typeface="+mn-cs"/>
-              </a:rPr>
-              <a:t>Approachers</a:t>
-            </a:r>
-            <a:r>
-              <a:rPr lang="en-NZ" sz="1200" kern="1200" dirty="0" smtClean="0">
-                <a:solidFill>
-                  <a:schemeClr val="tx1"/>
-                </a:solidFill>
-                <a:effectLst/>
-                <a:latin typeface="+mn-lt"/>
-                <a:ea typeface="+mn-ea"/>
-                <a:cs typeface="+mn-cs"/>
-              </a:rPr>
-              <a:t> did with </a:t>
-            </a:r>
-            <a:r>
-              <a:rPr lang="en-NZ" sz="1200" kern="1200" dirty="0" err="1" smtClean="0">
-                <a:solidFill>
-                  <a:schemeClr val="tx1"/>
-                </a:solidFill>
-                <a:effectLst/>
-                <a:latin typeface="+mn-lt"/>
-                <a:ea typeface="+mn-ea"/>
-                <a:cs typeface="+mn-cs"/>
-              </a:rPr>
-              <a:t>Blobbo</a:t>
-            </a:r>
-            <a:r>
-              <a:rPr lang="en-NZ" sz="1200" kern="1200" dirty="0" smtClean="0">
-                <a:solidFill>
-                  <a:schemeClr val="tx1"/>
-                </a:solidFill>
-                <a:effectLst/>
-                <a:latin typeface="+mn-lt"/>
-                <a:ea typeface="+mn-ea"/>
-                <a:cs typeface="+mn-cs"/>
-              </a:rPr>
-              <a:t>), and hissing</a:t>
-            </a:r>
-          </a:p>
-          <a:p>
-            <a:pPr marL="171450" indent="-171450">
-              <a:buFont typeface="Arial" charset="0"/>
-              <a:buChar char="•"/>
-            </a:pPr>
-            <a:endParaRPr lang="en-NZ" sz="1200" kern="1200" dirty="0" smtClean="0">
-              <a:solidFill>
-                <a:schemeClr val="tx1"/>
-              </a:solidFill>
-              <a:effectLst/>
-              <a:latin typeface="+mn-lt"/>
-              <a:ea typeface="+mn-ea"/>
-              <a:cs typeface="+mn-cs"/>
-            </a:endParaRPr>
-          </a:p>
-          <a:p>
-            <a:pPr marL="171450" indent="-171450">
-              <a:buFont typeface="Arial" charset="0"/>
-              <a:buChar char="•"/>
-            </a:pPr>
-            <a:r>
-              <a:rPr lang="en-NZ" sz="1200" kern="1200" dirty="0" smtClean="0">
-                <a:solidFill>
-                  <a:schemeClr val="tx1"/>
-                </a:solidFill>
-                <a:effectLst/>
-                <a:latin typeface="+mn-lt"/>
-                <a:ea typeface="+mn-ea"/>
-                <a:cs typeface="+mn-cs"/>
-              </a:rPr>
-              <a:t>When the neighbour cat is gone, he returns to the sleep state</a:t>
-            </a:r>
-          </a:p>
-          <a:p>
-            <a:pPr marL="171450" indent="-171450">
-              <a:buFont typeface="Arial" charset="0"/>
-              <a:buChar char="•"/>
-            </a:pPr>
-            <a:endParaRPr lang="en-NZ" sz="1200" kern="1200" dirty="0" smtClean="0">
-              <a:solidFill>
-                <a:schemeClr val="tx1"/>
-              </a:solidFill>
-              <a:effectLst/>
-              <a:latin typeface="+mn-lt"/>
-              <a:ea typeface="+mn-ea"/>
-              <a:cs typeface="+mn-cs"/>
-            </a:endParaRPr>
-          </a:p>
-          <a:p>
-            <a:pPr marL="171450" indent="-171450">
-              <a:buFont typeface="Arial" charset="0"/>
-              <a:buChar char="•"/>
-            </a:pPr>
-            <a:r>
-              <a:rPr lang="en-NZ" sz="1200" kern="1200" dirty="0" smtClean="0">
-                <a:solidFill>
-                  <a:schemeClr val="tx1"/>
-                </a:solidFill>
-                <a:effectLst/>
-                <a:latin typeface="+mn-lt"/>
-                <a:ea typeface="+mn-ea"/>
-                <a:cs typeface="+mn-cs"/>
-              </a:rPr>
-              <a:t>In the sleep state, he can become hungry. This event might occur every 15 minutes of being in the sleep state. This event would move him into the Eating state</a:t>
-            </a:r>
-          </a:p>
-          <a:p>
-            <a:pPr marL="171450" indent="-171450">
-              <a:buFont typeface="Arial" charset="0"/>
-              <a:buChar char="•"/>
-            </a:pPr>
-            <a:endParaRPr lang="en-NZ" sz="1200" kern="1200" dirty="0" smtClean="0">
-              <a:solidFill>
-                <a:schemeClr val="tx1"/>
-              </a:solidFill>
-              <a:effectLst/>
-              <a:latin typeface="+mn-lt"/>
-              <a:ea typeface="+mn-ea"/>
-              <a:cs typeface="+mn-cs"/>
-            </a:endParaRPr>
-          </a:p>
-          <a:p>
-            <a:pPr marL="171450" indent="-171450">
-              <a:buFont typeface="Arial" charset="0"/>
-              <a:buChar char="•"/>
-            </a:pPr>
-            <a:r>
-              <a:rPr lang="en-NZ" sz="1200" kern="1200" dirty="0" smtClean="0">
-                <a:solidFill>
-                  <a:schemeClr val="tx1"/>
-                </a:solidFill>
-                <a:effectLst/>
-                <a:latin typeface="+mn-lt"/>
-                <a:ea typeface="+mn-ea"/>
-                <a:cs typeface="+mn-cs"/>
-              </a:rPr>
-              <a:t>And so on</a:t>
-            </a:r>
-          </a:p>
-          <a:p>
-            <a:pPr marL="171450" indent="-171450">
-              <a:buFont typeface="Arial" charset="0"/>
-              <a:buChar char="•"/>
-            </a:pPr>
-            <a:endParaRPr lang="en-NZ" sz="1200" kern="1200" dirty="0" smtClean="0">
-              <a:solidFill>
-                <a:schemeClr val="tx1"/>
-              </a:solidFill>
-              <a:effectLst/>
-              <a:latin typeface="+mn-lt"/>
-              <a:ea typeface="+mn-ea"/>
-              <a:cs typeface="+mn-cs"/>
-            </a:endParaRPr>
-          </a:p>
-          <a:p>
-            <a:pPr marL="171450" indent="-171450">
-              <a:buFont typeface="Arial" charset="0"/>
-              <a:buChar char="•"/>
-            </a:pPr>
-            <a:r>
-              <a:rPr lang="en-NZ" sz="1200" kern="1200" dirty="0" smtClean="0">
-                <a:solidFill>
-                  <a:schemeClr val="tx1"/>
-                </a:solidFill>
-                <a:effectLst/>
-                <a:latin typeface="+mn-lt"/>
-                <a:ea typeface="+mn-ea"/>
-                <a:cs typeface="+mn-cs"/>
-              </a:rPr>
-              <a:t>This type of diagram is an example of a construct used in many areas of computer science and mathematics. It is called a Finite State Machine</a:t>
-            </a:r>
-          </a:p>
-          <a:p>
-            <a:pPr marL="171450" indent="-171450">
-              <a:buFont typeface="Arial" charset="0"/>
-              <a:buChar char="•"/>
-            </a:pPr>
-            <a:endParaRPr lang="en-NZ" sz="1200" kern="1200" dirty="0" smtClean="0">
-              <a:solidFill>
-                <a:schemeClr val="tx1"/>
-              </a:solidFill>
-              <a:effectLst/>
-              <a:latin typeface="+mn-lt"/>
-              <a:ea typeface="+mn-ea"/>
-              <a:cs typeface="+mn-cs"/>
-            </a:endParaRPr>
-          </a:p>
-          <a:p>
-            <a:pPr marL="171450" indent="-171450">
-              <a:buFont typeface="Arial" charset="0"/>
-              <a:buChar char="•"/>
-            </a:pPr>
-            <a:r>
-              <a:rPr lang="en-NZ" sz="1200" kern="1200" dirty="0" smtClean="0">
-                <a:solidFill>
-                  <a:schemeClr val="tx1"/>
-                </a:solidFill>
-                <a:effectLst/>
-                <a:latin typeface="+mn-lt"/>
-                <a:ea typeface="+mn-ea"/>
-                <a:cs typeface="+mn-cs"/>
-              </a:rPr>
-              <a:t>Note that the details of the actions associated with a state are not included in the diagram, but are inferred</a:t>
-            </a:r>
-          </a:p>
-          <a:p>
-            <a:pPr marL="171450" indent="-171450">
-              <a:buFont typeface="Arial" charset="0"/>
-              <a:buChar char="•"/>
-            </a:pPr>
-            <a:endParaRPr lang="en-NZ" sz="1200" kern="1200" dirty="0" smtClean="0">
-              <a:solidFill>
-                <a:schemeClr val="tx1"/>
-              </a:solidFill>
-              <a:effectLst/>
-              <a:latin typeface="+mn-lt"/>
-              <a:ea typeface="+mn-ea"/>
-              <a:cs typeface="+mn-cs"/>
-            </a:endParaRPr>
-          </a:p>
-          <a:p>
-            <a:pPr marL="171450" indent="-171450">
-              <a:buFont typeface="Arial" charset="0"/>
-              <a:buChar char="•"/>
-            </a:pPr>
-            <a:r>
-              <a:rPr lang="en-NZ" sz="1200" kern="1200" dirty="0" smtClean="0">
-                <a:solidFill>
-                  <a:schemeClr val="tx1"/>
-                </a:solidFill>
-                <a:effectLst/>
-                <a:latin typeface="+mn-lt"/>
-                <a:ea typeface="+mn-ea"/>
-                <a:cs typeface="+mn-cs"/>
-              </a:rPr>
-              <a:t>FSMs can be used to describe fairly complex behaviour, and they are easy to code. Think about how you would code my cat…</a:t>
-            </a:r>
-          </a:p>
-          <a:p>
-            <a:pPr marL="171450" indent="-171450">
-              <a:buFont typeface="Arial" charset="0"/>
-              <a:buChar char="•"/>
-            </a:pPr>
-            <a:endParaRPr lang="en-NZ" sz="1200" kern="1200" dirty="0" smtClean="0">
+            <a:endParaRPr lang="en-NZ" sz="1200" kern="1200" dirty="0">
               <a:solidFill>
                 <a:schemeClr val="tx1"/>
               </a:solidFill>
@@ -1127,95 +647,6 @@
               <a:buFont typeface="Arial" panose="020B0604020202020204" pitchFamily="34" charset="0"/>
               <a:buChar char="•"/>
             </a:pPr>
-            <a:r>
-              <a:rPr lang="en-NZ" dirty="0" smtClean="0"/>
-              <a:t>We can extend the FSM to make the behaviours more interesting,</a:t>
-            </a:r>
-            <a:r>
-              <a:rPr lang="en-NZ" baseline="0" dirty="0" smtClean="0"/>
-              <a:t> and more useful for game play, by adding some </a:t>
-            </a:r>
-            <a:r>
-              <a:rPr lang="en-NZ" baseline="0" dirty="0" err="1" smtClean="0"/>
-              <a:t>stochasticity</a:t>
-            </a:r>
-            <a:endParaRPr lang="en-NZ" baseline="0" dirty="0" smtClean="0"/>
-          </a:p>
-          <a:p>
-            <a:pPr marL="171450" indent="-171450">
-              <a:buFont typeface="Arial" panose="020B0604020202020204" pitchFamily="34" charset="0"/>
-              <a:buChar char="•"/>
-            </a:pPr>
-            <a:endParaRPr lang="en-NZ" dirty="0" smtClean="0"/>
-          </a:p>
-          <a:p>
-            <a:pPr marL="171450" indent="-171450">
-              <a:buFont typeface="Arial" panose="020B0604020202020204" pitchFamily="34" charset="0"/>
-              <a:buChar char="•"/>
-            </a:pPr>
-            <a:r>
-              <a:rPr lang="en-NZ" dirty="0" smtClean="0"/>
-              <a:t>In our discussion so far, a given event always triggered a particular state change. More realistic behaviours can be achieved by adding a stochastic component</a:t>
-            </a:r>
-          </a:p>
-          <a:p>
-            <a:pPr marL="171450" indent="-171450">
-              <a:buFont typeface="Arial" panose="020B0604020202020204" pitchFamily="34" charset="0"/>
-              <a:buChar char="•"/>
-            </a:pPr>
-            <a:endParaRPr lang="en-NZ" dirty="0" smtClean="0"/>
-          </a:p>
-          <a:p>
-            <a:pPr marL="171450" indent="-171450">
-              <a:buFont typeface="Arial" panose="020B0604020202020204" pitchFamily="34" charset="0"/>
-              <a:buChar char="•"/>
-            </a:pPr>
-            <a:r>
-              <a:rPr lang="en-NZ" dirty="0" smtClean="0"/>
-              <a:t>That is, event E will cause change to state S with probability P (in our previous examples, P was always</a:t>
-            </a:r>
-            <a:r>
-              <a:rPr lang="en-NZ" baseline="0" dirty="0" smtClean="0"/>
-              <a:t> </a:t>
-            </a:r>
-            <a:r>
-              <a:rPr lang="en-NZ" dirty="0" smtClean="0"/>
-              <a:t>1)</a:t>
-            </a:r>
-          </a:p>
-          <a:p>
-            <a:pPr marL="171450" indent="-171450">
-              <a:buFont typeface="Arial" panose="020B0604020202020204" pitchFamily="34" charset="0"/>
-              <a:buChar char="•"/>
-            </a:pPr>
-            <a:endParaRPr lang="en-NZ" dirty="0" smtClean="0"/>
-          </a:p>
-          <a:p>
-            <a:pPr marL="171450" indent="-171450">
-              <a:buFont typeface="Arial" panose="020B0604020202020204" pitchFamily="34" charset="0"/>
-              <a:buChar char="•"/>
-            </a:pPr>
-            <a:r>
-              <a:rPr lang="en-NZ" dirty="0" smtClean="0"/>
-              <a:t>By adjusting the probability distributions, you can get different behaviours from the same FSM</a:t>
-            </a:r>
-          </a:p>
-          <a:p>
-            <a:pPr marL="171450" indent="-171450">
-              <a:buFont typeface="Arial" panose="020B0604020202020204" pitchFamily="34" charset="0"/>
-              <a:buChar char="•"/>
-            </a:pPr>
-            <a:endParaRPr lang="en-NZ" dirty="0" smtClean="0"/>
-          </a:p>
-          <a:p>
-            <a:pPr marL="171450" indent="-171450">
-              <a:buFont typeface="Arial" panose="020B0604020202020204" pitchFamily="34" charset="0"/>
-              <a:buChar char="•"/>
-            </a:pPr>
-            <a:r>
-              <a:rPr lang="en-NZ" dirty="0" smtClean="0"/>
-              <a:t>Enemy 1 would be very aggressive, and enemy 2 would be very passive</a:t>
-            </a:r>
             <a:endParaRPr lang="en-NZ" dirty="0"/>
           </a:p>
         </p:txBody>
@@ -1304,91 +735,7 @@
               <a:buFont typeface="Arial" charset="0"/>
               <a:buChar char="•"/>
             </a:pPr>
-            <a:r>
-              <a:rPr lang="en-NZ" sz="1200" kern="1200" dirty="0" smtClean="0">
-                <a:solidFill>
-                  <a:schemeClr val="tx1"/>
-                </a:solidFill>
-                <a:effectLst/>
-                <a:latin typeface="+mn-lt"/>
-                <a:ea typeface="+mn-ea"/>
-                <a:cs typeface="+mn-cs"/>
-              </a:rPr>
-              <a:t>You already know this so we’ll whip through it quickly</a:t>
-            </a:r>
-          </a:p>
-          <a:p>
-            <a:pPr marL="171450" indent="-171450">
-              <a:buFont typeface="Arial" charset="0"/>
-              <a:buChar char="•"/>
-            </a:pPr>
-            <a:endParaRPr lang="en-NZ" sz="1200" kern="1200" dirty="0" smtClean="0">
-              <a:solidFill>
-                <a:schemeClr val="tx1"/>
-              </a:solidFill>
-              <a:effectLst/>
-              <a:latin typeface="+mn-lt"/>
-              <a:ea typeface="+mn-ea"/>
-              <a:cs typeface="+mn-cs"/>
-            </a:endParaRPr>
-          </a:p>
-          <a:p>
-            <a:pPr marL="171450" indent="-171450">
-              <a:buFont typeface="Arial" charset="0"/>
-              <a:buChar char="•"/>
-            </a:pPr>
-            <a:r>
-              <a:rPr lang="en-NZ" sz="1200" kern="1200" dirty="0" smtClean="0">
-                <a:solidFill>
-                  <a:schemeClr val="tx1"/>
-                </a:solidFill>
-                <a:effectLst/>
-                <a:latin typeface="+mn-lt"/>
-                <a:ea typeface="+mn-ea"/>
-                <a:cs typeface="+mn-cs"/>
-              </a:rPr>
-              <a:t>We’ll look at the difference between “additional” and “polymorphic in a moment</a:t>
-            </a:r>
-          </a:p>
-          <a:p>
-            <a:pPr marL="171450" indent="-171450">
-              <a:buFont typeface="Arial" charset="0"/>
-              <a:buChar char="•"/>
-            </a:pPr>
-            <a:endParaRPr lang="en-NZ" sz="1200" kern="1200" dirty="0" smtClean="0">
-              <a:solidFill>
-                <a:schemeClr val="tx1"/>
-              </a:solidFill>
-              <a:effectLst/>
-              <a:latin typeface="+mn-lt"/>
-              <a:ea typeface="+mn-ea"/>
-              <a:cs typeface="+mn-cs"/>
-            </a:endParaRPr>
-          </a:p>
-          <a:p>
-            <a:pPr marL="171450" indent="-171450">
-              <a:buFont typeface="Arial" charset="0"/>
-              <a:buChar char="•"/>
-            </a:pPr>
-            <a:r>
-              <a:rPr lang="en-NZ" sz="1200" kern="1200" dirty="0" smtClean="0">
-                <a:solidFill>
-                  <a:schemeClr val="tx1"/>
-                </a:solidFill>
-                <a:effectLst/>
-                <a:latin typeface="+mn-lt"/>
-                <a:ea typeface="+mn-ea"/>
-                <a:cs typeface="+mn-cs"/>
-              </a:rPr>
-              <a:t>We’ll talk about is-a and has-a as well</a:t>
-            </a:r>
-          </a:p>
-          <a:p>
-            <a:pPr marL="171450" indent="-171450">
-              <a:buFont typeface="Arial" charset="0"/>
-              <a:buChar char="•"/>
-            </a:pPr>
-            <a:endParaRPr lang="en-NZ" sz="1200" kern="1200" dirty="0" smtClean="0">
+            <a:endParaRPr lang="en-NZ" sz="1200" kern="1200" dirty="0">
               <a:solidFill>
                 <a:schemeClr val="tx1"/>
               </a:solidFill>
@@ -1484,205 +831,7 @@
               <a:buFont typeface="Arial" charset="0"/>
               <a:buChar char="•"/>
             </a:pPr>
-            <a:r>
-              <a:rPr lang="en-NZ" sz="1200" kern="1200" dirty="0" smtClean="0">
-                <a:solidFill>
-                  <a:schemeClr val="tx1"/>
-                </a:solidFill>
-                <a:effectLst/>
-                <a:latin typeface="+mn-lt"/>
-                <a:ea typeface="+mn-ea"/>
-                <a:cs typeface="+mn-cs"/>
-              </a:rPr>
-              <a:t>One time we inherit</a:t>
-            </a:r>
-          </a:p>
-          <a:p>
-            <a:pPr marL="171450" indent="-171450">
-              <a:buFont typeface="Arial" charset="0"/>
-              <a:buChar char="•"/>
-            </a:pPr>
-            <a:endParaRPr lang="en-NZ" sz="1200" kern="1200" dirty="0" smtClean="0">
-              <a:solidFill>
-                <a:schemeClr val="tx1"/>
-              </a:solidFill>
-              <a:effectLst/>
-              <a:latin typeface="+mn-lt"/>
-              <a:ea typeface="+mn-ea"/>
-              <a:cs typeface="+mn-cs"/>
-            </a:endParaRPr>
-          </a:p>
-          <a:p>
-            <a:pPr marL="171450" indent="-171450">
-              <a:buFont typeface="Arial" charset="0"/>
-              <a:buChar char="•"/>
-            </a:pPr>
-            <a:r>
-              <a:rPr lang="en-NZ" sz="1200" kern="1200" dirty="0" smtClean="0">
-                <a:solidFill>
-                  <a:schemeClr val="tx1"/>
-                </a:solidFill>
-                <a:effectLst/>
-                <a:latin typeface="+mn-lt"/>
-                <a:ea typeface="+mn-ea"/>
-                <a:cs typeface="+mn-cs"/>
-              </a:rPr>
-              <a:t>The base class is something useful</a:t>
-            </a:r>
-          </a:p>
-          <a:p>
-            <a:pPr marL="171450" indent="-171450">
-              <a:buFont typeface="Arial" charset="0"/>
-              <a:buChar char="•"/>
-            </a:pPr>
-            <a:endParaRPr lang="en-NZ" sz="1200" kern="1200" dirty="0" smtClean="0">
-              <a:solidFill>
-                <a:schemeClr val="tx1"/>
-              </a:solidFill>
-              <a:effectLst/>
-              <a:latin typeface="+mn-lt"/>
-              <a:ea typeface="+mn-ea"/>
-              <a:cs typeface="+mn-cs"/>
-            </a:endParaRPr>
-          </a:p>
-          <a:p>
-            <a:pPr marL="171450" indent="-171450">
-              <a:buFont typeface="Arial" charset="0"/>
-              <a:buChar char="•"/>
-            </a:pPr>
-            <a:r>
-              <a:rPr lang="en-NZ" sz="1200" kern="1200" dirty="0" smtClean="0">
-                <a:solidFill>
-                  <a:schemeClr val="tx1"/>
-                </a:solidFill>
-                <a:effectLst/>
-                <a:latin typeface="+mn-lt"/>
-                <a:ea typeface="+mn-ea"/>
-                <a:cs typeface="+mn-cs"/>
-              </a:rPr>
-              <a:t>But then there is a version of it that adds something specialised</a:t>
-            </a:r>
-          </a:p>
-          <a:p>
-            <a:pPr marL="171450" indent="-171450">
-              <a:buFont typeface="Arial" charset="0"/>
-              <a:buChar char="•"/>
-            </a:pPr>
-            <a:endParaRPr lang="en-NZ" sz="1200" kern="1200" dirty="0" smtClean="0">
-              <a:solidFill>
-                <a:schemeClr val="tx1"/>
-              </a:solidFill>
-              <a:effectLst/>
-              <a:latin typeface="+mn-lt"/>
-              <a:ea typeface="+mn-ea"/>
-              <a:cs typeface="+mn-cs"/>
-            </a:endParaRPr>
-          </a:p>
-          <a:p>
-            <a:pPr marL="171450" indent="-171450">
-              <a:buFont typeface="Arial" charset="0"/>
-              <a:buChar char="•"/>
-            </a:pPr>
-            <a:r>
-              <a:rPr lang="en-NZ" sz="1200" kern="1200" dirty="0" smtClean="0">
-                <a:solidFill>
-                  <a:schemeClr val="tx1"/>
-                </a:solidFill>
-                <a:effectLst/>
-                <a:latin typeface="+mn-lt"/>
-                <a:ea typeface="+mn-ea"/>
-                <a:cs typeface="+mn-cs"/>
-              </a:rPr>
-              <a:t>So our sprite class is an animated character. But our player character has, for example, an inventory and inventory management methods, that no other animated character needs</a:t>
-            </a:r>
-          </a:p>
-          <a:p>
-            <a:pPr marL="171450" indent="-171450">
-              <a:buFont typeface="Arial" charset="0"/>
-              <a:buChar char="•"/>
-            </a:pPr>
-            <a:endParaRPr lang="en-NZ" sz="1200" kern="1200" dirty="0" smtClean="0">
-              <a:solidFill>
-                <a:schemeClr val="tx1"/>
-              </a:solidFill>
-              <a:effectLst/>
-              <a:latin typeface="+mn-lt"/>
-              <a:ea typeface="+mn-ea"/>
-              <a:cs typeface="+mn-cs"/>
-            </a:endParaRPr>
-          </a:p>
-          <a:p>
-            <a:pPr marL="171450" indent="-171450">
-              <a:buFont typeface="Arial" charset="0"/>
-              <a:buChar char="•"/>
-            </a:pPr>
-            <a:r>
-              <a:rPr lang="en-NZ" sz="1200" kern="1200" dirty="0" smtClean="0">
-                <a:solidFill>
-                  <a:schemeClr val="tx1"/>
-                </a:solidFill>
-                <a:effectLst/>
-                <a:latin typeface="+mn-lt"/>
-                <a:ea typeface="+mn-ea"/>
-                <a:cs typeface="+mn-cs"/>
-              </a:rPr>
-              <a:t>We might descend “</a:t>
-            </a:r>
-            <a:r>
-              <a:rPr lang="en-NZ" sz="1200" kern="1200" dirty="0" err="1" smtClean="0">
-                <a:solidFill>
-                  <a:schemeClr val="tx1"/>
-                </a:solidFill>
-                <a:effectLst/>
-                <a:latin typeface="+mn-lt"/>
-                <a:ea typeface="+mn-ea"/>
-                <a:cs typeface="+mn-cs"/>
-              </a:rPr>
-              <a:t>PlayerSprite</a:t>
-            </a:r>
-            <a:r>
-              <a:rPr lang="en-NZ" sz="1200" kern="1200" dirty="0" smtClean="0">
-                <a:solidFill>
-                  <a:schemeClr val="tx1"/>
-                </a:solidFill>
-                <a:effectLst/>
-                <a:latin typeface="+mn-lt"/>
-                <a:ea typeface="+mn-ea"/>
-                <a:cs typeface="+mn-cs"/>
-              </a:rPr>
-              <a:t>”, or if we are really planning ahead, “</a:t>
-            </a:r>
-            <a:r>
-              <a:rPr lang="en-NZ" sz="1200" kern="1200" dirty="0" err="1" smtClean="0">
-                <a:solidFill>
-                  <a:schemeClr val="tx1"/>
-                </a:solidFill>
-                <a:effectLst/>
-                <a:latin typeface="+mn-lt"/>
-                <a:ea typeface="+mn-ea"/>
-                <a:cs typeface="+mn-cs"/>
-              </a:rPr>
-              <a:t>InventorySprite</a:t>
-            </a:r>
-            <a:r>
-              <a:rPr lang="en-NZ" sz="1200" kern="1200" dirty="0" smtClean="0">
-                <a:solidFill>
-                  <a:schemeClr val="tx1"/>
-                </a:solidFill>
-                <a:effectLst/>
-                <a:latin typeface="+mn-lt"/>
-                <a:ea typeface="+mn-ea"/>
-                <a:cs typeface="+mn-cs"/>
-              </a:rPr>
-              <a:t>”</a:t>
-            </a:r>
-          </a:p>
-          <a:p>
-            <a:pPr marL="171450" indent="-171450">
-              <a:buFont typeface="Arial" charset="0"/>
-              <a:buChar char="•"/>
-            </a:pPr>
-            <a:endParaRPr lang="en-NZ" sz="1200" kern="1200" dirty="0" smtClean="0">
+            <a:endParaRPr lang="en-NZ" sz="1200" kern="1200" dirty="0">
               <a:solidFill>
                 <a:schemeClr val="tx1"/>
               </a:solidFill>
@@ -1778,43 +927,7 @@
               <a:buFont typeface="Arial" charset="0"/>
               <a:buChar char="•"/>
             </a:pPr>
-            <a:r>
-              <a:rPr lang="en-NZ" sz="1200" kern="1200" dirty="0" smtClean="0">
-                <a:solidFill>
-                  <a:schemeClr val="tx1"/>
-                </a:solidFill>
-                <a:effectLst/>
-                <a:latin typeface="+mn-lt"/>
-                <a:ea typeface="+mn-ea"/>
-                <a:cs typeface="+mn-cs"/>
-              </a:rPr>
-              <a:t>One time we inherit.</a:t>
-            </a:r>
-          </a:p>
-          <a:p>
-            <a:pPr marL="171450" indent="-171450">
-              <a:buFont typeface="Arial" charset="0"/>
-              <a:buChar char="•"/>
-            </a:pPr>
-            <a:r>
-              <a:rPr lang="en-NZ" sz="1200" kern="1200" dirty="0" smtClean="0">
-                <a:solidFill>
-                  <a:schemeClr val="tx1"/>
-                </a:solidFill>
-                <a:effectLst/>
-                <a:latin typeface="+mn-lt"/>
-                <a:ea typeface="+mn-ea"/>
-                <a:cs typeface="+mn-cs"/>
-              </a:rPr>
-              <a:t>The base class is something useful</a:t>
-            </a:r>
-          </a:p>
-          <a:p>
-            <a:pPr marL="171450" indent="-171450">
-              <a:buFont typeface="Arial" charset="0"/>
-              <a:buChar char="•"/>
-            </a:pPr>
-            <a:endParaRPr lang="en-NZ" sz="1200" kern="1200" dirty="0" smtClean="0">
+            <a:endParaRPr lang="en-NZ" sz="1200" kern="1200" dirty="0">
               <a:solidFill>
                 <a:schemeClr val="tx1"/>
               </a:solidFill>
@@ -1823,402 +936,6 @@
               <a:ea typeface="+mn-ea"/>
               <a:cs typeface="+mn-cs"/>
             </a:endParaRPr>
-          </a:p>
-          <a:p>
-            <a:pPr marL="171450" indent="-171450">
-              <a:buFont typeface="Arial" charset="0"/>
-              <a:buChar char="•"/>
-            </a:pPr>
-            <a:r>
-              <a:rPr lang="en-NZ" sz="1200" kern="1200" dirty="0" smtClean="0">
-                <a:solidFill>
-                  <a:schemeClr val="tx1"/>
-                </a:solidFill>
-                <a:effectLst/>
-                <a:latin typeface="+mn-lt"/>
-                <a:ea typeface="+mn-ea"/>
-                <a:cs typeface="+mn-cs"/>
-              </a:rPr>
-              <a:t>All elements of this class must do important job</a:t>
-            </a:r>
-          </a:p>
-          <a:p>
-            <a:pPr marL="171450" indent="-171450">
-              <a:buFont typeface="Arial" charset="0"/>
-              <a:buChar char="•"/>
-            </a:pPr>
-            <a:endParaRPr lang="en-NZ" sz="1200" kern="1200" dirty="0" smtClean="0">
-              <a:solidFill>
-                <a:schemeClr val="tx1"/>
-              </a:solidFill>
-              <a:effectLst/>
-              <a:latin typeface="+mn-lt"/>
-              <a:ea typeface="+mn-ea"/>
-              <a:cs typeface="+mn-cs"/>
-            </a:endParaRPr>
-          </a:p>
-          <a:p>
-            <a:pPr marL="171450" indent="-171450">
-              <a:buFont typeface="Arial" charset="0"/>
-              <a:buChar char="•"/>
-            </a:pPr>
-            <a:r>
-              <a:rPr lang="en-NZ" sz="1200" kern="1200" dirty="0" smtClean="0">
-                <a:solidFill>
-                  <a:schemeClr val="tx1"/>
-                </a:solidFill>
-                <a:effectLst/>
-                <a:latin typeface="+mn-lt"/>
-                <a:ea typeface="+mn-ea"/>
-                <a:cs typeface="+mn-cs"/>
-              </a:rPr>
-              <a:t>But there are multiple logically distinct ways to do this important job</a:t>
-            </a:r>
-          </a:p>
-          <a:p>
-            <a:pPr marL="171450" indent="-171450">
-              <a:buFont typeface="Arial" charset="0"/>
-              <a:buChar char="•"/>
-            </a:pPr>
-            <a:endParaRPr lang="en-NZ" sz="1200" kern="1200" dirty="0" smtClean="0">
-              <a:solidFill>
-                <a:schemeClr val="tx1"/>
-              </a:solidFill>
-              <a:effectLst/>
-              <a:latin typeface="+mn-lt"/>
-              <a:ea typeface="+mn-ea"/>
-              <a:cs typeface="+mn-cs"/>
-            </a:endParaRPr>
-          </a:p>
-          <a:p>
-            <a:pPr marL="171450" indent="-171450">
-              <a:buFont typeface="Arial" charset="0"/>
-              <a:buChar char="•"/>
-            </a:pPr>
-            <a:r>
-              <a:rPr lang="en-NZ" sz="1200" kern="1200" dirty="0" smtClean="0">
-                <a:solidFill>
-                  <a:schemeClr val="tx1"/>
-                </a:solidFill>
-                <a:effectLst/>
-                <a:latin typeface="+mn-lt"/>
-                <a:ea typeface="+mn-ea"/>
-                <a:cs typeface="+mn-cs"/>
-              </a:rPr>
-              <a:t>So you descend multiple children. Each exposes the identical function prototype, but the code bodies are different</a:t>
-            </a:r>
-          </a:p>
-          <a:p>
-            <a:pPr marL="171450" indent="-171450">
-              <a:buFont typeface="Arial" charset="0"/>
-              <a:buChar char="•"/>
-            </a:pPr>
-            <a:endParaRPr lang="en-NZ" sz="1200" kern="1200" dirty="0" smtClean="0">
-              <a:solidFill>
-                <a:schemeClr val="tx1"/>
-              </a:solidFill>
-              <a:effectLst/>
-              <a:latin typeface="+mn-lt"/>
-              <a:ea typeface="+mn-ea"/>
-              <a:cs typeface="+mn-cs"/>
-            </a:endParaRPr>
-          </a:p>
-          <a:p>
-            <a:pPr marL="171450" indent="-171450">
-              <a:buFont typeface="Arial" charset="0"/>
-              <a:buChar char="•"/>
-            </a:pPr>
-            <a:r>
-              <a:rPr lang="en-NZ" sz="1200" kern="1200" dirty="0" smtClean="0">
-                <a:solidFill>
-                  <a:schemeClr val="tx1"/>
-                </a:solidFill>
-                <a:effectLst/>
-                <a:latin typeface="+mn-lt"/>
-                <a:ea typeface="+mn-ea"/>
-                <a:cs typeface="+mn-cs"/>
-              </a:rPr>
-              <a:t>At runtime, you create an instance of the child class. When </a:t>
-            </a:r>
-            <a:r>
-              <a:rPr lang="en-NZ" sz="1200" kern="1200" dirty="0" err="1" smtClean="0">
-                <a:solidFill>
-                  <a:schemeClr val="tx1"/>
-                </a:solidFill>
-                <a:effectLst/>
-                <a:latin typeface="+mn-lt"/>
-                <a:ea typeface="+mn-ea"/>
-                <a:cs typeface="+mn-cs"/>
-              </a:rPr>
-              <a:t>ImportantJob</a:t>
-            </a:r>
-            <a:r>
-              <a:rPr lang="en-NZ" sz="1200" kern="1200" dirty="0" smtClean="0">
-                <a:solidFill>
-                  <a:schemeClr val="tx1"/>
-                </a:solidFill>
-                <a:effectLst/>
-                <a:latin typeface="+mn-lt"/>
-                <a:ea typeface="+mn-ea"/>
-                <a:cs typeface="+mn-cs"/>
-              </a:rPr>
-              <a:t> is called, the system executes the corresponding code version</a:t>
-            </a:r>
-          </a:p>
-          <a:p>
-            <a:pPr marL="171450" indent="-171450">
-              <a:buFont typeface="Arial" charset="0"/>
-              <a:buChar char="•"/>
-            </a:pPr>
-            <a:endParaRPr lang="en-NZ" sz="1200" kern="1200" dirty="0" smtClean="0">
-              <a:solidFill>
-                <a:schemeClr val="tx1"/>
-              </a:solidFill>
-              <a:effectLst/>
-              <a:latin typeface="+mn-lt"/>
-              <a:ea typeface="+mn-ea"/>
-              <a:cs typeface="+mn-cs"/>
-            </a:endParaRPr>
-          </a:p>
-          <a:p>
-            <a:pPr marL="171450" indent="-171450">
-              <a:buFont typeface="Arial" charset="0"/>
-              <a:buChar char="•"/>
-            </a:pPr>
-            <a:r>
-              <a:rPr lang="en-NZ" sz="1200" kern="1200" dirty="0" smtClean="0">
-                <a:solidFill>
-                  <a:schemeClr val="tx1"/>
-                </a:solidFill>
-                <a:effectLst/>
-                <a:latin typeface="+mn-lt"/>
-                <a:ea typeface="+mn-ea"/>
-                <a:cs typeface="+mn-cs"/>
-              </a:rPr>
-              <a:t>So we started our sprite class with simple vectorised movement. Then we saw that some sprites need directional movement (players, NPCS) and other sprites need trajectory-based movement (projectiles). So we might choose to descend two classes from sprite. Directional and Trajectory</a:t>
-            </a:r>
-          </a:p>
-          <a:p>
-            <a:pPr marL="171450" indent="-171450">
-              <a:buFont typeface="Arial" charset="0"/>
-              <a:buChar char="•"/>
-            </a:pPr>
-            <a:endParaRPr lang="en-NZ" sz="1200" kern="1200" dirty="0" smtClean="0">
-              <a:solidFill>
-                <a:schemeClr val="tx1"/>
-              </a:solidFill>
-              <a:effectLst/>
-              <a:latin typeface="+mn-lt"/>
-              <a:ea typeface="+mn-ea"/>
-              <a:cs typeface="+mn-cs"/>
-            </a:endParaRPr>
-          </a:p>
-          <a:p>
-            <a:pPr marL="171450" indent="-171450">
-              <a:buFont typeface="Arial" charset="0"/>
-              <a:buChar char="•"/>
-            </a:pPr>
-            <a:r>
-              <a:rPr lang="en-NZ" sz="1200" kern="1200" dirty="0" smtClean="0">
-                <a:solidFill>
-                  <a:schemeClr val="tx1"/>
-                </a:solidFill>
-                <a:effectLst/>
-                <a:latin typeface="+mn-lt"/>
-                <a:ea typeface="+mn-ea"/>
-                <a:cs typeface="+mn-cs"/>
-              </a:rPr>
-              <a:t>Then </a:t>
-            </a:r>
-            <a:r>
-              <a:rPr lang="en-NZ" sz="1200" kern="1200" dirty="0" err="1" smtClean="0">
-                <a:solidFill>
-                  <a:schemeClr val="tx1"/>
-                </a:solidFill>
-                <a:effectLst/>
-                <a:latin typeface="+mn-lt"/>
-                <a:ea typeface="+mn-ea"/>
-                <a:cs typeface="+mn-cs"/>
-              </a:rPr>
-              <a:t>PlayerSprite</a:t>
-            </a:r>
-            <a:r>
-              <a:rPr lang="en-NZ" sz="1200" kern="1200" dirty="0" smtClean="0">
-                <a:solidFill>
-                  <a:schemeClr val="tx1"/>
-                </a:solidFill>
-                <a:effectLst/>
-                <a:latin typeface="+mn-lt"/>
-                <a:ea typeface="+mn-ea"/>
-                <a:cs typeface="+mn-cs"/>
-              </a:rPr>
-              <a:t>/</a:t>
-            </a:r>
-            <a:r>
-              <a:rPr lang="en-NZ" sz="1200" kern="1200" dirty="0" err="1" smtClean="0">
-                <a:solidFill>
-                  <a:schemeClr val="tx1"/>
-                </a:solidFill>
-                <a:effectLst/>
-                <a:latin typeface="+mn-lt"/>
-                <a:ea typeface="+mn-ea"/>
-                <a:cs typeface="+mn-cs"/>
-              </a:rPr>
-              <a:t>InventorySprite</a:t>
-            </a:r>
-            <a:r>
-              <a:rPr lang="en-NZ" sz="1200" kern="1200" dirty="0" smtClean="0">
-                <a:solidFill>
-                  <a:schemeClr val="tx1"/>
-                </a:solidFill>
-                <a:effectLst/>
-                <a:latin typeface="+mn-lt"/>
-                <a:ea typeface="+mn-ea"/>
-                <a:cs typeface="+mn-cs"/>
-              </a:rPr>
-              <a:t> would descend from Directional. Or you might go Sprite-&gt;Inventory-&gt;Player</a:t>
-            </a:r>
-          </a:p>
-          <a:p>
-            <a:pPr marL="171450" indent="-171450">
-              <a:buFont typeface="Arial" charset="0"/>
-              <a:buChar char="•"/>
-            </a:pPr>
-            <a:endParaRPr lang="en-NZ" sz="1200" kern="1200" dirty="0" smtClean="0">
-              <a:solidFill>
-                <a:schemeClr val="tx1"/>
-              </a:solidFill>
-              <a:effectLst/>
-              <a:latin typeface="+mn-lt"/>
-              <a:ea typeface="+mn-ea"/>
-              <a:cs typeface="+mn-cs"/>
-            </a:endParaRPr>
-          </a:p>
-          <a:p>
-            <a:pPr marL="171450" indent="-171450">
-              <a:buFont typeface="Arial" charset="0"/>
-              <a:buChar char="•"/>
-            </a:pPr>
-            <a:r>
-              <a:rPr lang="en-NZ" sz="1200" kern="1200" dirty="0" smtClean="0">
-                <a:solidFill>
-                  <a:schemeClr val="tx1"/>
-                </a:solidFill>
-                <a:effectLst/>
-                <a:latin typeface="+mn-lt"/>
-                <a:ea typeface="+mn-ea"/>
-                <a:cs typeface="+mn-cs"/>
-              </a:rPr>
-              <a:t>At this point you can see one of the risks associated with inheritance – cumbersome </a:t>
-            </a:r>
-            <a:r>
-              <a:rPr lang="en-NZ" sz="1200" kern="1200" dirty="0" err="1" smtClean="0">
-                <a:solidFill>
-                  <a:schemeClr val="tx1"/>
-                </a:solidFill>
-                <a:effectLst/>
-                <a:latin typeface="+mn-lt"/>
-                <a:ea typeface="+mn-ea"/>
-                <a:cs typeface="+mn-cs"/>
-              </a:rPr>
-              <a:t>heirarchies</a:t>
-            </a:r>
-            <a:endParaRPr lang="en-NZ" sz="1200" kern="1200" dirty="0" smtClean="0">
-              <a:solidFill>
-                <a:schemeClr val="tx1"/>
-              </a:solidFill>
-              <a:effectLst/>
-              <a:latin typeface="+mn-lt"/>
-              <a:ea typeface="+mn-ea"/>
-              <a:cs typeface="+mn-cs"/>
-            </a:endParaRPr>
-          </a:p>
-          <a:p>
-            <a:pPr marL="171450" indent="-171450">
-              <a:buFont typeface="Arial" charset="0"/>
-              <a:buChar char="•"/>
-            </a:pPr>
-            <a:endParaRPr lang="en-NZ" sz="1200" kern="1200" dirty="0" smtClean="0">
-              <a:solidFill>
-                <a:schemeClr val="tx1"/>
-              </a:solidFill>
-              <a:effectLst/>
-              <a:latin typeface="+mn-lt"/>
-              <a:ea typeface="+mn-ea"/>
-              <a:cs typeface="+mn-cs"/>
-            </a:endParaRPr>
-          </a:p>
-          <a:p>
-            <a:pPr marL="171450" indent="-171450">
-              <a:buFont typeface="Arial" charset="0"/>
-              <a:buChar char="•"/>
-            </a:pPr>
-            <a:r>
-              <a:rPr lang="en-NZ" sz="1200" kern="1200" dirty="0" smtClean="0">
-                <a:solidFill>
-                  <a:schemeClr val="tx1"/>
-                </a:solidFill>
-                <a:effectLst/>
-                <a:latin typeface="+mn-lt"/>
-                <a:ea typeface="+mn-ea"/>
-                <a:cs typeface="+mn-cs"/>
-              </a:rPr>
-              <a:t>Can you think of a way to implement this directional/trajectory distinction without inheritance? </a:t>
-            </a:r>
-          </a:p>
-          <a:p>
-            <a:pPr marL="628650" lvl="1" indent="-171450">
-              <a:buFont typeface="Arial" charset="0"/>
-              <a:buChar char="•"/>
-            </a:pPr>
-            <a:r>
-              <a:rPr lang="en-NZ" sz="1200" kern="1200" dirty="0" smtClean="0">
-                <a:solidFill>
-                  <a:schemeClr val="tx1"/>
-                </a:solidFill>
-                <a:effectLst/>
-                <a:latin typeface="+mn-lt"/>
-                <a:ea typeface="+mn-ea"/>
-                <a:cs typeface="+mn-cs"/>
-              </a:rPr>
-              <a:t>State variables and a switch in the move method</a:t>
-            </a:r>
-          </a:p>
-          <a:p>
-            <a:pPr marL="628650" lvl="1" indent="-171450">
-              <a:buFont typeface="Arial" charset="0"/>
-              <a:buChar char="•"/>
-            </a:pPr>
-            <a:r>
-              <a:rPr lang="en-NZ" sz="1200" kern="1200" dirty="0" smtClean="0">
-                <a:solidFill>
-                  <a:schemeClr val="tx1"/>
-                </a:solidFill>
-                <a:effectLst/>
-                <a:latin typeface="+mn-lt"/>
-                <a:ea typeface="+mn-ea"/>
-                <a:cs typeface="+mn-cs"/>
-              </a:rPr>
-              <a:t>This would allow you to have a player character who could also jump</a:t>
-            </a:r>
-          </a:p>
-          <a:p>
-            <a:pPr marL="628650" lvl="1" indent="-171450">
-              <a:buFont typeface="Arial" charset="0"/>
-              <a:buChar char="•"/>
-            </a:pPr>
-            <a:r>
-              <a:rPr lang="en-NZ" sz="1200" kern="1200" dirty="0" smtClean="0">
-                <a:solidFill>
-                  <a:schemeClr val="tx1"/>
-                </a:solidFill>
-                <a:effectLst/>
-                <a:latin typeface="+mn-lt"/>
-                <a:ea typeface="+mn-ea"/>
-                <a:cs typeface="+mn-cs"/>
-              </a:rPr>
-              <a:t>Some might mention interfaces. Also a possibility</a:t>
-            </a:r>
           </a:p>
         </p:txBody>
       </p:sp>
@@ -2306,238 +1023,7 @@
               <a:buFont typeface="Arial" charset="0"/>
               <a:buChar char="•"/>
             </a:pPr>
-            <a:r>
-              <a:rPr lang="en-NZ" sz="1200" kern="1200" dirty="0" smtClean="0">
-                <a:solidFill>
-                  <a:schemeClr val="tx1"/>
-                </a:solidFill>
-                <a:effectLst/>
-                <a:latin typeface="+mn-lt"/>
-                <a:ea typeface="+mn-ea"/>
-                <a:cs typeface="+mn-cs"/>
-              </a:rPr>
-              <a:t>You can very quickly find yourself needing 100s of classes to make all the feature sets you need. Dependency injection (strategy pattern) is a better solution here (cf. OOSD)</a:t>
-            </a:r>
-          </a:p>
-          <a:p>
-            <a:pPr marL="171450" indent="-171450">
-              <a:buFont typeface="Arial" charset="0"/>
-              <a:buChar char="•"/>
-            </a:pPr>
-            <a:endParaRPr lang="en-NZ" sz="1200" kern="1200" dirty="0" smtClean="0">
-              <a:solidFill>
-                <a:schemeClr val="tx1"/>
-              </a:solidFill>
-              <a:effectLst/>
-              <a:latin typeface="+mn-lt"/>
-              <a:ea typeface="+mn-ea"/>
-              <a:cs typeface="+mn-cs"/>
-            </a:endParaRPr>
-          </a:p>
-          <a:p>
-            <a:pPr marL="171450" indent="-171450">
-              <a:buFont typeface="Arial" charset="0"/>
-              <a:buChar char="•"/>
-            </a:pPr>
-            <a:r>
-              <a:rPr lang="en-NZ" sz="1200" kern="1200" dirty="0" smtClean="0">
-                <a:solidFill>
-                  <a:schemeClr val="tx1"/>
-                </a:solidFill>
-                <a:effectLst/>
-                <a:latin typeface="+mn-lt"/>
-                <a:ea typeface="+mn-ea"/>
-                <a:cs typeface="+mn-cs"/>
-              </a:rPr>
-              <a:t>Especially in the absence of multiple inheritance it can get awkward</a:t>
-            </a:r>
-          </a:p>
-          <a:p>
-            <a:pPr marL="171450" indent="-171450">
-              <a:buFont typeface="Arial" charset="0"/>
-              <a:buChar char="•"/>
-            </a:pPr>
-            <a:endParaRPr lang="en-NZ" sz="1200" kern="1200" dirty="0" smtClean="0">
-              <a:solidFill>
-                <a:schemeClr val="tx1"/>
-              </a:solidFill>
-              <a:effectLst/>
-              <a:latin typeface="+mn-lt"/>
-              <a:ea typeface="+mn-ea"/>
-              <a:cs typeface="+mn-cs"/>
-            </a:endParaRPr>
-          </a:p>
-          <a:p>
-            <a:pPr marL="171450" indent="-171450">
-              <a:buFont typeface="Arial" charset="0"/>
-              <a:buChar char="•"/>
-            </a:pPr>
-            <a:r>
-              <a:rPr lang="en-NZ" sz="1200" kern="1200" dirty="0" smtClean="0">
-                <a:solidFill>
-                  <a:schemeClr val="tx1"/>
-                </a:solidFill>
-                <a:effectLst/>
-                <a:latin typeface="+mn-lt"/>
-                <a:ea typeface="+mn-ea"/>
-                <a:cs typeface="+mn-cs"/>
-              </a:rPr>
-              <a:t>E.G. We really want our player character to descend from </a:t>
-            </a:r>
-            <a:r>
-              <a:rPr lang="en-NZ" sz="1200" kern="1200" dirty="0" err="1" smtClean="0">
-                <a:solidFill>
-                  <a:schemeClr val="tx1"/>
-                </a:solidFill>
-                <a:effectLst/>
-                <a:latin typeface="+mn-lt"/>
-                <a:ea typeface="+mn-ea"/>
-                <a:cs typeface="+mn-cs"/>
-              </a:rPr>
-              <a:t>DirectionalSprite</a:t>
-            </a:r>
-            <a:r>
-              <a:rPr lang="en-NZ" sz="1200" kern="1200" dirty="0" smtClean="0">
-                <a:solidFill>
-                  <a:schemeClr val="tx1"/>
-                </a:solidFill>
-                <a:effectLst/>
-                <a:latin typeface="+mn-lt"/>
-                <a:ea typeface="+mn-ea"/>
-                <a:cs typeface="+mn-cs"/>
-              </a:rPr>
-              <a:t> and </a:t>
-            </a:r>
-            <a:r>
-              <a:rPr lang="en-NZ" sz="1200" kern="1200" dirty="0" err="1" smtClean="0">
-                <a:solidFill>
-                  <a:schemeClr val="tx1"/>
-                </a:solidFill>
-                <a:effectLst/>
-                <a:latin typeface="+mn-lt"/>
-                <a:ea typeface="+mn-ea"/>
-                <a:cs typeface="+mn-cs"/>
-              </a:rPr>
-              <a:t>InventorySprite</a:t>
-            </a:r>
-            <a:r>
-              <a:rPr lang="en-NZ" sz="1200" kern="1200" dirty="0" smtClean="0">
-                <a:solidFill>
-                  <a:schemeClr val="tx1"/>
-                </a:solidFill>
-                <a:effectLst/>
-                <a:latin typeface="+mn-lt"/>
-                <a:ea typeface="+mn-ea"/>
-                <a:cs typeface="+mn-cs"/>
-              </a:rPr>
-              <a:t> to combine the features of the two</a:t>
-            </a:r>
-          </a:p>
-          <a:p>
-            <a:pPr marL="171450" indent="-171450">
-              <a:buFont typeface="Arial" charset="0"/>
-              <a:buChar char="•"/>
-            </a:pPr>
-            <a:endParaRPr lang="en-NZ" sz="1200" kern="1200" dirty="0" smtClean="0">
-              <a:solidFill>
-                <a:schemeClr val="tx1"/>
-              </a:solidFill>
-              <a:effectLst/>
-              <a:latin typeface="+mn-lt"/>
-              <a:ea typeface="+mn-ea"/>
-              <a:cs typeface="+mn-cs"/>
-            </a:endParaRPr>
-          </a:p>
-          <a:p>
-            <a:pPr marL="171450" indent="-171450">
-              <a:buFont typeface="Arial" charset="0"/>
-              <a:buChar char="•"/>
-            </a:pPr>
-            <a:r>
-              <a:rPr lang="en-NZ" sz="1200" kern="1200" dirty="0" smtClean="0">
-                <a:solidFill>
-                  <a:schemeClr val="tx1"/>
-                </a:solidFill>
-                <a:effectLst/>
-                <a:latin typeface="+mn-lt"/>
-                <a:ea typeface="+mn-ea"/>
-                <a:cs typeface="+mn-cs"/>
-              </a:rPr>
-              <a:t>For linguistic reasons (specifically, potential ambiguity) most modern languages don’t allow this</a:t>
-            </a:r>
-          </a:p>
-          <a:p>
-            <a:pPr marL="171450" indent="-171450">
-              <a:buFont typeface="Arial" charset="0"/>
-              <a:buChar char="•"/>
-            </a:pPr>
-            <a:endParaRPr lang="en-NZ" sz="1200" kern="1200" dirty="0" smtClean="0">
-              <a:solidFill>
-                <a:schemeClr val="tx1"/>
-              </a:solidFill>
-              <a:effectLst/>
-              <a:latin typeface="+mn-lt"/>
-              <a:ea typeface="+mn-ea"/>
-              <a:cs typeface="+mn-cs"/>
-            </a:endParaRPr>
-          </a:p>
-          <a:p>
-            <a:pPr marL="171450" indent="-171450">
-              <a:buFont typeface="Arial" charset="0"/>
-              <a:buChar char="•"/>
-            </a:pPr>
-            <a:r>
-              <a:rPr lang="en-NZ" sz="1200" kern="1200" dirty="0" smtClean="0">
-                <a:solidFill>
-                  <a:schemeClr val="tx1"/>
-                </a:solidFill>
-                <a:effectLst/>
-                <a:latin typeface="+mn-lt"/>
-                <a:ea typeface="+mn-ea"/>
-                <a:cs typeface="+mn-cs"/>
-              </a:rPr>
-              <a:t>Interfaces are your friend here (cf. OOSD)</a:t>
-            </a:r>
-          </a:p>
-          <a:p>
-            <a:pPr marL="171450" indent="-171450">
-              <a:buFont typeface="Arial" charset="0"/>
-              <a:buChar char="•"/>
-            </a:pPr>
-            <a:endParaRPr lang="en-NZ" sz="1200" kern="1200" dirty="0" smtClean="0">
-              <a:solidFill>
-                <a:schemeClr val="tx1"/>
-              </a:solidFill>
-              <a:effectLst/>
-              <a:latin typeface="+mn-lt"/>
-              <a:ea typeface="+mn-ea"/>
-              <a:cs typeface="+mn-cs"/>
-            </a:endParaRPr>
-          </a:p>
-          <a:p>
-            <a:pPr marL="171450" indent="-171450">
-              <a:buFont typeface="Arial" charset="0"/>
-              <a:buChar char="•"/>
-            </a:pPr>
-            <a:r>
-              <a:rPr lang="en-NZ" sz="1200" kern="1200" dirty="0" smtClean="0">
-                <a:solidFill>
-                  <a:schemeClr val="tx1"/>
-                </a:solidFill>
-                <a:effectLst/>
-                <a:latin typeface="+mn-lt"/>
-                <a:ea typeface="+mn-ea"/>
-                <a:cs typeface="+mn-cs"/>
-              </a:rPr>
-              <a:t>Hidden functionality is the worst one. You can’t see what the child can do just by looking at its .h file. The deeper your hierarchy, the worse it gets</a:t>
-            </a:r>
-          </a:p>
-          <a:p>
-            <a:pPr marL="171450" indent="-171450">
-              <a:buFont typeface="Arial" charset="0"/>
-              <a:buChar char="•"/>
-            </a:pPr>
-            <a:endParaRPr lang="en-NZ" sz="1200" kern="1200" dirty="0" smtClean="0">
+            <a:endParaRPr lang="en-NZ" sz="1200" kern="1200" dirty="0">
               <a:solidFill>
                 <a:schemeClr val="tx1"/>
               </a:solidFill>
@@ -2633,52 +1119,7 @@
               <a:buFont typeface="Arial" charset="0"/>
               <a:buChar char="•"/>
             </a:pPr>
-            <a:r>
-              <a:rPr lang="en-NZ" sz="1200" kern="1200" dirty="0" smtClean="0">
-                <a:solidFill>
-                  <a:schemeClr val="tx1"/>
-                </a:solidFill>
-                <a:effectLst/>
-                <a:latin typeface="+mn-lt"/>
-                <a:ea typeface="+mn-ea"/>
-                <a:cs typeface="+mn-cs"/>
-              </a:rPr>
-              <a:t>Aggregation/Composition is the preferred technique here</a:t>
-            </a:r>
-          </a:p>
-          <a:p>
-            <a:pPr marL="171450" indent="-171450">
-              <a:buFont typeface="Arial" charset="0"/>
-              <a:buChar char="•"/>
-            </a:pPr>
-            <a:endParaRPr lang="en-NZ" sz="1200" kern="1200" dirty="0" smtClean="0">
-              <a:solidFill>
-                <a:schemeClr val="tx1"/>
-              </a:solidFill>
-              <a:effectLst/>
-              <a:latin typeface="+mn-lt"/>
-              <a:ea typeface="+mn-ea"/>
-              <a:cs typeface="+mn-cs"/>
-            </a:endParaRPr>
-          </a:p>
-          <a:p>
-            <a:pPr marL="171450" indent="-171450">
-              <a:buFont typeface="Arial" charset="0"/>
-              <a:buChar char="•"/>
-            </a:pPr>
-            <a:r>
-              <a:rPr lang="en-NZ" sz="1200" b="0" i="0" kern="1200" dirty="0" smtClean="0">
-                <a:solidFill>
-                  <a:schemeClr val="tx1"/>
-                </a:solidFill>
-                <a:effectLst/>
-                <a:latin typeface="+mn-lt"/>
-                <a:ea typeface="+mn-ea"/>
-                <a:cs typeface="+mn-cs"/>
-              </a:rPr>
-              <a:t>Using composition and interfaces to achieve code reuse and polymorphism</a:t>
-            </a:r>
-            <a:endParaRPr lang="en-NZ" sz="1200" kern="1200" dirty="0" smtClean="0">
+            <a:endParaRPr lang="en-NZ" sz="1200" kern="1200" dirty="0">
               <a:solidFill>
                 <a:schemeClr val="tx1"/>
               </a:solidFill>
@@ -2774,208 +1215,7 @@
               <a:buFont typeface="Arial" charset="0"/>
               <a:buChar char="•"/>
             </a:pPr>
-            <a:r>
-              <a:rPr lang="en-NZ" sz="1200" kern="1200" dirty="0" smtClean="0">
-                <a:solidFill>
-                  <a:schemeClr val="tx1"/>
-                </a:solidFill>
-                <a:effectLst/>
-                <a:latin typeface="+mn-lt"/>
-                <a:ea typeface="+mn-ea"/>
-                <a:cs typeface="+mn-cs"/>
-              </a:rPr>
-              <a:t>Assume this class, with .h on the left and .</a:t>
-            </a:r>
-            <a:r>
-              <a:rPr lang="en-NZ" sz="1200" kern="1200" dirty="0" err="1" smtClean="0">
-                <a:solidFill>
-                  <a:schemeClr val="tx1"/>
-                </a:solidFill>
-                <a:effectLst/>
-                <a:latin typeface="+mn-lt"/>
-                <a:ea typeface="+mn-ea"/>
-                <a:cs typeface="+mn-cs"/>
-              </a:rPr>
-              <a:t>cpp</a:t>
-            </a:r>
-            <a:r>
-              <a:rPr lang="en-NZ" sz="1200" kern="1200" dirty="0" smtClean="0">
-                <a:solidFill>
-                  <a:schemeClr val="tx1"/>
-                </a:solidFill>
-                <a:effectLst/>
-                <a:latin typeface="+mn-lt"/>
-                <a:ea typeface="+mn-ea"/>
-                <a:cs typeface="+mn-cs"/>
-              </a:rPr>
-              <a:t> on the right</a:t>
-            </a:r>
-          </a:p>
-          <a:p>
-            <a:pPr marL="171450" indent="-171450">
-              <a:buFont typeface="Arial" charset="0"/>
-              <a:buChar char="•"/>
-            </a:pPr>
-            <a:endParaRPr lang="en-NZ" sz="1200" kern="1200" dirty="0" smtClean="0">
-              <a:solidFill>
-                <a:schemeClr val="tx1"/>
-              </a:solidFill>
-              <a:effectLst/>
-              <a:latin typeface="+mn-lt"/>
-              <a:ea typeface="+mn-ea"/>
-              <a:cs typeface="+mn-cs"/>
-            </a:endParaRPr>
-          </a:p>
-          <a:p>
-            <a:pPr marL="171450" indent="-171450">
-              <a:buFont typeface="Arial" charset="0"/>
-              <a:buChar char="•"/>
-            </a:pPr>
-            <a:r>
-              <a:rPr lang="en-NZ" sz="1200" kern="1200" dirty="0" smtClean="0">
-                <a:solidFill>
-                  <a:schemeClr val="tx1"/>
-                </a:solidFill>
-                <a:effectLst/>
-                <a:latin typeface="+mn-lt"/>
-                <a:ea typeface="+mn-ea"/>
-                <a:cs typeface="+mn-cs"/>
-              </a:rPr>
-              <a:t>We are going to descend from it</a:t>
-            </a:r>
-          </a:p>
-          <a:p>
-            <a:pPr marL="171450" indent="-171450">
-              <a:buFont typeface="Arial" charset="0"/>
-              <a:buChar char="•"/>
-            </a:pPr>
-            <a:r>
-              <a:rPr lang="en-NZ" sz="1200" kern="1200" dirty="0" smtClean="0">
-                <a:solidFill>
-                  <a:schemeClr val="tx1"/>
-                </a:solidFill>
-                <a:effectLst/>
-                <a:latin typeface="+mn-lt"/>
-                <a:ea typeface="+mn-ea"/>
-                <a:cs typeface="+mn-cs"/>
-              </a:rPr>
-              <a:t>What will the children have?</a:t>
-            </a:r>
-          </a:p>
-          <a:p>
-            <a:pPr marL="628650" lvl="1" indent="-171450">
-              <a:buFont typeface="Arial" charset="0"/>
-              <a:buChar char="•"/>
-            </a:pPr>
-            <a:r>
-              <a:rPr lang="en-NZ" sz="1200" kern="1200" dirty="0" smtClean="0">
-                <a:solidFill>
-                  <a:schemeClr val="tx1"/>
-                </a:solidFill>
-                <a:effectLst/>
-                <a:latin typeface="+mn-lt"/>
-                <a:ea typeface="+mn-ea"/>
-                <a:cs typeface="+mn-cs"/>
-              </a:rPr>
-              <a:t>An </a:t>
-            </a:r>
-            <a:r>
-              <a:rPr lang="en-NZ" sz="1200" kern="1200" dirty="0" err="1" smtClean="0">
-                <a:solidFill>
-                  <a:schemeClr val="tx1"/>
-                </a:solidFill>
-                <a:effectLst/>
-                <a:latin typeface="+mn-lt"/>
-                <a:ea typeface="+mn-ea"/>
-                <a:cs typeface="+mn-cs"/>
-              </a:rPr>
-              <a:t>int</a:t>
-            </a:r>
-            <a:r>
-              <a:rPr lang="en-NZ" sz="1200" kern="1200" dirty="0" smtClean="0">
-                <a:solidFill>
-                  <a:schemeClr val="tx1"/>
-                </a:solidFill>
-                <a:effectLst/>
-                <a:latin typeface="+mn-lt"/>
-                <a:ea typeface="+mn-ea"/>
-                <a:cs typeface="+mn-cs"/>
-              </a:rPr>
-              <a:t> </a:t>
-            </a:r>
-            <a:r>
-              <a:rPr lang="en-NZ" sz="1200" kern="1200" dirty="0" err="1" smtClean="0">
-                <a:solidFill>
-                  <a:schemeClr val="tx1"/>
-                </a:solidFill>
-                <a:effectLst/>
-                <a:latin typeface="+mn-lt"/>
-                <a:ea typeface="+mn-ea"/>
-                <a:cs typeface="+mn-cs"/>
-              </a:rPr>
-              <a:t>idNumber</a:t>
-            </a:r>
-            <a:r>
-              <a:rPr lang="en-NZ" sz="1200" kern="1200" dirty="0" smtClean="0">
-                <a:solidFill>
-                  <a:schemeClr val="tx1"/>
-                </a:solidFill>
-                <a:effectLst/>
-                <a:latin typeface="+mn-lt"/>
-                <a:ea typeface="+mn-ea"/>
-                <a:cs typeface="+mn-cs"/>
-              </a:rPr>
-              <a:t> with set and get methods</a:t>
-            </a:r>
-          </a:p>
-          <a:p>
-            <a:pPr marL="628650" lvl="1" indent="-171450">
-              <a:buFont typeface="Arial" charset="0"/>
-              <a:buChar char="•"/>
-            </a:pPr>
-            <a:r>
-              <a:rPr lang="en-NZ" sz="1200" kern="1200" dirty="0" smtClean="0">
-                <a:solidFill>
-                  <a:schemeClr val="tx1"/>
-                </a:solidFill>
-                <a:effectLst/>
-                <a:latin typeface="+mn-lt"/>
-                <a:ea typeface="+mn-ea"/>
-                <a:cs typeface="+mn-cs"/>
-              </a:rPr>
-              <a:t>A method </a:t>
-            </a:r>
-            <a:r>
-              <a:rPr lang="en-NZ" sz="1200" kern="1200" dirty="0" err="1" smtClean="0">
-                <a:solidFill>
-                  <a:schemeClr val="tx1"/>
-                </a:solidFill>
-                <a:effectLst/>
-                <a:latin typeface="+mn-lt"/>
-                <a:ea typeface="+mn-ea"/>
-                <a:cs typeface="+mn-cs"/>
-              </a:rPr>
-              <a:t>commonMethod</a:t>
-            </a:r>
-            <a:r>
-              <a:rPr lang="en-NZ" sz="1200" kern="1200" dirty="0" smtClean="0">
-                <a:solidFill>
-                  <a:schemeClr val="tx1"/>
-                </a:solidFill>
-                <a:effectLst/>
-                <a:latin typeface="+mn-lt"/>
-                <a:ea typeface="+mn-ea"/>
-                <a:cs typeface="+mn-cs"/>
-              </a:rPr>
-              <a:t> as shown</a:t>
-            </a:r>
-          </a:p>
-          <a:p>
-            <a:pPr marL="171450" indent="-171450">
-              <a:buFont typeface="Arial" charset="0"/>
-              <a:buChar char="•"/>
-            </a:pPr>
-            <a:endParaRPr lang="en-NZ" sz="1200" kern="1200" dirty="0" smtClean="0">
+            <a:endParaRPr lang="en-NZ" sz="1200" kern="1200" dirty="0">
               <a:solidFill>
                 <a:schemeClr val="tx1"/>
               </a:solidFill>
@@ -3071,190 +1311,7 @@
               <a:buFont typeface="Arial" charset="0"/>
               <a:buChar char="•"/>
             </a:pPr>
-            <a:r>
-              <a:rPr lang="en-NZ" sz="1200" kern="1200" dirty="0" smtClean="0">
-                <a:solidFill>
-                  <a:schemeClr val="tx1"/>
-                </a:solidFill>
-                <a:effectLst/>
-                <a:latin typeface="+mn-lt"/>
-                <a:ea typeface="+mn-ea"/>
-                <a:cs typeface="+mn-cs"/>
-              </a:rPr>
-              <a:t>The first inheritance use case – a child needs additional functionality </a:t>
-            </a:r>
-          </a:p>
-          <a:p>
-            <a:pPr marL="171450" indent="-171450">
-              <a:buFont typeface="Arial" charset="0"/>
-              <a:buChar char="•"/>
-            </a:pPr>
-            <a:endParaRPr lang="en-NZ" sz="1200" kern="1200" dirty="0" smtClean="0">
-              <a:solidFill>
-                <a:schemeClr val="tx1"/>
-              </a:solidFill>
-              <a:effectLst/>
-              <a:latin typeface="+mn-lt"/>
-              <a:ea typeface="+mn-ea"/>
-              <a:cs typeface="+mn-cs"/>
-            </a:endParaRPr>
-          </a:p>
-          <a:p>
-            <a:pPr marL="171450" indent="-171450">
-              <a:buFont typeface="Arial" charset="0"/>
-              <a:buChar char="•"/>
-            </a:pPr>
-            <a:r>
-              <a:rPr lang="en-NZ" sz="1200" kern="1200" dirty="0" smtClean="0">
-                <a:solidFill>
-                  <a:schemeClr val="tx1"/>
-                </a:solidFill>
-                <a:effectLst/>
-                <a:latin typeface="+mn-lt"/>
-                <a:ea typeface="+mn-ea"/>
-                <a:cs typeface="+mn-cs"/>
-              </a:rPr>
-              <a:t>Descend with :public and the name of the base class</a:t>
-            </a:r>
-          </a:p>
-          <a:p>
-            <a:pPr marL="171450" indent="-171450">
-              <a:buFont typeface="Arial" charset="0"/>
-              <a:buChar char="•"/>
-            </a:pPr>
-            <a:endParaRPr lang="en-NZ" sz="1200" kern="1200" dirty="0" smtClean="0">
-              <a:solidFill>
-                <a:schemeClr val="tx1"/>
-              </a:solidFill>
-              <a:effectLst/>
-              <a:latin typeface="+mn-lt"/>
-              <a:ea typeface="+mn-ea"/>
-              <a:cs typeface="+mn-cs"/>
-            </a:endParaRPr>
-          </a:p>
-          <a:p>
-            <a:pPr marL="171450" indent="-171450">
-              <a:buFont typeface="Arial" charset="0"/>
-              <a:buChar char="•"/>
-            </a:pPr>
-            <a:r>
-              <a:rPr lang="en-NZ" sz="1200" kern="1200" dirty="0" smtClean="0">
-                <a:solidFill>
-                  <a:schemeClr val="tx1"/>
-                </a:solidFill>
-                <a:effectLst/>
-                <a:latin typeface="+mn-lt"/>
-                <a:ea typeface="+mn-ea"/>
-                <a:cs typeface="+mn-cs"/>
-              </a:rPr>
-              <a:t>This is equivalent to the extends keyword in Java</a:t>
-            </a:r>
-          </a:p>
-          <a:p>
-            <a:pPr marL="171450" indent="-171450">
-              <a:buFont typeface="Arial" charset="0"/>
-              <a:buChar char="•"/>
-            </a:pPr>
-            <a:endParaRPr lang="en-NZ" sz="1200" kern="1200" dirty="0" smtClean="0">
-              <a:solidFill>
-                <a:schemeClr val="tx1"/>
-              </a:solidFill>
-              <a:effectLst/>
-              <a:latin typeface="+mn-lt"/>
-              <a:ea typeface="+mn-ea"/>
-              <a:cs typeface="+mn-cs"/>
-            </a:endParaRPr>
-          </a:p>
-          <a:p>
-            <a:pPr marL="171450" indent="-171450">
-              <a:buFont typeface="Arial" charset="0"/>
-              <a:buChar char="•"/>
-            </a:pPr>
-            <a:r>
-              <a:rPr lang="en-NZ" sz="1200" kern="1200" dirty="0" smtClean="0">
-                <a:solidFill>
-                  <a:schemeClr val="tx1"/>
-                </a:solidFill>
-                <a:effectLst/>
-                <a:latin typeface="+mn-lt"/>
-                <a:ea typeface="+mn-ea"/>
-                <a:cs typeface="+mn-cs"/>
-              </a:rPr>
-              <a:t>There is private inheritance as well, but it is out of scope for us</a:t>
-            </a:r>
-          </a:p>
-          <a:p>
-            <a:pPr marL="171450" indent="-171450">
-              <a:buFont typeface="Arial" charset="0"/>
-              <a:buChar char="•"/>
-            </a:pPr>
-            <a:endParaRPr lang="en-NZ" sz="1200" kern="1200" dirty="0" smtClean="0">
-              <a:solidFill>
-                <a:schemeClr val="tx1"/>
-              </a:solidFill>
-              <a:effectLst/>
-              <a:latin typeface="+mn-lt"/>
-              <a:ea typeface="+mn-ea"/>
-              <a:cs typeface="+mn-cs"/>
-            </a:endParaRPr>
-          </a:p>
-          <a:p>
-            <a:pPr marL="171450" indent="-171450">
-              <a:buFont typeface="Arial" charset="0"/>
-              <a:buChar char="•"/>
-            </a:pPr>
-            <a:r>
-              <a:rPr lang="en-NZ" sz="1200" kern="1200" dirty="0" smtClean="0">
-                <a:solidFill>
-                  <a:schemeClr val="tx1"/>
-                </a:solidFill>
-                <a:effectLst/>
-                <a:latin typeface="+mn-lt"/>
-                <a:ea typeface="+mn-ea"/>
-                <a:cs typeface="+mn-cs"/>
-              </a:rPr>
-              <a:t>Make sure to include the parent’s .h file to put the parent type in scope</a:t>
-            </a:r>
-          </a:p>
-          <a:p>
-            <a:pPr marL="171450" indent="-171450">
-              <a:buFont typeface="Arial" charset="0"/>
-              <a:buChar char="•"/>
-            </a:pPr>
-            <a:endParaRPr lang="en-NZ" sz="1200" kern="1200" dirty="0" smtClean="0">
-              <a:solidFill>
-                <a:schemeClr val="tx1"/>
-              </a:solidFill>
-              <a:effectLst/>
-              <a:latin typeface="+mn-lt"/>
-              <a:ea typeface="+mn-ea"/>
-              <a:cs typeface="+mn-cs"/>
-            </a:endParaRPr>
-          </a:p>
-          <a:p>
-            <a:pPr marL="171450" indent="-171450">
-              <a:buFont typeface="Arial" charset="0"/>
-              <a:buChar char="•"/>
-            </a:pPr>
-            <a:r>
-              <a:rPr lang="en-NZ" sz="1200" kern="1200" dirty="0" smtClean="0">
-                <a:solidFill>
-                  <a:schemeClr val="tx1"/>
-                </a:solidFill>
-                <a:effectLst/>
-                <a:latin typeface="+mn-lt"/>
-                <a:ea typeface="+mn-ea"/>
-                <a:cs typeface="+mn-cs"/>
-              </a:rPr>
-              <a:t>If you fill in the base class box in the class creation wizard, it does this bit for you</a:t>
-            </a:r>
-          </a:p>
-          <a:p>
-            <a:pPr marL="171450" indent="-171450">
-              <a:buFont typeface="Arial" charset="0"/>
-              <a:buChar char="•"/>
-            </a:pPr>
-            <a:endParaRPr lang="en-NZ" sz="1200" kern="1200" dirty="0" smtClean="0">
+            <a:endParaRPr lang="en-NZ" sz="1200" kern="1200" dirty="0">
               <a:solidFill>
                 <a:schemeClr val="tx1"/>
               </a:solidFill>
@@ -3350,25 +1407,7 @@
               <a:buFont typeface="Arial" charset="0"/>
               <a:buChar char="•"/>
             </a:pPr>
-            <a:r>
-              <a:rPr lang="en-NZ" sz="1200" kern="1200" dirty="0" smtClean="0">
-                <a:solidFill>
-                  <a:schemeClr val="tx1"/>
-                </a:solidFill>
-                <a:effectLst/>
-                <a:latin typeface="+mn-lt"/>
-                <a:ea typeface="+mn-ea"/>
-                <a:cs typeface="+mn-cs"/>
-              </a:rPr>
-              <a:t>In the parent constructor, we initialise the common data values and perform other common initialisation</a:t>
-            </a:r>
-          </a:p>
-          <a:p>
-            <a:pPr marL="171450" indent="-171450">
-              <a:buFont typeface="Arial" charset="0"/>
-              <a:buChar char="•"/>
-            </a:pPr>
-            <a:endParaRPr lang="en-NZ" sz="1200" kern="1200" dirty="0" smtClean="0">
+            <a:endParaRPr lang="en-NZ" sz="1200" kern="1200" dirty="0">
               <a:solidFill>
                 <a:schemeClr val="tx1"/>
               </a:solidFill>
@@ -3377,57 +1416,6 @@
               <a:ea typeface="+mn-ea"/>
               <a:cs typeface="+mn-cs"/>
             </a:endParaRPr>
-          </a:p>
-          <a:p>
-            <a:pPr marL="171450" indent="-171450">
-              <a:buFont typeface="Arial" charset="0"/>
-              <a:buChar char="•"/>
-            </a:pPr>
-            <a:r>
-              <a:rPr lang="en-NZ" sz="1200" kern="1200" dirty="0" smtClean="0">
-                <a:solidFill>
-                  <a:schemeClr val="tx1"/>
-                </a:solidFill>
-                <a:effectLst/>
-                <a:latin typeface="+mn-lt"/>
-                <a:ea typeface="+mn-ea"/>
-                <a:cs typeface="+mn-cs"/>
-              </a:rPr>
-              <a:t>You only want to write this code once, so you put it in the parent class and let the child call the parent constructor</a:t>
-            </a:r>
-          </a:p>
-          <a:p>
-            <a:pPr marL="171450" indent="-171450">
-              <a:buFont typeface="Arial" charset="0"/>
-              <a:buChar char="•"/>
-            </a:pPr>
-            <a:endParaRPr lang="en-NZ" sz="1200" kern="1200" dirty="0" smtClean="0">
-              <a:solidFill>
-                <a:schemeClr val="tx1"/>
-              </a:solidFill>
-              <a:effectLst/>
-              <a:latin typeface="+mn-lt"/>
-              <a:ea typeface="+mn-ea"/>
-              <a:cs typeface="+mn-cs"/>
-            </a:endParaRPr>
-          </a:p>
-          <a:p>
-            <a:pPr marL="171450" indent="-171450">
-              <a:buFont typeface="Arial" charset="0"/>
-              <a:buChar char="•"/>
-            </a:pPr>
-            <a:r>
-              <a:rPr lang="en-NZ" sz="1200" kern="1200" dirty="0" smtClean="0">
-                <a:solidFill>
-                  <a:schemeClr val="tx1"/>
-                </a:solidFill>
-                <a:effectLst/>
-                <a:latin typeface="+mn-lt"/>
-                <a:ea typeface="+mn-ea"/>
-                <a:cs typeface="+mn-cs"/>
-              </a:rPr>
-              <a:t>This is just a normal function call, so you  must pass the required arguments to that call</a:t>
-            </a:r>
           </a:p>
         </p:txBody>
       </p:sp>
@@ -3515,56 +1503,7 @@
               <a:buFont typeface="Arial" panose="020B0604020202020204" pitchFamily="34" charset="0"/>
               <a:buChar char="•"/>
             </a:pPr>
-            <a:r>
-              <a:rPr lang="en-NZ" dirty="0" smtClean="0"/>
-              <a:t> Then child1 can</a:t>
-            </a:r>
-            <a:r>
-              <a:rPr lang="en-NZ" baseline="0" dirty="0" smtClean="0"/>
-              <a:t> have whatever additional data and methods it needs</a:t>
-            </a:r>
-          </a:p>
-          <a:p>
-            <a:pPr marL="171450" indent="-171450">
-              <a:buFont typeface="Arial" panose="020B0604020202020204" pitchFamily="34" charset="0"/>
-              <a:buChar char="•"/>
-            </a:pPr>
-            <a:endParaRPr lang="en-NZ" baseline="0" dirty="0" smtClean="0"/>
-          </a:p>
-          <a:p>
-            <a:pPr marL="171450" indent="-171450">
-              <a:buFont typeface="Arial" panose="020B0604020202020204" pitchFamily="34" charset="0"/>
-              <a:buChar char="•"/>
-            </a:pPr>
-            <a:r>
-              <a:rPr lang="en-NZ" baseline="0" dirty="0" smtClean="0"/>
-              <a:t>In the .</a:t>
-            </a:r>
-            <a:r>
-              <a:rPr lang="en-NZ" baseline="0" dirty="0" err="1" smtClean="0"/>
-              <a:t>cpp</a:t>
-            </a:r>
-            <a:r>
-              <a:rPr lang="en-NZ" baseline="0" dirty="0" smtClean="0"/>
-              <a:t> these work exactly as they do for any non-child class</a:t>
-            </a:r>
-          </a:p>
-          <a:p>
-            <a:pPr marL="171450" indent="-171450">
-              <a:buFont typeface="Arial" panose="020B0604020202020204" pitchFamily="34" charset="0"/>
-              <a:buChar char="•"/>
-            </a:pPr>
-            <a:endParaRPr lang="en-NZ" baseline="0" dirty="0" smtClean="0"/>
-          </a:p>
-          <a:p>
-            <a:pPr marL="171450" indent="-171450">
-              <a:buFont typeface="Arial" panose="020B0604020202020204" pitchFamily="34" charset="0"/>
-              <a:buChar char="•"/>
-            </a:pPr>
-            <a:r>
-              <a:rPr lang="en-NZ" baseline="0" dirty="0" smtClean="0"/>
-              <a:t>Only the constructor is different....</a:t>
-            </a:r>
+            <a:endParaRPr lang="en-NZ" baseline="0" dirty="0"/>
           </a:p>
         </p:txBody>
       </p:sp>
@@ -3652,25 +1591,7 @@
               <a:buFont typeface="Arial" charset="0"/>
               <a:buChar char="•"/>
             </a:pPr>
-            <a:r>
-              <a:rPr lang="en-NZ" sz="1200" kern="1200" dirty="0" smtClean="0">
-                <a:solidFill>
-                  <a:schemeClr val="tx1"/>
-                </a:solidFill>
-                <a:effectLst/>
-                <a:latin typeface="+mn-lt"/>
-                <a:ea typeface="+mn-ea"/>
-                <a:cs typeface="+mn-cs"/>
-              </a:rPr>
-              <a:t>NB. Note that here there is nothing about changing state</a:t>
-            </a:r>
-          </a:p>
-          <a:p>
-            <a:pPr marL="171450" indent="-171450">
-              <a:buFont typeface="Arial" charset="0"/>
-              <a:buChar char="•"/>
-            </a:pPr>
-            <a:endParaRPr lang="en-NZ" sz="1200" kern="1200" dirty="0" smtClean="0">
+            <a:endParaRPr lang="en-NZ" sz="1200" kern="1200" dirty="0">
               <a:solidFill>
                 <a:schemeClr val="tx1"/>
               </a:solidFill>
@@ -3679,24 +1600,6 @@
               <a:ea typeface="+mn-ea"/>
               <a:cs typeface="+mn-cs"/>
             </a:endParaRPr>
-          </a:p>
-          <a:p>
-            <a:pPr marL="171450" indent="-171450">
-              <a:buFont typeface="Arial" charset="0"/>
-              <a:buChar char="•"/>
-            </a:pPr>
-            <a:r>
-              <a:rPr lang="en-NZ" sz="1200" kern="1200" dirty="0" smtClean="0">
-                <a:solidFill>
-                  <a:schemeClr val="tx1"/>
-                </a:solidFill>
-                <a:effectLst/>
-                <a:latin typeface="+mn-lt"/>
-                <a:ea typeface="+mn-ea"/>
-                <a:cs typeface="+mn-cs"/>
-              </a:rPr>
-              <a:t>This is just what you do while in a particular state</a:t>
-            </a:r>
           </a:p>
         </p:txBody>
       </p:sp>
@@ -3784,144 +1687,7 @@
               <a:buFont typeface="Arial" panose="020B0604020202020204" pitchFamily="34" charset="0"/>
               <a:buChar char="•"/>
             </a:pPr>
-            <a:r>
-              <a:rPr lang="en-NZ" dirty="0" smtClean="0"/>
-              <a:t>Note the syntax for the call to the parent</a:t>
-            </a:r>
-          </a:p>
-          <a:p>
-            <a:pPr marL="171450" indent="-171450">
-              <a:buFont typeface="Arial" panose="020B0604020202020204" pitchFamily="34" charset="0"/>
-              <a:buChar char="•"/>
-            </a:pPr>
-            <a:endParaRPr lang="en-NZ" dirty="0" smtClean="0"/>
-          </a:p>
-          <a:p>
-            <a:pPr marL="171450" indent="-171450">
-              <a:buFont typeface="Arial" panose="020B0604020202020204" pitchFamily="34" charset="0"/>
-              <a:buChar char="•"/>
-            </a:pPr>
-            <a:r>
-              <a:rPr lang="en-NZ" dirty="0" smtClean="0"/>
-              <a:t>: after the child </a:t>
-            </a:r>
-            <a:r>
-              <a:rPr lang="en-NZ" dirty="0" err="1" smtClean="0"/>
-              <a:t>arg</a:t>
-            </a:r>
-            <a:r>
-              <a:rPr lang="en-NZ" dirty="0" smtClean="0"/>
-              <a:t> list</a:t>
-            </a:r>
-          </a:p>
-          <a:p>
-            <a:pPr marL="171450" indent="-171450">
-              <a:buFont typeface="Arial" panose="020B0604020202020204" pitchFamily="34" charset="0"/>
-              <a:buChar char="•"/>
-            </a:pPr>
-            <a:endParaRPr lang="en-NZ" dirty="0" smtClean="0"/>
-          </a:p>
-          <a:p>
-            <a:pPr marL="171450" indent="-171450">
-              <a:buFont typeface="Arial" panose="020B0604020202020204" pitchFamily="34" charset="0"/>
-              <a:buChar char="•"/>
-            </a:pPr>
-            <a:r>
-              <a:rPr lang="en-NZ" dirty="0" smtClean="0"/>
-              <a:t>Give the parent class’s name. Some languages just say “base”. This is not one of them</a:t>
-            </a:r>
-          </a:p>
-          <a:p>
-            <a:pPr marL="171450" indent="-171450">
-              <a:buFont typeface="Arial" panose="020B0604020202020204" pitchFamily="34" charset="0"/>
-              <a:buChar char="•"/>
-            </a:pPr>
-            <a:endParaRPr lang="en-NZ" dirty="0" smtClean="0"/>
-          </a:p>
-          <a:p>
-            <a:pPr marL="171450" indent="-171450">
-              <a:buFont typeface="Arial" panose="020B0604020202020204" pitchFamily="34" charset="0"/>
-              <a:buChar char="•"/>
-            </a:pPr>
-            <a:r>
-              <a:rPr lang="en-NZ" dirty="0" smtClean="0"/>
-              <a:t>This is a function call. It needs arguments. In this case, just pass the input </a:t>
-            </a:r>
-            <a:r>
-              <a:rPr lang="en-NZ" dirty="0" err="1" smtClean="0"/>
-              <a:t>arg</a:t>
-            </a:r>
-            <a:r>
-              <a:rPr lang="en-NZ" dirty="0" smtClean="0"/>
-              <a:t> to the child along. NO DATA TYPE</a:t>
-            </a:r>
-          </a:p>
-          <a:p>
-            <a:pPr marL="171450" indent="-171450">
-              <a:buFont typeface="Arial" panose="020B0604020202020204" pitchFamily="34" charset="0"/>
-              <a:buChar char="•"/>
-            </a:pPr>
-            <a:endParaRPr lang="en-NZ" dirty="0" smtClean="0"/>
-          </a:p>
-          <a:p>
-            <a:pPr marL="171450" indent="-171450">
-              <a:buFont typeface="Arial" panose="020B0604020202020204" pitchFamily="34" charset="0"/>
-              <a:buChar char="•"/>
-            </a:pPr>
-            <a:r>
-              <a:rPr lang="en-NZ" dirty="0" smtClean="0"/>
-              <a:t>Don’t become confused. Even though this call is in the prototype line, it is not a prototype or part of the prototype. IT IS A FUNCTION CALL.</a:t>
-            </a:r>
-          </a:p>
-          <a:p>
-            <a:pPr marL="171450" indent="-171450">
-              <a:buFont typeface="Arial" panose="020B0604020202020204" pitchFamily="34" charset="0"/>
-              <a:buChar char="•"/>
-            </a:pPr>
-            <a:endParaRPr lang="en-NZ" dirty="0" smtClean="0"/>
-          </a:p>
-          <a:p>
-            <a:pPr marL="171450" indent="-171450">
-              <a:buFont typeface="Arial" panose="020B0604020202020204" pitchFamily="34" charset="0"/>
-              <a:buChar char="•"/>
-            </a:pPr>
-            <a:r>
-              <a:rPr lang="en-NZ" dirty="0" smtClean="0"/>
-              <a:t>In the code body, do whatever you want.</a:t>
-            </a:r>
-          </a:p>
-          <a:p>
-            <a:pPr marL="171450" indent="-171450">
-              <a:buFont typeface="Arial" panose="020B0604020202020204" pitchFamily="34" charset="0"/>
-              <a:buChar char="•"/>
-            </a:pPr>
-            <a:endParaRPr lang="en-NZ" dirty="0" smtClean="0"/>
-          </a:p>
-          <a:p>
-            <a:pPr marL="171450" indent="-171450">
-              <a:buFont typeface="Arial" panose="020B0604020202020204" pitchFamily="34" charset="0"/>
-              <a:buChar char="•"/>
-            </a:pPr>
-            <a:r>
-              <a:rPr lang="en-NZ" dirty="0" smtClean="0"/>
-              <a:t>What is the state of the instance after this constructor? =&gt; both </a:t>
-            </a:r>
-            <a:r>
-              <a:rPr lang="en-NZ" dirty="0" err="1" smtClean="0"/>
-              <a:t>specialCihldDataString</a:t>
-            </a:r>
-            <a:r>
-              <a:rPr lang="en-NZ" dirty="0" smtClean="0"/>
-              <a:t> and </a:t>
-            </a:r>
-            <a:r>
-              <a:rPr lang="en-NZ" dirty="0" err="1" smtClean="0"/>
-              <a:t>idNumber</a:t>
-            </a:r>
-            <a:r>
-              <a:rPr lang="en-NZ" dirty="0" smtClean="0"/>
-              <a:t> are initialised.</a:t>
-            </a:r>
+            <a:endParaRPr lang="en-NZ" dirty="0"/>
           </a:p>
         </p:txBody>
       </p:sp>
@@ -4010,7 +1776,7 @@
               <a:buChar char="•"/>
             </a:pPr>
             <a:r>
-              <a:rPr lang="en-NZ" sz="1200" kern="1200" dirty="0" smtClean="0">
+              <a:rPr lang="en-NZ" sz="1200" kern="1200" dirty="0">
                 <a:solidFill>
                   <a:schemeClr val="tx1"/>
                 </a:solidFill>
@@ -4019,122 +1785,8 @@
                 <a:ea typeface="+mn-ea"/>
                 <a:cs typeface="+mn-cs"/>
               </a:rPr>
-              <a:t>The second inheritance use case – polymorphism</a:t>
-            </a:r>
-          </a:p>
-          <a:p>
-            <a:pPr marL="171450" indent="-171450">
-              <a:buFont typeface="Arial" charset="0"/>
-              <a:buChar char="•"/>
-            </a:pPr>
-            <a:endParaRPr lang="en-NZ" sz="1200" kern="1200" dirty="0" smtClean="0">
-              <a:solidFill>
-                <a:schemeClr val="tx1"/>
-              </a:solidFill>
-              <a:effectLst/>
-              <a:latin typeface="+mn-lt"/>
-              <a:ea typeface="+mn-ea"/>
-              <a:cs typeface="+mn-cs"/>
-            </a:endParaRPr>
-          </a:p>
-          <a:p>
-            <a:pPr marL="171450" indent="-171450">
-              <a:buFont typeface="Arial" charset="0"/>
-              <a:buChar char="•"/>
-            </a:pPr>
-            <a:r>
-              <a:rPr lang="en-NZ" sz="1200" kern="1200" dirty="0" smtClean="0">
-                <a:solidFill>
-                  <a:schemeClr val="tx1"/>
-                </a:solidFill>
-                <a:effectLst/>
-                <a:latin typeface="+mn-lt"/>
-                <a:ea typeface="+mn-ea"/>
-                <a:cs typeface="+mn-cs"/>
-              </a:rPr>
-              <a:t>The parent provides a method (with or without default code body) and children can (or must) override the method, providing their own code</a:t>
-            </a:r>
-          </a:p>
-          <a:p>
-            <a:pPr marL="0" indent="0">
-              <a:buFont typeface="Arial" charset="0"/>
-              <a:buNone/>
-            </a:pPr>
-            <a:endParaRPr lang="en-NZ" sz="1200" kern="1200" dirty="0" smtClean="0">
-              <a:solidFill>
-                <a:schemeClr val="tx1"/>
-              </a:solidFill>
-              <a:effectLst/>
-              <a:latin typeface="+mn-lt"/>
-              <a:ea typeface="+mn-ea"/>
-              <a:cs typeface="+mn-cs"/>
-            </a:endParaRPr>
-          </a:p>
-          <a:p>
-            <a:pPr marL="171450" indent="-171450">
-              <a:buFont typeface="Arial" charset="0"/>
-              <a:buChar char="•"/>
-            </a:pPr>
-            <a:r>
-              <a:rPr lang="en-NZ" sz="1200" kern="1200" dirty="0" smtClean="0">
-                <a:solidFill>
-                  <a:schemeClr val="tx1"/>
-                </a:solidFill>
-                <a:effectLst/>
-                <a:latin typeface="+mn-lt"/>
-                <a:ea typeface="+mn-ea"/>
-                <a:cs typeface="+mn-cs"/>
-              </a:rPr>
-              <a:t>Abstract is safer (each class guaranteed to have the right logic), virtual is more convenient (you can provide a default method)</a:t>
-            </a:r>
-          </a:p>
-          <a:p>
-            <a:pPr marL="171450" indent="-171450">
-              <a:buFont typeface="Arial" charset="0"/>
-              <a:buChar char="•"/>
-            </a:pPr>
-            <a:endParaRPr lang="en-NZ" sz="1200" kern="1200" dirty="0" smtClean="0">
-              <a:solidFill>
-                <a:schemeClr val="tx1"/>
-              </a:solidFill>
-              <a:effectLst/>
-              <a:latin typeface="+mn-lt"/>
-              <a:ea typeface="+mn-ea"/>
-              <a:cs typeface="+mn-cs"/>
-            </a:endParaRPr>
-          </a:p>
-          <a:p>
-            <a:pPr marL="171450" indent="-171450">
-              <a:buFont typeface="Arial" charset="0"/>
-              <a:buChar char="•"/>
-            </a:pPr>
-            <a:r>
-              <a:rPr lang="en-NZ" sz="1200" kern="1200" dirty="0" smtClean="0">
-                <a:solidFill>
-                  <a:schemeClr val="tx1"/>
-                </a:solidFill>
-                <a:effectLst/>
-                <a:latin typeface="+mn-lt"/>
-                <a:ea typeface="+mn-ea"/>
-                <a:cs typeface="+mn-cs"/>
-              </a:rPr>
-              <a:t>If there is any sensible default, one tends to go virtual, especially because there is an alternative to abstract classes (interfaces; cf. OOSD)</a:t>
-            </a:r>
-          </a:p>
-          <a:p>
-            <a:pPr marL="171450" indent="-171450">
-              <a:buFont typeface="Arial" charset="0"/>
-              <a:buChar char="•"/>
-            </a:pPr>
-            <a:endParaRPr lang="en-NZ" sz="1200" kern="1200" dirty="0" smtClean="0">
-              <a:solidFill>
-                <a:schemeClr val="tx1"/>
-              </a:solidFill>
-              <a:effectLst/>
-              <a:latin typeface="+mn-lt"/>
-              <a:ea typeface="+mn-ea"/>
-              <a:cs typeface="+mn-cs"/>
-            </a:endParaRPr>
+              <a:t>=</a:t>
+            </a:r>
           </a:p>
         </p:txBody>
       </p:sp>
@@ -4222,25 +1874,7 @@
               <a:buFont typeface="Arial" charset="0"/>
               <a:buChar char="•"/>
             </a:pPr>
-            <a:r>
-              <a:rPr lang="en-NZ" sz="1200" kern="1200" dirty="0" smtClean="0">
-                <a:solidFill>
-                  <a:schemeClr val="tx1"/>
-                </a:solidFill>
-                <a:effectLst/>
-                <a:latin typeface="+mn-lt"/>
-                <a:ea typeface="+mn-ea"/>
-                <a:cs typeface="+mn-cs"/>
-              </a:rPr>
-              <a:t>The syntax is a little odd. Just go with it</a:t>
-            </a:r>
-          </a:p>
-          <a:p>
-            <a:pPr marL="171450" indent="-171450">
-              <a:buFont typeface="Arial" charset="0"/>
-              <a:buChar char="•"/>
-            </a:pPr>
-            <a:endParaRPr lang="en-NZ" sz="1200" kern="1200" dirty="0" smtClean="0">
+            <a:endParaRPr lang="en-NZ" sz="1200" kern="1200" dirty="0">
               <a:solidFill>
                 <a:schemeClr val="tx1"/>
               </a:solidFill>
@@ -4336,10 +1970,7 @@
               <a:buFont typeface="Arial" panose="020B0604020202020204" pitchFamily="34" charset="0"/>
               <a:buChar char="•"/>
             </a:pPr>
-            <a:r>
-              <a:rPr lang="en-NZ" dirty="0" smtClean="0"/>
-              <a:t>When the child overrides, they mark it in the .h. This just tells the compiler you really mean it</a:t>
-            </a:r>
+            <a:endParaRPr lang="en-NZ" dirty="0"/>
           </a:p>
         </p:txBody>
       </p:sp>
@@ -4427,35 +2058,7 @@
               <a:buFont typeface="Arial" panose="020B0604020202020204" pitchFamily="34" charset="0"/>
               <a:buChar char="•"/>
             </a:pPr>
-            <a:r>
-              <a:rPr lang="en-NZ" dirty="0" smtClean="0"/>
-              <a:t>In the .</a:t>
-            </a:r>
-            <a:r>
-              <a:rPr lang="en-NZ" dirty="0" err="1" smtClean="0"/>
-              <a:t>cpp</a:t>
-            </a:r>
-            <a:r>
-              <a:rPr lang="en-NZ" dirty="0" smtClean="0"/>
-              <a:t>, it just looks normal. No virtual or override keywords</a:t>
-            </a:r>
-          </a:p>
-          <a:p>
-            <a:pPr marL="171450" indent="-171450">
-              <a:buFont typeface="Arial" panose="020B0604020202020204" pitchFamily="34" charset="0"/>
-              <a:buChar char="•"/>
-            </a:pPr>
-            <a:endParaRPr lang="en-NZ" dirty="0" smtClean="0"/>
-          </a:p>
-          <a:p>
-            <a:pPr marL="171450" indent="-171450">
-              <a:buFont typeface="Arial" panose="020B0604020202020204" pitchFamily="34" charset="0"/>
-              <a:buChar char="•"/>
-            </a:pPr>
-            <a:r>
-              <a:rPr lang="en-NZ" dirty="0" smtClean="0"/>
-              <a:t>Other languages have different rules for how virtual, abstract and override are marked. You really have to look it up every time you switch languages. But the logic is always the same</a:t>
-            </a:r>
+            <a:endParaRPr lang="en-NZ" dirty="0"/>
           </a:p>
         </p:txBody>
       </p:sp>
@@ -4543,7 +2146,7 @@
               <a:buFont typeface="Arial" charset="0"/>
               <a:buChar char="•"/>
             </a:pPr>
-            <a:endParaRPr lang="en-NZ" sz="1200" kern="1200" dirty="0" smtClean="0">
+            <a:endParaRPr lang="en-NZ" sz="1200" kern="1200" dirty="0">
               <a:solidFill>
                 <a:schemeClr val="tx1"/>
               </a:solidFill>
@@ -4639,7 +2242,7 @@
               <a:buFont typeface="Arial" charset="0"/>
               <a:buChar char="•"/>
             </a:pPr>
-            <a:endParaRPr lang="en-NZ" sz="1200" kern="1200" dirty="0" smtClean="0">
+            <a:endParaRPr lang="en-NZ" sz="1200" kern="1200" dirty="0">
               <a:solidFill>
                 <a:schemeClr val="tx1"/>
               </a:solidFill>
@@ -4735,7 +2338,7 @@
               <a:buFont typeface="Arial" charset="0"/>
               <a:buChar char="•"/>
             </a:pPr>
-            <a:endParaRPr lang="en-NZ" sz="1200" kern="1200" dirty="0" smtClean="0">
+            <a:endParaRPr lang="en-NZ" sz="1200" kern="1200" dirty="0">
               <a:solidFill>
                 <a:schemeClr val="tx1"/>
               </a:solidFill>
@@ -4831,352 +2434,7 @@
               <a:buFont typeface="Arial" charset="0"/>
               <a:buChar char="•"/>
             </a:pPr>
-            <a:r>
-              <a:rPr lang="en-NZ" sz="1200" kern="1200" dirty="0" smtClean="0">
-                <a:solidFill>
-                  <a:schemeClr val="tx1"/>
-                </a:solidFill>
-                <a:effectLst/>
-                <a:latin typeface="+mn-lt"/>
-                <a:ea typeface="+mn-ea"/>
-                <a:cs typeface="+mn-cs"/>
-              </a:rPr>
-              <a:t>The FSM is very common in games programming, because many of the required behaviours can easily be captured using the states-events-actions approach</a:t>
-            </a:r>
-          </a:p>
-          <a:p>
-            <a:pPr marL="171450" indent="-171450">
-              <a:buFont typeface="Arial" charset="0"/>
-              <a:buChar char="•"/>
-            </a:pPr>
-            <a:endParaRPr lang="en-NZ" sz="1200" kern="1200" dirty="0" smtClean="0">
-              <a:solidFill>
-                <a:schemeClr val="tx1"/>
-              </a:solidFill>
-              <a:effectLst/>
-              <a:latin typeface="+mn-lt"/>
-              <a:ea typeface="+mn-ea"/>
-              <a:cs typeface="+mn-cs"/>
-            </a:endParaRPr>
-          </a:p>
-          <a:p>
-            <a:pPr marL="171450" indent="-171450">
-              <a:buFont typeface="Arial" charset="0"/>
-              <a:buChar char="•"/>
-            </a:pPr>
-            <a:r>
-              <a:rPr lang="en-NZ" sz="1200" kern="1200" dirty="0" smtClean="0">
-                <a:solidFill>
-                  <a:schemeClr val="tx1"/>
-                </a:solidFill>
-                <a:effectLst/>
-                <a:latin typeface="+mn-lt"/>
-                <a:ea typeface="+mn-ea"/>
-                <a:cs typeface="+mn-cs"/>
-              </a:rPr>
-              <a:t>Here is an FSM for a patrolling guard AI</a:t>
-            </a:r>
-          </a:p>
-          <a:p>
-            <a:pPr marL="171450" indent="-171450">
-              <a:buFont typeface="Arial" charset="0"/>
-              <a:buChar char="•"/>
-            </a:pPr>
-            <a:endParaRPr lang="en-NZ" sz="1200" kern="1200" dirty="0" smtClean="0">
-              <a:solidFill>
-                <a:schemeClr val="tx1"/>
-              </a:solidFill>
-              <a:effectLst/>
-              <a:latin typeface="+mn-lt"/>
-              <a:ea typeface="+mn-ea"/>
-              <a:cs typeface="+mn-cs"/>
-            </a:endParaRPr>
-          </a:p>
-          <a:p>
-            <a:pPr marL="171450" indent="-171450">
-              <a:buFont typeface="Arial" charset="0"/>
-              <a:buChar char="•"/>
-            </a:pPr>
-            <a:r>
-              <a:rPr lang="en-NZ" sz="1200" kern="1200" dirty="0" smtClean="0">
-                <a:solidFill>
-                  <a:schemeClr val="tx1"/>
-                </a:solidFill>
-                <a:effectLst/>
-                <a:latin typeface="+mn-lt"/>
-                <a:ea typeface="+mn-ea"/>
-                <a:cs typeface="+mn-cs"/>
-              </a:rPr>
-              <a:t>From </a:t>
-            </a:r>
-            <a:r>
-              <a:rPr lang="en-NZ" sz="1200" kern="1200" dirty="0" err="1" smtClean="0">
-                <a:solidFill>
-                  <a:schemeClr val="tx1"/>
-                </a:solidFill>
-                <a:effectLst/>
-                <a:latin typeface="+mn-lt"/>
-                <a:ea typeface="+mn-ea"/>
-                <a:cs typeface="+mn-cs"/>
-              </a:rPr>
-              <a:t>Dalmau</a:t>
-            </a:r>
-            <a:r>
-              <a:rPr lang="en-NZ" sz="1200" kern="1200" dirty="0" smtClean="0">
-                <a:solidFill>
-                  <a:schemeClr val="tx1"/>
-                </a:solidFill>
-                <a:effectLst/>
-                <a:latin typeface="+mn-lt"/>
-                <a:ea typeface="+mn-ea"/>
-                <a:cs typeface="+mn-cs"/>
-              </a:rPr>
-              <a:t>, Core Techniques and Algorithms in Game Programming</a:t>
-            </a:r>
-          </a:p>
-          <a:p>
-            <a:pPr marL="628650" lvl="1" indent="-171450">
-              <a:buFont typeface="Arial" charset="0"/>
-              <a:buChar char="•"/>
-            </a:pPr>
-            <a:r>
-              <a:rPr lang="en-NZ" sz="1200" kern="1200" dirty="0" smtClean="0">
-                <a:solidFill>
-                  <a:schemeClr val="tx1"/>
-                </a:solidFill>
-                <a:effectLst/>
-                <a:latin typeface="+mn-lt"/>
-                <a:ea typeface="+mn-ea"/>
-                <a:cs typeface="+mn-cs"/>
-              </a:rPr>
-              <a:t>The enemy has a predefined set of waypoints that he patrols in a cyclical way</a:t>
-            </a:r>
-          </a:p>
-          <a:p>
-            <a:pPr marL="628650" lvl="1" indent="-171450">
-              <a:buFont typeface="Arial" charset="0"/>
-              <a:buChar char="•"/>
-            </a:pPr>
-            <a:r>
-              <a:rPr lang="en-NZ" sz="1200" kern="1200" dirty="0" smtClean="0">
-                <a:solidFill>
-                  <a:schemeClr val="tx1"/>
-                </a:solidFill>
-                <a:effectLst/>
-                <a:latin typeface="+mn-lt"/>
-                <a:ea typeface="+mn-ea"/>
-                <a:cs typeface="+mn-cs"/>
-              </a:rPr>
-              <a:t>The enemy detects the player when it is inside his “viewing cone” (field of vision)</a:t>
-            </a:r>
-          </a:p>
-          <a:p>
-            <a:pPr marL="628650" lvl="1" indent="-171450">
-              <a:buFont typeface="Arial" charset="0"/>
-              <a:buChar char="•"/>
-            </a:pPr>
-            <a:r>
-              <a:rPr lang="en-NZ" sz="1200" kern="1200" dirty="0" smtClean="0">
-                <a:solidFill>
-                  <a:schemeClr val="tx1"/>
-                </a:solidFill>
-                <a:effectLst/>
-                <a:latin typeface="+mn-lt"/>
-                <a:ea typeface="+mn-ea"/>
-                <a:cs typeface="+mn-cs"/>
-              </a:rPr>
-              <a:t>If enemy sees player, it chases</a:t>
-            </a:r>
-          </a:p>
-          <a:p>
-            <a:pPr marL="628650" lvl="1" indent="-171450">
-              <a:buFont typeface="Arial" charset="0"/>
-              <a:buChar char="•"/>
-            </a:pPr>
-            <a:r>
-              <a:rPr lang="en-NZ" sz="1200" kern="1200" dirty="0" smtClean="0">
-                <a:solidFill>
-                  <a:schemeClr val="tx1"/>
-                </a:solidFill>
-                <a:effectLst/>
-                <a:latin typeface="+mn-lt"/>
-                <a:ea typeface="+mn-ea"/>
-                <a:cs typeface="+mn-cs"/>
-              </a:rPr>
-              <a:t>If enemy gets close enough to player, he stops chasing and starts hitting</a:t>
-            </a:r>
-          </a:p>
-          <a:p>
-            <a:pPr marL="628650" lvl="1" indent="-171450">
-              <a:buFont typeface="Arial" charset="0"/>
-              <a:buChar char="•"/>
-            </a:pPr>
-            <a:endParaRPr lang="en-NZ" sz="1200" kern="1200" dirty="0" smtClean="0">
-              <a:solidFill>
-                <a:schemeClr val="tx1"/>
-              </a:solidFill>
-              <a:effectLst/>
-              <a:latin typeface="+mn-lt"/>
-              <a:ea typeface="+mn-ea"/>
-              <a:cs typeface="+mn-cs"/>
-            </a:endParaRPr>
-          </a:p>
-          <a:p>
-            <a:pPr marL="171450" indent="-171450">
-              <a:buFont typeface="Arial" charset="0"/>
-              <a:buChar char="•"/>
-            </a:pPr>
-            <a:r>
-              <a:rPr lang="en-NZ" sz="1200" kern="1200" dirty="0" smtClean="0">
-                <a:solidFill>
-                  <a:schemeClr val="tx1"/>
-                </a:solidFill>
-                <a:effectLst/>
-                <a:latin typeface="+mn-lt"/>
-                <a:ea typeface="+mn-ea"/>
-                <a:cs typeface="+mn-cs"/>
-              </a:rPr>
-              <a:t>Most of the time in Seek Waypoint, walking toward waypoint</a:t>
-            </a:r>
-          </a:p>
-          <a:p>
-            <a:pPr marL="171450" indent="-171450">
-              <a:buFont typeface="Arial" charset="0"/>
-              <a:buChar char="•"/>
-            </a:pPr>
-            <a:endParaRPr lang="en-NZ" sz="1200" kern="1200" dirty="0" smtClean="0">
-              <a:solidFill>
-                <a:schemeClr val="tx1"/>
-              </a:solidFill>
-              <a:effectLst/>
-              <a:latin typeface="+mn-lt"/>
-              <a:ea typeface="+mn-ea"/>
-              <a:cs typeface="+mn-cs"/>
-            </a:endParaRPr>
-          </a:p>
-          <a:p>
-            <a:pPr marL="171450" indent="-171450">
-              <a:buFont typeface="Arial" charset="0"/>
-              <a:buChar char="•"/>
-            </a:pPr>
-            <a:r>
-              <a:rPr lang="en-NZ" sz="1200" kern="1200" dirty="0" smtClean="0">
-                <a:solidFill>
-                  <a:schemeClr val="tx1"/>
-                </a:solidFill>
-                <a:effectLst/>
-                <a:latin typeface="+mn-lt"/>
-                <a:ea typeface="+mn-ea"/>
-                <a:cs typeface="+mn-cs"/>
-              </a:rPr>
-              <a:t>When waypoint reached, turns toward next waypoint</a:t>
-            </a:r>
-          </a:p>
-          <a:p>
-            <a:pPr marL="171450" indent="-171450">
-              <a:buFont typeface="Arial" charset="0"/>
-              <a:buChar char="•"/>
-            </a:pPr>
-            <a:endParaRPr lang="en-NZ" sz="1200" kern="1200" dirty="0" smtClean="0">
-              <a:solidFill>
-                <a:schemeClr val="tx1"/>
-              </a:solidFill>
-              <a:effectLst/>
-              <a:latin typeface="+mn-lt"/>
-              <a:ea typeface="+mn-ea"/>
-              <a:cs typeface="+mn-cs"/>
-            </a:endParaRPr>
-          </a:p>
-          <a:p>
-            <a:pPr marL="171450" indent="-171450">
-              <a:buFont typeface="Arial" charset="0"/>
-              <a:buChar char="•"/>
-            </a:pPr>
-            <a:r>
-              <a:rPr lang="en-NZ" sz="1200" kern="1200" dirty="0" smtClean="0">
-                <a:solidFill>
-                  <a:schemeClr val="tx1"/>
-                </a:solidFill>
-                <a:effectLst/>
-                <a:latin typeface="+mn-lt"/>
-                <a:ea typeface="+mn-ea"/>
-                <a:cs typeface="+mn-cs"/>
-              </a:rPr>
-              <a:t>When realigned, returns to Seek state</a:t>
-            </a:r>
-          </a:p>
-          <a:p>
-            <a:pPr marL="171450" indent="-171450">
-              <a:buFont typeface="Arial" charset="0"/>
-              <a:buChar char="•"/>
-            </a:pPr>
-            <a:endParaRPr lang="en-NZ" sz="1200" kern="1200" dirty="0" smtClean="0">
-              <a:solidFill>
-                <a:schemeClr val="tx1"/>
-              </a:solidFill>
-              <a:effectLst/>
-              <a:latin typeface="+mn-lt"/>
-              <a:ea typeface="+mn-ea"/>
-              <a:cs typeface="+mn-cs"/>
-            </a:endParaRPr>
-          </a:p>
-          <a:p>
-            <a:pPr marL="171450" indent="-171450">
-              <a:buFont typeface="Arial" charset="0"/>
-              <a:buChar char="•"/>
-            </a:pPr>
-            <a:r>
-              <a:rPr lang="en-NZ" sz="1200" kern="1200" dirty="0" smtClean="0">
-                <a:solidFill>
-                  <a:schemeClr val="tx1"/>
-                </a:solidFill>
-                <a:effectLst/>
-                <a:latin typeface="+mn-lt"/>
-                <a:ea typeface="+mn-ea"/>
-                <a:cs typeface="+mn-cs"/>
-              </a:rPr>
-              <a:t>If while Seeking, see player, moves to Chase state</a:t>
-            </a:r>
-          </a:p>
-          <a:p>
-            <a:pPr marL="171450" indent="-171450">
-              <a:buFont typeface="Arial" charset="0"/>
-              <a:buChar char="•"/>
-            </a:pPr>
-            <a:endParaRPr lang="en-NZ" sz="1200" kern="1200" dirty="0" smtClean="0">
-              <a:solidFill>
-                <a:schemeClr val="tx1"/>
-              </a:solidFill>
-              <a:effectLst/>
-              <a:latin typeface="+mn-lt"/>
-              <a:ea typeface="+mn-ea"/>
-              <a:cs typeface="+mn-cs"/>
-            </a:endParaRPr>
-          </a:p>
-          <a:p>
-            <a:pPr marL="171450" indent="-171450">
-              <a:buFont typeface="Arial" charset="0"/>
-              <a:buChar char="•"/>
-            </a:pPr>
-            <a:r>
-              <a:rPr lang="en-NZ" sz="1200" kern="1200" dirty="0" smtClean="0">
-                <a:solidFill>
-                  <a:schemeClr val="tx1"/>
-                </a:solidFill>
-                <a:effectLst/>
-                <a:latin typeface="+mn-lt"/>
-                <a:ea typeface="+mn-ea"/>
-                <a:cs typeface="+mn-cs"/>
-              </a:rPr>
-              <a:t>And so on.</a:t>
-            </a:r>
-          </a:p>
-          <a:p>
-            <a:pPr marL="171450" indent="-171450">
-              <a:buFont typeface="Arial" charset="0"/>
-              <a:buChar char="•"/>
-            </a:pPr>
-            <a:endParaRPr lang="en-NZ" sz="1200" kern="1200" dirty="0" smtClean="0">
+            <a:endParaRPr lang="en-NZ" sz="1200" kern="1200" dirty="0">
               <a:solidFill>
                 <a:schemeClr val="tx1"/>
               </a:solidFill>
@@ -5272,25 +2530,7 @@
               <a:buFont typeface="Arial" charset="0"/>
               <a:buChar char="•"/>
             </a:pPr>
-            <a:r>
-              <a:rPr lang="en-NZ" sz="1200" kern="1200" dirty="0" smtClean="0">
-                <a:solidFill>
-                  <a:schemeClr val="tx1"/>
-                </a:solidFill>
-                <a:effectLst/>
-                <a:latin typeface="+mn-lt"/>
-                <a:ea typeface="+mn-ea"/>
-                <a:cs typeface="+mn-cs"/>
-              </a:rPr>
-              <a:t>Real FSM From Quake</a:t>
-            </a:r>
-          </a:p>
-          <a:p>
-            <a:pPr marL="171450" indent="-171450">
-              <a:buFont typeface="Arial" charset="0"/>
-              <a:buChar char="•"/>
-            </a:pPr>
-            <a:endParaRPr lang="en-NZ" sz="1200" kern="1200" dirty="0" smtClean="0">
+            <a:endParaRPr lang="en-NZ" sz="1200" kern="1200" dirty="0">
               <a:solidFill>
                 <a:schemeClr val="tx1"/>
               </a:solidFill>
@@ -5299,24 +2539,6 @@
               <a:ea typeface="+mn-ea"/>
               <a:cs typeface="+mn-cs"/>
             </a:endParaRPr>
-          </a:p>
-          <a:p>
-            <a:pPr marL="171450" indent="-171450">
-              <a:buFont typeface="Arial" charset="0"/>
-              <a:buChar char="•"/>
-            </a:pPr>
-            <a:r>
-              <a:rPr lang="en-NZ" sz="1200" kern="1200" dirty="0" smtClean="0">
-                <a:solidFill>
-                  <a:schemeClr val="tx1"/>
-                </a:solidFill>
-                <a:effectLst/>
-                <a:latin typeface="+mn-lt"/>
-                <a:ea typeface="+mn-ea"/>
-                <a:cs typeface="+mn-cs"/>
-              </a:rPr>
-              <a:t>Quake is pretty much all FSM</a:t>
-            </a:r>
           </a:p>
         </p:txBody>
       </p:sp>
@@ -5404,18 +2626,15 @@
               <a:buFont typeface="Arial" charset="0"/>
               <a:buChar char="•"/>
             </a:pPr>
-            <a:r>
-              <a:rPr lang="en-NZ" sz="1200" kern="1200" dirty="0" smtClean="0">
-                <a:solidFill>
-                  <a:schemeClr val="tx1"/>
-                </a:solidFill>
-                <a:effectLst/>
-                <a:latin typeface="+mn-lt"/>
-                <a:ea typeface="+mn-ea"/>
-                <a:cs typeface="+mn-cs"/>
-              </a:rPr>
-              <a:t>From Quake again</a:t>
-            </a:r>
+            <a:endParaRPr lang="en-NZ" sz="1200" kern="1200" dirty="0">
+              <a:solidFill>
+                <a:schemeClr val="tx1"/>
+              </a:solidFill>
+              <a:effectLst/>
+              <a:latin typeface="+mn-lt"/>
+              <a:ea typeface="+mn-ea"/>
+              <a:cs typeface="+mn-cs"/>
+            </a:endParaRPr>
           </a:p>
         </p:txBody>
       </p:sp>
@@ -5503,7 +2722,7 @@
               <a:buFont typeface="Arial" charset="0"/>
               <a:buChar char="•"/>
             </a:pPr>
-            <a:endParaRPr lang="en-NZ" sz="1200" kern="1200" dirty="0" smtClean="0">
+            <a:endParaRPr lang="en-NZ" sz="1200" kern="1200" dirty="0">
               <a:solidFill>
                 <a:schemeClr val="tx1"/>
               </a:solidFill>
@@ -5599,124 +2818,7 @@
               <a:buFont typeface="Arial" charset="0"/>
               <a:buChar char="•"/>
             </a:pPr>
-            <a:r>
-              <a:rPr lang="en-NZ" sz="1200" kern="1200" dirty="0" smtClean="0">
-                <a:solidFill>
-                  <a:schemeClr val="tx1"/>
-                </a:solidFill>
-                <a:effectLst/>
-                <a:latin typeface="+mn-lt"/>
-                <a:ea typeface="+mn-ea"/>
-                <a:cs typeface="+mn-cs"/>
-              </a:rPr>
-              <a:t>The update state method says: Given the state I am currently in, check for each of the events that cause me to change state. If one has occurred, change</a:t>
-            </a:r>
-          </a:p>
-          <a:p>
-            <a:pPr marL="171450" indent="-171450">
-              <a:buFont typeface="Arial" charset="0"/>
-              <a:buChar char="•"/>
-            </a:pPr>
-            <a:endParaRPr lang="en-NZ" sz="1200" kern="1200" dirty="0" smtClean="0">
-              <a:solidFill>
-                <a:schemeClr val="tx1"/>
-              </a:solidFill>
-              <a:effectLst/>
-              <a:latin typeface="+mn-lt"/>
-              <a:ea typeface="+mn-ea"/>
-              <a:cs typeface="+mn-cs"/>
-            </a:endParaRPr>
-          </a:p>
-          <a:p>
-            <a:pPr marL="171450" indent="-171450">
-              <a:buFont typeface="Arial" charset="0"/>
-              <a:buChar char="•"/>
-            </a:pPr>
-            <a:r>
-              <a:rPr lang="en-NZ" sz="1200" kern="1200" dirty="0" smtClean="0">
-                <a:solidFill>
-                  <a:schemeClr val="tx1"/>
-                </a:solidFill>
-                <a:effectLst/>
-                <a:latin typeface="+mn-lt"/>
-                <a:ea typeface="+mn-ea"/>
-                <a:cs typeface="+mn-cs"/>
-              </a:rPr>
-              <a:t>The perform actions method says: Given the state I am currently in, do whatever actions are associated with being in that state</a:t>
-            </a:r>
-          </a:p>
-          <a:p>
-            <a:pPr marL="171450" indent="-171450">
-              <a:buFont typeface="Arial" charset="0"/>
-              <a:buChar char="•"/>
-            </a:pPr>
-            <a:endParaRPr lang="en-NZ" sz="1200" kern="1200" dirty="0" smtClean="0">
-              <a:solidFill>
-                <a:schemeClr val="tx1"/>
-              </a:solidFill>
-              <a:effectLst/>
-              <a:latin typeface="+mn-lt"/>
-              <a:ea typeface="+mn-ea"/>
-              <a:cs typeface="+mn-cs"/>
-            </a:endParaRPr>
-          </a:p>
-          <a:p>
-            <a:pPr marL="171450" indent="-171450">
-              <a:buFont typeface="Arial" charset="0"/>
-              <a:buChar char="•"/>
-            </a:pPr>
-            <a:r>
-              <a:rPr lang="en-NZ" sz="1200" kern="1200" dirty="0" smtClean="0">
-                <a:solidFill>
-                  <a:schemeClr val="tx1"/>
-                </a:solidFill>
-                <a:effectLst/>
-                <a:latin typeface="+mn-lt"/>
-                <a:ea typeface="+mn-ea"/>
-                <a:cs typeface="+mn-cs"/>
-              </a:rPr>
-              <a:t>At each game cycle, all AIs do their update state. Then all AIs do their perform actions</a:t>
-            </a:r>
-          </a:p>
-          <a:p>
-            <a:pPr marL="171450" indent="-171450">
-              <a:buFont typeface="Arial" charset="0"/>
-              <a:buChar char="•"/>
-            </a:pPr>
-            <a:endParaRPr lang="en-NZ" sz="1200" kern="1200" dirty="0" smtClean="0">
-              <a:solidFill>
-                <a:schemeClr val="tx1"/>
-              </a:solidFill>
-              <a:effectLst/>
-              <a:latin typeface="+mn-lt"/>
-              <a:ea typeface="+mn-ea"/>
-              <a:cs typeface="+mn-cs"/>
-            </a:endParaRPr>
-          </a:p>
-          <a:p>
-            <a:pPr marL="171450" indent="-171450">
-              <a:buFont typeface="Arial" charset="0"/>
-              <a:buChar char="•"/>
-            </a:pPr>
-            <a:r>
-              <a:rPr lang="en-NZ" sz="1200" kern="1200" dirty="0" smtClean="0">
-                <a:solidFill>
-                  <a:schemeClr val="tx1"/>
-                </a:solidFill>
-                <a:effectLst/>
-                <a:latin typeface="+mn-lt"/>
-                <a:ea typeface="+mn-ea"/>
-                <a:cs typeface="+mn-cs"/>
-              </a:rPr>
-              <a:t>In practice, a managing class like a sprite list, or something that holds an array of entities, iterates over its collection and calls the methods on each one. All update, then all action</a:t>
-            </a:r>
-          </a:p>
-          <a:p>
-            <a:pPr marL="171450" indent="-171450">
-              <a:buFont typeface="Arial" charset="0"/>
-              <a:buChar char="•"/>
-            </a:pPr>
-            <a:endParaRPr lang="en-NZ" sz="1200" kern="1200" dirty="0" smtClean="0">
+            <a:endParaRPr lang="en-NZ" sz="1200" kern="1200" dirty="0">
               <a:solidFill>
                 <a:schemeClr val="tx1"/>
               </a:solidFill>
@@ -5812,25 +2914,7 @@
               <a:buFont typeface="Arial" charset="0"/>
               <a:buChar char="•"/>
             </a:pPr>
-            <a:r>
-              <a:rPr lang="en-NZ" sz="1200" kern="1200" dirty="0" smtClean="0">
-                <a:solidFill>
-                  <a:schemeClr val="tx1"/>
-                </a:solidFill>
-                <a:effectLst/>
-                <a:latin typeface="+mn-lt"/>
-                <a:ea typeface="+mn-ea"/>
-                <a:cs typeface="+mn-cs"/>
-              </a:rPr>
-              <a:t>Both of these methods are built on one big switch statement</a:t>
-            </a:r>
-          </a:p>
-          <a:p>
-            <a:pPr marL="171450" indent="-171450">
-              <a:buFont typeface="Arial" charset="0"/>
-              <a:buChar char="•"/>
-            </a:pPr>
-            <a:endParaRPr lang="en-NZ" sz="1200" kern="1200" dirty="0" smtClean="0">
+            <a:endParaRPr lang="en-NZ" sz="1200" kern="1200" dirty="0">
               <a:solidFill>
                 <a:schemeClr val="tx1"/>
               </a:solidFill>
@@ -5839,90 +2923,6 @@
               <a:ea typeface="+mn-ea"/>
               <a:cs typeface="+mn-cs"/>
             </a:endParaRPr>
-          </a:p>
-          <a:p>
-            <a:pPr marL="171450" indent="-171450">
-              <a:buFont typeface="Arial" charset="0"/>
-              <a:buChar char="•"/>
-            </a:pPr>
-            <a:r>
-              <a:rPr lang="en-NZ" sz="1200" kern="1200" dirty="0" smtClean="0">
-                <a:solidFill>
-                  <a:schemeClr val="tx1"/>
-                </a:solidFill>
-                <a:effectLst/>
-                <a:latin typeface="+mn-lt"/>
-                <a:ea typeface="+mn-ea"/>
-                <a:cs typeface="+mn-cs"/>
-              </a:rPr>
-              <a:t>NB: In this method, we only make sure we are in the correct state. We don’t do anything</a:t>
-            </a:r>
-          </a:p>
-          <a:p>
-            <a:pPr marL="171450" indent="-171450">
-              <a:buFont typeface="Arial" charset="0"/>
-              <a:buChar char="•"/>
-            </a:pPr>
-            <a:endParaRPr lang="en-NZ" sz="1200" kern="1200" dirty="0" smtClean="0">
-              <a:solidFill>
-                <a:schemeClr val="tx1"/>
-              </a:solidFill>
-              <a:effectLst/>
-              <a:latin typeface="+mn-lt"/>
-              <a:ea typeface="+mn-ea"/>
-              <a:cs typeface="+mn-cs"/>
-            </a:endParaRPr>
-          </a:p>
-          <a:p>
-            <a:pPr marL="171450" indent="-171450">
-              <a:buFont typeface="Arial" charset="0"/>
-              <a:buChar char="•"/>
-            </a:pPr>
-            <a:r>
-              <a:rPr lang="en-NZ" sz="1200" kern="1200" dirty="0" smtClean="0">
-                <a:solidFill>
-                  <a:schemeClr val="tx1"/>
-                </a:solidFill>
-                <a:effectLst/>
-                <a:latin typeface="+mn-lt"/>
-                <a:ea typeface="+mn-ea"/>
-                <a:cs typeface="+mn-cs"/>
-              </a:rPr>
-              <a:t>In pseudocode, it looks like this (for my cat)</a:t>
-            </a:r>
-          </a:p>
-          <a:p>
-            <a:pPr marL="171450" indent="-171450">
-              <a:buFont typeface="Arial" charset="0"/>
-              <a:buChar char="•"/>
-            </a:pPr>
-            <a:endParaRPr lang="en-NZ" sz="1200" kern="1200" dirty="0" smtClean="0">
-              <a:solidFill>
-                <a:schemeClr val="tx1"/>
-              </a:solidFill>
-              <a:effectLst/>
-              <a:latin typeface="+mn-lt"/>
-              <a:ea typeface="+mn-ea"/>
-              <a:cs typeface="+mn-cs"/>
-            </a:endParaRPr>
-          </a:p>
-          <a:p>
-            <a:pPr marL="171450" indent="-171450">
-              <a:buFont typeface="Arial" charset="0"/>
-              <a:buChar char="•"/>
-            </a:pPr>
-            <a:r>
-              <a:rPr lang="en-NZ" sz="1200" kern="1200" dirty="0" smtClean="0">
-                <a:solidFill>
-                  <a:schemeClr val="tx1"/>
-                </a:solidFill>
-                <a:effectLst/>
-                <a:latin typeface="+mn-lt"/>
-                <a:ea typeface="+mn-ea"/>
-                <a:cs typeface="+mn-cs"/>
-              </a:rPr>
-              <a:t>Then the bulk of the coding is to be able to keep track of things like how long since you have eaten (use counter variables) and whether there is another cat in the yard (write methods that accept a collection of neighbour cats and check their locations)</a:t>
-            </a:r>
           </a:p>
         </p:txBody>
       </p:sp>
@@ -6010,25 +3010,7 @@
               <a:buFont typeface="Arial" charset="0"/>
               <a:buChar char="•"/>
             </a:pPr>
-            <a:r>
-              <a:rPr lang="en-NZ" sz="1200" kern="1200" dirty="0" smtClean="0">
-                <a:solidFill>
-                  <a:schemeClr val="tx1"/>
-                </a:solidFill>
-                <a:effectLst/>
-                <a:latin typeface="+mn-lt"/>
-                <a:ea typeface="+mn-ea"/>
-                <a:cs typeface="+mn-cs"/>
-              </a:rPr>
-              <a:t>Here are all the things one does in each state</a:t>
-            </a:r>
-          </a:p>
-          <a:p>
-            <a:pPr marL="171450" indent="-171450">
-              <a:buFont typeface="Arial" charset="0"/>
-              <a:buChar char="•"/>
-            </a:pPr>
-            <a:endParaRPr lang="en-NZ" sz="1200" kern="1200" dirty="0" smtClean="0">
+            <a:endParaRPr lang="en-NZ" sz="1200" kern="1200" dirty="0">
               <a:solidFill>
                 <a:schemeClr val="tx1"/>
               </a:solidFill>
@@ -6037,81 +3019,6 @@
               <a:ea typeface="+mn-ea"/>
               <a:cs typeface="+mn-cs"/>
             </a:endParaRPr>
-          </a:p>
-          <a:p>
-            <a:pPr marL="171450" indent="-171450">
-              <a:buFont typeface="Arial" charset="0"/>
-              <a:buChar char="•"/>
-            </a:pPr>
-            <a:r>
-              <a:rPr lang="en-NZ" sz="1200" kern="1200" dirty="0" smtClean="0">
-                <a:solidFill>
-                  <a:schemeClr val="tx1"/>
-                </a:solidFill>
-                <a:effectLst/>
-                <a:latin typeface="+mn-lt"/>
-                <a:ea typeface="+mn-ea"/>
-                <a:cs typeface="+mn-cs"/>
-              </a:rPr>
-              <a:t>It is important when coding an FSM to keep quite clear what is an event that changes state and what is an action while in a state. Don’t mix them up. Don’t, for example, put actions in the </a:t>
-            </a:r>
-            <a:r>
-              <a:rPr lang="en-NZ" sz="1200" kern="1200" dirty="0" err="1" smtClean="0">
-                <a:solidFill>
-                  <a:schemeClr val="tx1"/>
-                </a:solidFill>
-                <a:effectLst/>
-                <a:latin typeface="+mn-lt"/>
-                <a:ea typeface="+mn-ea"/>
-                <a:cs typeface="+mn-cs"/>
-              </a:rPr>
-              <a:t>UpdateState</a:t>
-            </a:r>
-            <a:r>
-              <a:rPr lang="en-NZ" sz="1200" kern="1200" dirty="0" smtClean="0">
-                <a:solidFill>
-                  <a:schemeClr val="tx1"/>
-                </a:solidFill>
-                <a:effectLst/>
-                <a:latin typeface="+mn-lt"/>
-                <a:ea typeface="+mn-ea"/>
-                <a:cs typeface="+mn-cs"/>
-              </a:rPr>
-              <a:t> method. That will make your code much harder to maintain than if you keep the two types of code clearly separated</a:t>
-            </a:r>
-          </a:p>
-          <a:p>
-            <a:pPr marL="171450" indent="-171450">
-              <a:buFont typeface="Arial" charset="0"/>
-              <a:buChar char="•"/>
-            </a:pPr>
-            <a:endParaRPr lang="en-NZ" sz="1200" kern="1200" dirty="0" smtClean="0">
-              <a:solidFill>
-                <a:schemeClr val="tx1"/>
-              </a:solidFill>
-              <a:effectLst/>
-              <a:latin typeface="+mn-lt"/>
-              <a:ea typeface="+mn-ea"/>
-              <a:cs typeface="+mn-cs"/>
-            </a:endParaRPr>
-          </a:p>
-          <a:p>
-            <a:pPr marL="171450" indent="-171450">
-              <a:buFont typeface="Arial" charset="0"/>
-              <a:buChar char="•"/>
-            </a:pPr>
-            <a:r>
-              <a:rPr lang="en-NZ" sz="1200" kern="1200" dirty="0" smtClean="0">
-                <a:solidFill>
-                  <a:schemeClr val="tx1"/>
-                </a:solidFill>
-                <a:effectLst/>
-                <a:latin typeface="+mn-lt"/>
-                <a:ea typeface="+mn-ea"/>
-                <a:cs typeface="+mn-cs"/>
-              </a:rPr>
-              <a:t>And so on. You need to figure out how to implement all the behaviours, but the scheduling code is quite straightforward</a:t>
-            </a:r>
           </a:p>
         </p:txBody>
       </p:sp>
@@ -6189,10 +3096,9 @@
           <a:lstStyle/>
           <a:p>
             <a:r>
-              <a:rPr lang="en-US" smtClean="0"/>
+              <a:rPr lang="en-US"/>
               <a:t>Click to edit Master title style</a:t>
             </a:r>
-            <a:endParaRPr lang="en-US"/>
           </a:p>
         </p:txBody>
       </p:sp>
@@ -6308,10 +3214,9 @@
           </a:lstStyle>
           <a:p>
             <a:r>
-              <a:rPr lang="en-US" smtClean="0"/>
+              <a:rPr lang="en-US"/>
               <a:t>Click to edit Master subtitle style</a:t>
             </a:r>
-            <a:endParaRPr lang="en-US"/>
           </a:p>
         </p:txBody>
       </p:sp>
@@ -6332,7 +3237,7 @@
           <a:p>
             <a:fld id="{F8166F1F-CE9B-4651-A6AA-CD717754106B}" type="datetimeFigureOut">
               <a:rPr lang="en-US" smtClean="0"/>
-              <a:t>4/9/20</a:t>
+              <a:t>4/22/20</a:t>
             </a:fld>
             <a:endParaRPr lang="en-US"/>
           </a:p>
@@ -6421,10 +3326,9 @@
           <a:lstStyle/>
           <a:p>
             <a:r>
-              <a:rPr lang="en-US" smtClean="0"/>
+              <a:rPr lang="en-US"/>
               <a:t>Click to edit Master title style</a:t>
             </a:r>
-            <a:endParaRPr lang="en-US"/>
           </a:p>
         </p:txBody>
       </p:sp>
@@ -6445,38 +3349,37 @@
           <a:p>
             <a:pPr lvl="0"/>
             <a:r>
-              <a:rPr lang="en-US" smtClean="0"/>
+              <a:rPr lang="en-US"/>
               <a:t>Click to edit Master text styles</a:t>
             </a:r>
           </a:p>
           <a:p>
             <a:pPr lvl="1"/>
             <a:r>
-              <a:rPr lang="en-US" smtClean="0"/>
+              <a:rPr lang="en-US"/>
               <a:t>Second level</a:t>
             </a:r>
           </a:p>
           <a:p>
             <a:pPr lvl="2"/>
             <a:r>
-              <a:rPr lang="en-US" smtClean="0"/>
+              <a:rPr lang="en-US"/>
               <a:t>Third level</a:t>
             </a:r>
           </a:p>
           <a:p>
             <a:pPr lvl="3"/>
             <a:r>
-              <a:rPr lang="en-US" smtClean="0"/>
+              <a:rPr lang="en-US"/>
               <a:t>Fourth level</a:t>
             </a:r>
           </a:p>
           <a:p>
             <a:pPr lvl="4"/>
             <a:r>
-              <a:rPr lang="en-US" smtClean="0"/>
+              <a:rPr lang="en-US"/>
               <a:t>Fifth level</a:t>
             </a:r>
-            <a:endParaRPr lang="en-US"/>
           </a:p>
         </p:txBody>
       </p:sp>
@@ -6497,7 +3400,7 @@
           <a:p>
             <a:fld id="{A76116CE-C4A3-4A05-B2D7-7C2E9A889C0F}" type="datetimeFigureOut">
               <a:rPr lang="en-US" smtClean="0"/>
-              <a:t>4/9/20</a:t>
+              <a:t>4/22/20</a:t>
             </a:fld>
             <a:endParaRPr lang="en-US"/>
           </a:p>
@@ -6591,10 +3494,9 @@
           <a:lstStyle/>
           <a:p>
             <a:r>
-              <a:rPr lang="en-US" smtClean="0"/>
+              <a:rPr lang="en-US"/>
               <a:t>Click to edit Master title style</a:t>
             </a:r>
-            <a:endParaRPr lang="en-US"/>
           </a:p>
         </p:txBody>
       </p:sp>
@@ -6620,38 +3522,37 @@
           <a:p>
             <a:pPr lvl="0"/>
             <a:r>
-              <a:rPr lang="en-US" smtClean="0"/>
+              <a:rPr lang="en-US"/>
               <a:t>Click to edit Master text styles</a:t>
             </a:r>
           </a:p>
           <a:p>
             <a:pPr lvl="1"/>
             <a:r>
-              <a:rPr lang="en-US" smtClean="0"/>
+              <a:rPr lang="en-US"/>
               <a:t>Second level</a:t>
             </a:r>
           </a:p>
           <a:p>
             <a:pPr lvl="2"/>
             <a:r>
-              <a:rPr lang="en-US" smtClean="0"/>
+              <a:rPr lang="en-US"/>
               <a:t>Third level</a:t>
             </a:r>
           </a:p>
           <a:p>
             <a:pPr lvl="3"/>
             <a:r>
-              <a:rPr lang="en-US" smtClean="0"/>
+              <a:rPr lang="en-US"/>
               <a:t>Fourth level</a:t>
             </a:r>
           </a:p>
           <a:p>
             <a:pPr lvl="4"/>
             <a:r>
-              <a:rPr lang="en-US" smtClean="0"/>
+              <a:rPr lang="en-US"/>
               <a:t>Fifth level</a:t>
             </a:r>
-            <a:endParaRPr lang="en-US"/>
           </a:p>
         </p:txBody>
       </p:sp>
@@ -6672,7 +3573,7 @@
           <a:p>
             <a:fld id="{A76116CE-C4A3-4A05-B2D7-7C2E9A889C0F}" type="datetimeFigureOut">
               <a:rPr lang="en-US" smtClean="0"/>
-              <a:t>4/9/20</a:t>
+              <a:t>4/22/20</a:t>
             </a:fld>
             <a:endParaRPr lang="en-US"/>
           </a:p>
@@ -6761,10 +3662,9 @@
           <a:lstStyle/>
           <a:p>
             <a:r>
-              <a:rPr lang="en-US" smtClean="0"/>
+              <a:rPr lang="en-US"/>
               <a:t>Click to edit Master title style</a:t>
             </a:r>
-            <a:endParaRPr lang="en-US"/>
           </a:p>
         </p:txBody>
       </p:sp>
@@ -6787,38 +3687,37 @@
               <a:buChar char="•"/>
             </a:pPr>
             <a:r>
-              <a:rPr lang="en-US" smtClean="0"/>
+              <a:rPr lang="en-US"/>
               <a:t>Click to edit Master text styles</a:t>
             </a:r>
           </a:p>
           <a:p>
             <a:pPr lvl="1"/>
             <a:r>
-              <a:rPr lang="en-US" smtClean="0"/>
+              <a:rPr lang="en-US"/>
               <a:t>Second level</a:t>
             </a:r>
           </a:p>
           <a:p>
             <a:pPr lvl="2"/>
             <a:r>
-              <a:rPr lang="en-US" smtClean="0"/>
+              <a:rPr lang="en-US"/>
               <a:t>Third level</a:t>
             </a:r>
           </a:p>
           <a:p>
             <a:pPr lvl="3"/>
             <a:r>
-              <a:rPr lang="en-US" smtClean="0"/>
+              <a:rPr lang="en-US"/>
               <a:t>Fourth level</a:t>
             </a:r>
           </a:p>
           <a:p>
             <a:pPr lvl="4"/>
             <a:r>
-              <a:rPr lang="en-US" smtClean="0"/>
+              <a:rPr lang="en-US"/>
               <a:t>Fifth level</a:t>
             </a:r>
-            <a:endParaRPr lang="en-US"/>
           </a:p>
         </p:txBody>
       </p:sp>
@@ -6839,7 +3738,7 @@
           <a:p>
             <a:fld id="{A76116CE-C4A3-4A05-B2D7-7C2E9A889C0F}" type="datetimeFigureOut">
               <a:rPr lang="en-US" smtClean="0"/>
-              <a:t>4/9/20</a:t>
+              <a:t>4/22/20</a:t>
             </a:fld>
             <a:endParaRPr lang="en-US"/>
           </a:p>
@@ -6937,10 +3836,9 @@
           </a:lstStyle>
           <a:p>
             <a:r>
-              <a:rPr lang="en-US" smtClean="0"/>
+              <a:rPr lang="en-US"/>
               <a:t>Click to edit Master title style</a:t>
             </a:r>
-            <a:endParaRPr lang="en-US"/>
           </a:p>
         </p:txBody>
       </p:sp>
@@ -7057,7 +3955,7 @@
           <a:p>
             <a:pPr lvl="0"/>
             <a:r>
-              <a:rPr lang="en-US" smtClean="0"/>
+              <a:rPr lang="en-US"/>
               <a:t>Click to edit Master text styles</a:t>
             </a:r>
           </a:p>
@@ -7080,7 +3978,7 @@
           <a:p>
             <a:fld id="{A76116CE-C4A3-4A05-B2D7-7C2E9A889C0F}" type="datetimeFigureOut">
               <a:rPr lang="en-US" smtClean="0"/>
-              <a:t>4/9/20</a:t>
+              <a:t>4/22/20</a:t>
             </a:fld>
             <a:endParaRPr lang="en-US"/>
           </a:p>
@@ -7169,10 +4067,9 @@
           <a:lstStyle/>
           <a:p>
             <a:r>
-              <a:rPr lang="en-US" smtClean="0"/>
+              <a:rPr lang="en-US"/>
               <a:t>Click to edit Master title style</a:t>
             </a:r>
-            <a:endParaRPr lang="en-US"/>
           </a:p>
         </p:txBody>
       </p:sp>
@@ -7226,38 +4123,37 @@
           <a:p>
             <a:pPr lvl="0"/>
             <a:r>
-              <a:rPr lang="en-US" smtClean="0"/>
+              <a:rPr lang="en-US"/>
               <a:t>Click to edit Master text styles</a:t>
             </a:r>
           </a:p>
           <a:p>
             <a:pPr lvl="1"/>
             <a:r>
-              <a:rPr lang="en-US" smtClean="0"/>
+              <a:rPr lang="en-US"/>
               <a:t>Second level</a:t>
             </a:r>
           </a:p>
           <a:p>
             <a:pPr lvl="2"/>
             <a:r>
-              <a:rPr lang="en-US" smtClean="0"/>
+              <a:rPr lang="en-US"/>
               <a:t>Third level</a:t>
             </a:r>
           </a:p>
           <a:p>
             <a:pPr lvl="3"/>
             <a:r>
-              <a:rPr lang="en-US" smtClean="0"/>
+              <a:rPr lang="en-US"/>
               <a:t>Fourth level</a:t>
             </a:r>
           </a:p>
           <a:p>
             <a:pPr lvl="4"/>
             <a:r>
-              <a:rPr lang="en-US" smtClean="0"/>
+              <a:rPr lang="en-US"/>
               <a:t>Fifth level</a:t>
             </a:r>
-            <a:endParaRPr lang="en-US"/>
           </a:p>
         </p:txBody>
       </p:sp>
@@ -7311,38 +4207,37 @@
           <a:p>
             <a:pPr lvl="0"/>
             <a:r>
-              <a:rPr lang="en-US" smtClean="0"/>
+              <a:rPr lang="en-US"/>
               <a:t>Click to edit Master text styles</a:t>
             </a:r>
           </a:p>
           <a:p>
             <a:pPr lvl="1"/>
             <a:r>
-              <a:rPr lang="en-US" smtClean="0"/>
+              <a:rPr lang="en-US"/>
               <a:t>Second level</a:t>
             </a:r>
           </a:p>
           <a:p>
             <a:pPr lvl="2"/>
             <a:r>
-              <a:rPr lang="en-US" smtClean="0"/>
+              <a:rPr lang="en-US"/>
               <a:t>Third level</a:t>
             </a:r>
           </a:p>
           <a:p>
             <a:pPr lvl="3"/>
             <a:r>
-              <a:rPr lang="en-US" smtClean="0"/>
+              <a:rPr lang="en-US"/>
               <a:t>Fourth level</a:t>
             </a:r>
           </a:p>
           <a:p>
             <a:pPr lvl="4"/>
             <a:r>
-              <a:rPr lang="en-US" smtClean="0"/>
+              <a:rPr lang="en-US"/>
               <a:t>Fifth level</a:t>
             </a:r>
-            <a:endParaRPr lang="en-US"/>
           </a:p>
         </p:txBody>
       </p:sp>
@@ -7363,7 +4258,7 @@
           <a:p>
             <a:fld id="{A76116CE-C4A3-4A05-B2D7-7C2E9A889C0F}" type="datetimeFigureOut">
               <a:rPr lang="en-US" smtClean="0"/>
-              <a:t>4/9/20</a:t>
+              <a:t>4/22/20</a:t>
             </a:fld>
             <a:endParaRPr lang="en-US"/>
           </a:p>
@@ -7456,10 +4351,9 @@
           </a:lstStyle>
           <a:p>
             <a:r>
-              <a:rPr lang="en-US" smtClean="0"/>
+              <a:rPr lang="en-US"/>
               <a:t>Click to edit Master title style</a:t>
             </a:r>
-            <a:endParaRPr lang="en-US"/>
           </a:p>
         </p:txBody>
       </p:sp>
@@ -7522,7 +4416,7 @@
           <a:p>
             <a:pPr lvl="0"/>
             <a:r>
-              <a:rPr lang="en-US" smtClean="0"/>
+              <a:rPr lang="en-US"/>
               <a:t>Click to edit Master text styles</a:t>
             </a:r>
           </a:p>
@@ -7578,38 +4472,37 @@
           <a:p>
             <a:pPr lvl="0"/>
             <a:r>
-              <a:rPr lang="en-US" smtClean="0"/>
+              <a:rPr lang="en-US"/>
               <a:t>Click to edit Master text styles</a:t>
             </a:r>
           </a:p>
           <a:p>
             <a:pPr lvl="1"/>
             <a:r>
-              <a:rPr lang="en-US" smtClean="0"/>
+              <a:rPr lang="en-US"/>
               <a:t>Second level</a:t>
             </a:r>
           </a:p>
           <a:p>
             <a:pPr lvl="2"/>
             <a:r>
-              <a:rPr lang="en-US" smtClean="0"/>
+              <a:rPr lang="en-US"/>
               <a:t>Third level</a:t>
             </a:r>
           </a:p>
           <a:p>
             <a:pPr lvl="3"/>
             <a:r>
-              <a:rPr lang="en-US" smtClean="0"/>
+              <a:rPr lang="en-US"/>
               <a:t>Fourth level</a:t>
             </a:r>
           </a:p>
           <a:p>
             <a:pPr lvl="4"/>
             <a:r>
-              <a:rPr lang="en-US" smtClean="0"/>
+              <a:rPr lang="en-US"/>
               <a:t>Fifth level</a:t>
             </a:r>
-            <a:endParaRPr lang="en-US"/>
           </a:p>
         </p:txBody>
       </p:sp>
@@ -7672,7 +4565,7 @@
           <a:p>
             <a:pPr lvl="0"/>
             <a:r>
-              <a:rPr lang="en-US" smtClean="0"/>
+              <a:rPr lang="en-US"/>
               <a:t>Click to edit Master text styles</a:t>
             </a:r>
           </a:p>
@@ -7728,38 +4621,37 @@
           <a:p>
             <a:pPr lvl="0"/>
             <a:r>
-              <a:rPr lang="en-US" smtClean="0"/>
+              <a:rPr lang="en-US"/>
               <a:t>Click to edit Master text styles</a:t>
             </a:r>
           </a:p>
           <a:p>
             <a:pPr lvl="1"/>
             <a:r>
-              <a:rPr lang="en-US" smtClean="0"/>
+              <a:rPr lang="en-US"/>
               <a:t>Second level</a:t>
             </a:r>
           </a:p>
           <a:p>
             <a:pPr lvl="2"/>
             <a:r>
-              <a:rPr lang="en-US" smtClean="0"/>
+              <a:rPr lang="en-US"/>
               <a:t>Third level</a:t>
             </a:r>
           </a:p>
           <a:p>
             <a:pPr lvl="3"/>
             <a:r>
-              <a:rPr lang="en-US" smtClean="0"/>
+              <a:rPr lang="en-US"/>
               <a:t>Fourth level</a:t>
             </a:r>
           </a:p>
           <a:p>
             <a:pPr lvl="4"/>
             <a:r>
-              <a:rPr lang="en-US" smtClean="0"/>
+              <a:rPr lang="en-US"/>
               <a:t>Fifth level</a:t>
             </a:r>
-            <a:endParaRPr lang="en-US"/>
           </a:p>
         </p:txBody>
       </p:sp>
@@ -7780,7 +4672,7 @@
           <a:p>
             <a:fld id="{A76116CE-C4A3-4A05-B2D7-7C2E9A889C0F}" type="datetimeFigureOut">
               <a:rPr lang="en-US" smtClean="0"/>
-              <a:t>4/9/20</a:t>
+              <a:t>4/22/20</a:t>
             </a:fld>
             <a:endParaRPr lang="en-US"/>
           </a:p>
@@ -7869,10 +4761,9 @@
           <a:lstStyle/>
           <a:p>
             <a:r>
-              <a:rPr lang="en-US" smtClean="0"/>
+              <a:rPr lang="en-US"/>
               <a:t>Click to edit Master title style</a:t>
             </a:r>
-            <a:endParaRPr lang="en-US"/>
           </a:p>
         </p:txBody>
       </p:sp>
@@ -7893,7 +4784,7 @@
           <a:p>
             <a:fld id="{A76116CE-C4A3-4A05-B2D7-7C2E9A889C0F}" type="datetimeFigureOut">
               <a:rPr lang="en-US" smtClean="0"/>
-              <a:t>4/9/20</a:t>
+              <a:t>4/22/20</a:t>
             </a:fld>
             <a:endParaRPr lang="en-US"/>
           </a:p>
@@ -7983,7 +4874,7 @@
           <a:p>
             <a:fld id="{A76116CE-C4A3-4A05-B2D7-7C2E9A889C0F}" type="datetimeFigureOut">
               <a:rPr lang="en-US" smtClean="0"/>
-              <a:t>4/9/20</a:t>
+              <a:t>4/22/20</a:t>
             </a:fld>
             <a:endParaRPr lang="en-US"/>
           </a:p>
@@ -8081,10 +4972,9 @@
           </a:lstStyle>
           <a:p>
             <a:r>
-              <a:rPr lang="en-US" smtClean="0"/>
+              <a:rPr lang="en-US"/>
               <a:t>Click to edit Master title style</a:t>
             </a:r>
-            <a:endParaRPr lang="en-US"/>
           </a:p>
         </p:txBody>
       </p:sp>
@@ -8138,38 +5028,37 @@
           <a:p>
             <a:pPr lvl="0"/>
             <a:r>
-              <a:rPr lang="en-US" smtClean="0"/>
+              <a:rPr lang="en-US"/>
               <a:t>Click to edit Master text styles</a:t>
             </a:r>
           </a:p>
           <a:p>
             <a:pPr lvl="1"/>
             <a:r>
-              <a:rPr lang="en-US" smtClean="0"/>
+              <a:rPr lang="en-US"/>
               <a:t>Second level</a:t>
             </a:r>
           </a:p>
           <a:p>
             <a:pPr lvl="2"/>
             <a:r>
-              <a:rPr lang="en-US" smtClean="0"/>
+              <a:rPr lang="en-US"/>
               <a:t>Third level</a:t>
             </a:r>
           </a:p>
           <a:p>
             <a:pPr lvl="3"/>
             <a:r>
-              <a:rPr lang="en-US" smtClean="0"/>
+              <a:rPr lang="en-US"/>
               <a:t>Fourth level</a:t>
             </a:r>
           </a:p>
           <a:p>
             <a:pPr lvl="4"/>
             <a:r>
-              <a:rPr lang="en-US" smtClean="0"/>
+              <a:rPr lang="en-US"/>
               <a:t>Fifth level</a:t>
             </a:r>
-            <a:endParaRPr lang="en-US"/>
           </a:p>
         </p:txBody>
       </p:sp>
@@ -8232,7 +5121,7 @@
           <a:p>
             <a:pPr lvl="0"/>
             <a:r>
-              <a:rPr lang="en-US" smtClean="0"/>
+              <a:rPr lang="en-US"/>
               <a:t>Click to edit Master text styles</a:t>
             </a:r>
           </a:p>
@@ -8255,7 +5144,7 @@
           <a:p>
             <a:fld id="{A76116CE-C4A3-4A05-B2D7-7C2E9A889C0F}" type="datetimeFigureOut">
               <a:rPr lang="en-US" smtClean="0"/>
-              <a:t>4/9/20</a:t>
+              <a:t>4/22/20</a:t>
             </a:fld>
             <a:endParaRPr lang="en-US"/>
           </a:p>
@@ -8353,10 +5242,9 @@
           </a:lstStyle>
           <a:p>
             <a:r>
-              <a:rPr lang="en-US" smtClean="0"/>
+              <a:rPr lang="en-US"/>
               <a:t>Click to edit Master title style</a:t>
             </a:r>
-            <a:endParaRPr lang="en-US"/>
           </a:p>
         </p:txBody>
       </p:sp>
@@ -8480,7 +5368,7 @@
           <a:p>
             <a:pPr lvl="0"/>
             <a:r>
-              <a:rPr lang="en-US" smtClean="0"/>
+              <a:rPr lang="en-US"/>
               <a:t>Click to edit Master text styles</a:t>
             </a:r>
           </a:p>
@@ -8503,7 +5391,7 @@
           <a:p>
             <a:fld id="{A76116CE-C4A3-4A05-B2D7-7C2E9A889C0F}" type="datetimeFigureOut">
               <a:rPr lang="en-US" smtClean="0"/>
-              <a:t>4/9/20</a:t>
+              <a:t>4/22/20</a:t>
             </a:fld>
             <a:endParaRPr lang="en-US"/>
           </a:p>
@@ -8607,10 +5495,9 @@
           <a:lstStyle/>
           <a:p>
             <a:r>
-              <a:rPr lang="en-US" smtClean="0"/>
+              <a:rPr lang="en-US"/>
               <a:t>Click to edit Master title style</a:t>
             </a:r>
-            <a:endParaRPr lang="en-US"/>
           </a:p>
         </p:txBody>
       </p:sp>
@@ -8641,38 +5528,37 @@
           <a:p>
             <a:pPr lvl="0"/>
             <a:r>
-              <a:rPr lang="en-US" smtClean="0"/>
+              <a:rPr lang="en-US"/>
               <a:t>Click to edit Master text styles</a:t>
             </a:r>
           </a:p>
           <a:p>
             <a:pPr lvl="1"/>
             <a:r>
-              <a:rPr lang="en-US" smtClean="0"/>
+              <a:rPr lang="en-US"/>
               <a:t>Second level</a:t>
             </a:r>
           </a:p>
           <a:p>
             <a:pPr lvl="2"/>
             <a:r>
-              <a:rPr lang="en-US" smtClean="0"/>
+              <a:rPr lang="en-US"/>
               <a:t>Third level</a:t>
             </a:r>
           </a:p>
           <a:p>
             <a:pPr lvl="3"/>
             <a:r>
-              <a:rPr lang="en-US" smtClean="0"/>
+              <a:rPr lang="en-US"/>
               <a:t>Fourth level</a:t>
             </a:r>
           </a:p>
           <a:p>
             <a:pPr lvl="4"/>
             <a:r>
-              <a:rPr lang="en-US" smtClean="0"/>
+              <a:rPr lang="en-US"/>
               <a:t>Fifth level</a:t>
             </a:r>
-            <a:endParaRPr lang="en-US"/>
           </a:p>
         </p:txBody>
       </p:sp>
@@ -8711,7 +5597,7 @@
           <a:p>
             <a:fld id="{F8166F1F-CE9B-4651-A6AA-CD717754106B}" type="datetimeFigureOut">
               <a:rPr lang="en-US" smtClean="0"/>
-              <a:t>4/9/20</a:t>
+              <a:t>4/22/20</a:t>
             </a:fld>
             <a:endParaRPr lang="en-US"/>
           </a:p>
@@ -9117,38 +6003,28 @@
             <a:pPr algn="ctr"/>
             <a:r>
               <a:rPr lang="en-US" sz="3000" b="1" dirty="0"/>
-              <a:t>Programming </a:t>
-            </a:r>
-            <a:r>
-              <a:rPr lang="en-US" sz="3000" b="1" dirty="0" smtClean="0"/>
-              <a:t>4</a:t>
-            </a:r>
-            <a:endParaRPr lang="en-US" sz="3000" b="1" dirty="0"/>
+              <a:t>Programming 4</a:t>
+            </a:r>
           </a:p>
           <a:p>
             <a:pPr algn="ctr"/>
             <a:r>
-              <a:rPr lang="en-US" sz="3000" b="1" dirty="0" smtClean="0"/>
+              <a:rPr lang="en-US" sz="3000" b="1" dirty="0"/>
               <a:t>Lecture 13: Finite State Machine</a:t>
             </a:r>
           </a:p>
           <a:p>
             <a:pPr algn="ctr"/>
             <a:r>
-              <a:rPr lang="en-US" sz="3000" b="1" dirty="0" smtClean="0"/>
+              <a:rPr lang="en-US" sz="3000" b="1" dirty="0"/>
               <a:t>&amp; Inheritance</a:t>
             </a:r>
-            <a:endParaRPr lang="en-US" sz="3000" b="1" dirty="0"/>
           </a:p>
           <a:p>
             <a:pPr algn="ctr"/>
             <a:r>
               <a:rPr lang="en-US" sz="3000" b="1" dirty="0"/>
-              <a:t>Semester </a:t>
-            </a:r>
-            <a:r>
-              <a:rPr lang="en-US" sz="3000" b="1" dirty="0" smtClean="0"/>
-              <a:t>1, 2020</a:t>
+              <a:t>Semester 1, 2020</a:t>
             </a:r>
           </a:p>
           <a:p>
@@ -9158,14 +6034,13 @@
           <a:p>
             <a:pPr algn="ctr"/>
             <a:r>
-              <a:rPr lang="en-US" sz="3000" b="1" dirty="0" err="1" smtClean="0"/>
+              <a:rPr lang="en-US" sz="3000" b="1" dirty="0" err="1"/>
               <a:t>Kaiako</a:t>
             </a:r>
             <a:r>
               <a:rPr lang="en-US" sz="3000" b="1" dirty="0"/>
               <a:t>: Grayson Orr </a:t>
             </a:r>
-            <a:endParaRPr lang="en-US" sz="3000" b="1" dirty="0" smtClean="0"/>
           </a:p>
           <a:p>
             <a:pPr algn="ctr"/>
@@ -9174,57 +6049,44 @@
           <a:p>
             <a:pPr algn="ctr"/>
             <a:r>
-              <a:rPr lang="en-US" sz="3000" b="1" dirty="0" smtClean="0"/>
+              <a:rPr lang="en-US" sz="3000" b="1" dirty="0"/>
               <a:t>Te Kura </a:t>
             </a:r>
             <a:r>
-              <a:rPr lang="en-US" sz="3000" b="1" dirty="0" err="1" smtClean="0"/>
+              <a:rPr lang="en-US" sz="3000" b="1" dirty="0" err="1"/>
               <a:t>Matatiniki</a:t>
             </a:r>
             <a:r>
-              <a:rPr lang="en-US" sz="3000" b="1" dirty="0" smtClean="0"/>
-              <a:t> Otago, O </a:t>
-            </a:r>
-            <a:r>
               <a:rPr lang="en-US" sz="3000" b="1" dirty="0"/>
-              <a:t>̄</a:t>
+              <a:t> Otago, O ̄</a:t>
             </a:r>
             <a:r>
               <a:rPr lang="en-US" sz="3000" b="1" dirty="0" err="1"/>
               <a:t>tepoti</a:t>
             </a:r>
             <a:r>
-              <a:rPr lang="en-US" sz="3000" b="1" dirty="0" smtClean="0"/>
+              <a:rPr lang="en-US" sz="3000" b="1" dirty="0"/>
               <a:t>, Aotearoa </a:t>
             </a:r>
           </a:p>
           <a:p>
             <a:pPr algn="ctr"/>
-            <a:endParaRPr lang="en-US" sz="1000" b="1" dirty="0" smtClean="0"/>
+            <a:endParaRPr lang="en-US" sz="1000" b="1" dirty="0"/>
           </a:p>
           <a:p>
             <a:pPr algn="ctr"/>
             <a:r>
-              <a:rPr lang="en-US" sz="3000" b="1" dirty="0" smtClean="0"/>
+              <a:rPr lang="en-US" sz="3000" b="1" dirty="0"/>
               <a:t>Wednesday</a:t>
             </a:r>
             <a:r>
-              <a:rPr lang="en-US" sz="3000" b="1" smtClean="0"/>
-              <a:t>, </a:t>
-            </a:r>
-            <a:r>
-              <a:rPr lang="en-US" sz="3000" b="1" smtClean="0"/>
-              <a:t>22</a:t>
-            </a:r>
-            <a:r>
-              <a:rPr lang="en-US" sz="3000" b="1" smtClean="0"/>
-              <a:t> </a:t>
-            </a:r>
-            <a:r>
-              <a:rPr lang="en-US" sz="3000" b="1" dirty="0" smtClean="0"/>
+              <a:rPr lang="en-US" sz="3000" b="1"/>
+              <a:t>, 22 </a:t>
+            </a:r>
+            <a:r>
+              <a:rPr lang="en-US" sz="3000" b="1" dirty="0"/>
               <a:t>April</a:t>
             </a:r>
-            <a:endParaRPr lang="en-US" sz="3000" b="1" dirty="0"/>
           </a:p>
         </p:txBody>
       </p:sp>
@@ -9238,13 +6100,6 @@
   <p:clrMapOvr>
     <a:masterClrMapping/>
   </p:clrMapOvr>
-  <p:timing>
-    <p:tnLst>
-      <p:par>
-        <p:cTn id="1" dur="indefinite" restart="never" nodeType="tmRoot"/>
-      </p:par>
-    </p:tnLst>
-  </p:timing>
 </p:sld>
 </file>
 
@@ -9303,17 +6158,17 @@
           <a:p>
             <a:pPr lvl="1"/>
             <a:r>
-              <a:rPr lang="en-NZ" sz="3500" b="1" dirty="0" smtClean="0"/>
+              <a:rPr lang="en-NZ" sz="3500" b="1" dirty="0"/>
               <a:t>Coding an FSM</a:t>
             </a:r>
-            <a:endParaRPr lang="en-US" sz="3500" b="1" dirty="0" smtClean="0"/>
+            <a:endParaRPr lang="en-US" sz="3500" b="1" dirty="0"/>
           </a:p>
           <a:p>
             <a:pPr marL="1657350" lvl="2" indent="-742950">
               <a:buFont typeface="Arial" panose="020B0604020202020204" pitchFamily="34" charset="0"/>
               <a:buChar char="•"/>
             </a:pPr>
-            <a:endParaRPr lang="en-US" sz="2500" dirty="0" smtClean="0"/>
+            <a:endParaRPr lang="en-US" sz="2500" dirty="0"/>
           </a:p>
           <a:p>
             <a:pPr marL="1657350" lvl="2" indent="-742950">
@@ -9321,10 +6176,9 @@
               <a:buChar char="•"/>
             </a:pPr>
             <a:r>
-              <a:rPr lang="en-NZ" sz="2500" dirty="0" smtClean="0"/>
+              <a:rPr lang="en-NZ" sz="2500" dirty="0"/>
               <a:t>Perform actions</a:t>
             </a:r>
-            <a:endParaRPr lang="en-NZ" sz="2500" dirty="0"/>
           </a:p>
           <a:p>
             <a:pPr marL="1657350" lvl="2" indent="-742950">
@@ -9351,12 +6205,8 @@
           <a:p>
             <a:pPr lvl="3"/>
             <a:r>
-              <a:rPr lang="en-NZ" sz="2000" dirty="0" smtClean="0"/>
-              <a:t>case </a:t>
-            </a:r>
-            <a:r>
               <a:rPr lang="en-NZ" sz="2000" dirty="0"/>
-              <a:t>Sleeping:</a:t>
+              <a:t>case Sleeping:</a:t>
             </a:r>
           </a:p>
           <a:p>
@@ -9385,14 +6235,10 @@
             <a:pPr lvl="2"/>
             <a:r>
               <a:rPr lang="en-NZ" sz="2000" dirty="0"/>
-              <a:t>	</a:t>
-            </a:r>
-            <a:r>
-              <a:rPr lang="en-NZ" sz="2000" dirty="0" smtClean="0"/>
-              <a:t>	</a:t>
-            </a:r>
-            <a:r>
-              <a:rPr lang="en-NZ" sz="2000" dirty="0" err="1" smtClean="0"/>
+              <a:t>		</a:t>
+            </a:r>
+            <a:r>
+              <a:rPr lang="en-NZ" sz="2000" dirty="0" err="1"/>
               <a:t>Haven’tEatenCount</a:t>
             </a:r>
             <a:r>
@@ -9466,13 +6312,6 @@
   <p:clrMapOvr>
     <a:masterClrMapping/>
   </p:clrMapOvr>
-  <p:timing>
-    <p:tnLst>
-      <p:par>
-        <p:cTn id="1" dur="indefinite" restart="never" nodeType="tmRoot"/>
-      </p:par>
-    </p:tnLst>
-  </p:timing>
 </p:sld>
 </file>
 
@@ -9531,17 +6370,17 @@
           <a:p>
             <a:pPr lvl="1"/>
             <a:r>
-              <a:rPr lang="en-NZ" sz="3500" b="1" dirty="0" smtClean="0"/>
+              <a:rPr lang="en-NZ" sz="3500" b="1" dirty="0"/>
               <a:t>Probabilistic FSM</a:t>
             </a:r>
-            <a:endParaRPr lang="en-US" sz="3500" b="1" dirty="0" smtClean="0"/>
+            <a:endParaRPr lang="en-US" sz="3500" b="1" dirty="0"/>
           </a:p>
           <a:p>
             <a:pPr marL="1657350" lvl="2" indent="-742950">
               <a:buFont typeface="Arial" panose="020B0604020202020204" pitchFamily="34" charset="0"/>
               <a:buChar char="•"/>
             </a:pPr>
-            <a:endParaRPr lang="en-US" sz="2500" dirty="0" smtClean="0"/>
+            <a:endParaRPr lang="en-US" sz="2500" dirty="0"/>
           </a:p>
         </p:txBody>
       </p:sp>
@@ -10023,13 +6862,6 @@
   <p:clrMapOvr>
     <a:masterClrMapping/>
   </p:clrMapOvr>
-  <p:timing>
-    <p:tnLst>
-      <p:par>
-        <p:cTn id="1" dur="indefinite" restart="never" nodeType="tmRoot"/>
-      </p:par>
-    </p:tnLst>
-  </p:timing>
 </p:sld>
 </file>
 
@@ -10088,17 +6920,17 @@
           <a:p>
             <a:pPr lvl="1"/>
             <a:r>
-              <a:rPr lang="en-NZ" sz="3500" b="1" dirty="0" smtClean="0"/>
+              <a:rPr lang="en-NZ" sz="3500" b="1" dirty="0"/>
               <a:t>Inheritance in OO - review</a:t>
             </a:r>
-            <a:endParaRPr lang="en-US" sz="3500" b="1" dirty="0" smtClean="0"/>
+            <a:endParaRPr lang="en-US" sz="3500" b="1" dirty="0"/>
           </a:p>
           <a:p>
             <a:pPr marL="1657350" lvl="2" indent="-742950">
               <a:buFont typeface="Arial" panose="020B0604020202020204" pitchFamily="34" charset="0"/>
               <a:buChar char="•"/>
             </a:pPr>
-            <a:endParaRPr lang="en-US" sz="2500" dirty="0" smtClean="0"/>
+            <a:endParaRPr lang="en-US" sz="2500" dirty="0"/>
           </a:p>
           <a:p>
             <a:pPr marL="1657350" lvl="2" indent="-742950">
@@ -10107,21 +6939,8 @@
             </a:pPr>
             <a:r>
               <a:rPr lang="en-NZ" sz="2500" dirty="0"/>
-              <a:t>A group of classes are related in that they have a </a:t>
-            </a:r>
-            <a:r>
-              <a:rPr lang="en-NZ" sz="2500" dirty="0" smtClean="0"/>
-              <a:t>	common </a:t>
-            </a:r>
-            <a:r>
-              <a:rPr lang="en-NZ" sz="2500" dirty="0"/>
-              <a:t>core of shared functionality and/or </a:t>
-            </a:r>
-            <a:r>
-              <a:rPr lang="en-NZ" sz="2500" dirty="0" smtClean="0"/>
-              <a:t>data</a:t>
-            </a:r>
-            <a:endParaRPr lang="en-NZ" sz="2500" dirty="0"/>
+              <a:t>A group of classes are related in that they have a 	common core of shared functionality and/or data</a:t>
+            </a:r>
           </a:p>
           <a:p>
             <a:pPr marL="1657350" lvl="2" indent="-742950">
@@ -10130,13 +6949,8 @@
             </a:pPr>
             <a:r>
               <a:rPr lang="en-NZ" sz="2500" dirty="0"/>
-              <a:t>Child classes extend parent (base classes) by </a:t>
-            </a:r>
-            <a:r>
-              <a:rPr lang="en-NZ" sz="2500" dirty="0" smtClean="0"/>
-              <a:t>descent</a:t>
-            </a:r>
-            <a:endParaRPr lang="en-NZ" sz="2500" dirty="0"/>
+              <a:t>Child classes extend parent (base classes) by descent</a:t>
+            </a:r>
           </a:p>
           <a:p>
             <a:pPr marL="1657350" lvl="2" indent="-742950">
@@ -10145,21 +6959,8 @@
             </a:pPr>
             <a:r>
               <a:rPr lang="en-NZ" sz="2500" dirty="0"/>
-              <a:t>Child classes contain all public or protected data and </a:t>
-            </a:r>
-            <a:r>
-              <a:rPr lang="en-NZ" sz="2500" dirty="0" smtClean="0"/>
-              <a:t>	methods </a:t>
-            </a:r>
-            <a:r>
-              <a:rPr lang="en-NZ" sz="2500" dirty="0"/>
-              <a:t>of their </a:t>
-            </a:r>
-            <a:r>
-              <a:rPr lang="en-NZ" sz="2500" dirty="0" smtClean="0"/>
-              <a:t>ancestors</a:t>
-            </a:r>
-            <a:endParaRPr lang="en-NZ" sz="2500" dirty="0"/>
+              <a:t>Child classes contain all public or protected data and 	methods of their ancestors</a:t>
+            </a:r>
           </a:p>
           <a:p>
             <a:pPr marL="1657350" lvl="2" indent="-742950">
@@ -10168,13 +6969,8 @@
             </a:pPr>
             <a:r>
               <a:rPr lang="en-NZ" sz="2500" dirty="0"/>
-              <a:t>Inheritance promotes code reuse and reduces code </a:t>
-            </a:r>
-            <a:r>
-              <a:rPr lang="en-NZ" sz="2500" dirty="0" smtClean="0"/>
-              <a:t>	duplication</a:t>
-            </a:r>
-            <a:endParaRPr lang="en-NZ" sz="2500" dirty="0"/>
+              <a:t>Inheritance promotes code reuse and reduces code 	duplication</a:t>
+            </a:r>
           </a:p>
           <a:p>
             <a:pPr marL="1657350" lvl="2" indent="-742950">
@@ -10183,21 +6979,8 @@
             </a:pPr>
             <a:r>
               <a:rPr lang="en-NZ" sz="2500" dirty="0"/>
-              <a:t>Child classes contain additional data, additional </a:t>
-            </a:r>
-            <a:r>
-              <a:rPr lang="en-NZ" sz="2500" dirty="0" smtClean="0"/>
-              <a:t>	functionality </a:t>
-            </a:r>
-            <a:r>
-              <a:rPr lang="en-NZ" sz="2500" dirty="0"/>
-              <a:t>or polymorphic </a:t>
-            </a:r>
-            <a:r>
-              <a:rPr lang="en-NZ" sz="2500" dirty="0" smtClean="0"/>
-              <a:t>implementations</a:t>
-            </a:r>
-            <a:endParaRPr lang="en-NZ" sz="2500" dirty="0"/>
+              <a:t>Child classes contain additional data, additional 	functionality or polymorphic implementations</a:t>
+            </a:r>
           </a:p>
           <a:p>
             <a:pPr marL="1657350" lvl="2" indent="-742950">
@@ -10206,35 +6989,23 @@
             </a:pPr>
             <a:r>
               <a:rPr lang="en-NZ" sz="2500" dirty="0"/>
-              <a:t>The parent-child relationship must be an “is-a” </a:t>
-            </a:r>
-            <a:r>
-              <a:rPr lang="en-NZ" sz="2500" dirty="0" smtClean="0"/>
-              <a:t>	relationship</a:t>
-            </a:r>
-            <a:r>
-              <a:rPr lang="en-NZ" sz="2500" dirty="0"/>
-              <a:t>, not a “has-a” </a:t>
-            </a:r>
-            <a:r>
-              <a:rPr lang="en-NZ" sz="2500" dirty="0" smtClean="0"/>
-              <a:t>relationship</a:t>
-            </a:r>
-            <a:endParaRPr lang="en-US" sz="2500" dirty="0" smtClean="0"/>
+              <a:t>The parent-child relationship must be an “is-a” 	relationship, not a “has-a” relationship</a:t>
+            </a:r>
+            <a:endParaRPr lang="en-US" sz="2500" dirty="0"/>
           </a:p>
           <a:p>
             <a:pPr marL="1657350" lvl="2" indent="-742950">
               <a:buFont typeface="Arial" panose="020B0604020202020204" pitchFamily="34" charset="0"/>
               <a:buChar char="•"/>
             </a:pPr>
-            <a:endParaRPr lang="en-US" sz="2500" dirty="0" smtClean="0"/>
+            <a:endParaRPr lang="en-US" sz="2500" dirty="0"/>
           </a:p>
           <a:p>
             <a:pPr marL="1657350" lvl="2" indent="-742950">
               <a:buFont typeface="Arial" panose="020B0604020202020204" pitchFamily="34" charset="0"/>
               <a:buChar char="•"/>
             </a:pPr>
-            <a:endParaRPr lang="en-US" sz="2500" dirty="0" smtClean="0"/>
+            <a:endParaRPr lang="en-US" sz="2500" dirty="0"/>
           </a:p>
         </p:txBody>
       </p:sp>
@@ -10248,13 +7019,6 @@
   <p:clrMapOvr>
     <a:masterClrMapping/>
   </p:clrMapOvr>
-  <p:timing>
-    <p:tnLst>
-      <p:par>
-        <p:cTn id="1" dur="indefinite" restart="never" nodeType="tmRoot"/>
-      </p:par>
-    </p:tnLst>
-  </p:timing>
 </p:sld>
 </file>
 
@@ -10313,17 +7077,17 @@
           <a:p>
             <a:pPr lvl="1"/>
             <a:r>
-              <a:rPr lang="en-NZ" sz="3500" b="1" dirty="0" smtClean="0"/>
+              <a:rPr lang="en-NZ" sz="3500" b="1" dirty="0"/>
               <a:t>Inheritance in OO - review</a:t>
             </a:r>
-            <a:endParaRPr lang="en-US" sz="3500" b="1" dirty="0" smtClean="0"/>
+            <a:endParaRPr lang="en-US" sz="3500" b="1" dirty="0"/>
           </a:p>
           <a:p>
             <a:pPr marL="1657350" lvl="2" indent="-742950">
               <a:buFont typeface="Arial" panose="020B0604020202020204" pitchFamily="34" charset="0"/>
               <a:buChar char="•"/>
             </a:pPr>
-            <a:endParaRPr lang="en-US" sz="2500" dirty="0" smtClean="0"/>
+            <a:endParaRPr lang="en-US" sz="2500" dirty="0"/>
           </a:p>
           <a:p>
             <a:pPr marL="1657350" lvl="2" indent="-742950">
@@ -10331,24 +7095,24 @@
               <a:buChar char="•"/>
             </a:pPr>
             <a:r>
-              <a:rPr lang="en-NZ" sz="2500" dirty="0" smtClean="0"/>
+              <a:rPr lang="en-NZ" sz="2500" dirty="0"/>
               <a:t>Inheritance for extension</a:t>
             </a:r>
-            <a:endParaRPr lang="en-US" sz="2500" dirty="0" smtClean="0"/>
+            <a:endParaRPr lang="en-US" sz="2500" dirty="0"/>
           </a:p>
           <a:p>
             <a:pPr marL="1657350" lvl="2" indent="-742950">
               <a:buFont typeface="Arial" panose="020B0604020202020204" pitchFamily="34" charset="0"/>
               <a:buChar char="•"/>
             </a:pPr>
-            <a:endParaRPr lang="en-US" sz="2500" dirty="0" smtClean="0"/>
+            <a:endParaRPr lang="en-US" sz="2500" dirty="0"/>
           </a:p>
           <a:p>
             <a:pPr marL="1657350" lvl="2" indent="-742950">
               <a:buFont typeface="Arial" panose="020B0604020202020204" pitchFamily="34" charset="0"/>
               <a:buChar char="•"/>
             </a:pPr>
-            <a:endParaRPr lang="en-US" sz="2500" dirty="0" smtClean="0"/>
+            <a:endParaRPr lang="en-US" sz="2500" dirty="0"/>
           </a:p>
         </p:txBody>
       </p:sp>
@@ -10403,10 +7167,9 @@
             <a:p>
               <a:pPr algn="ctr"/>
               <a:r>
-                <a:rPr lang="en-NZ" dirty="0" smtClean="0"/>
+                <a:rPr lang="en-NZ" dirty="0"/>
                 <a:t>Base Class: Common Core</a:t>
               </a:r>
-              <a:endParaRPr lang="en-NZ" dirty="0"/>
             </a:p>
           </p:txBody>
         </p:sp>
@@ -10447,10 +7210,9 @@
             <a:p>
               <a:pPr algn="ctr"/>
               <a:r>
-                <a:rPr lang="en-NZ" dirty="0" smtClean="0"/>
+                <a:rPr lang="en-NZ" dirty="0"/>
                 <a:t>Child Class: + Specialised</a:t>
               </a:r>
-              <a:endParaRPr lang="en-NZ" dirty="0"/>
             </a:p>
           </p:txBody>
         </p:sp>
@@ -10501,13 +7263,6 @@
   <p:clrMapOvr>
     <a:masterClrMapping/>
   </p:clrMapOvr>
-  <p:timing>
-    <p:tnLst>
-      <p:par>
-        <p:cTn id="1" dur="indefinite" restart="never" nodeType="tmRoot"/>
-      </p:par>
-    </p:tnLst>
-  </p:timing>
 </p:sld>
 </file>
 
@@ -10566,17 +7321,17 @@
           <a:p>
             <a:pPr lvl="1"/>
             <a:r>
-              <a:rPr lang="en-NZ" sz="3500" b="1" dirty="0" smtClean="0"/>
+              <a:rPr lang="en-NZ" sz="3500" b="1" dirty="0"/>
               <a:t>Inheritance in OO - review</a:t>
             </a:r>
-            <a:endParaRPr lang="en-US" sz="3500" b="1" dirty="0" smtClean="0"/>
+            <a:endParaRPr lang="en-US" sz="3500" b="1" dirty="0"/>
           </a:p>
           <a:p>
             <a:pPr marL="1657350" lvl="2" indent="-742950">
               <a:buFont typeface="Arial" panose="020B0604020202020204" pitchFamily="34" charset="0"/>
               <a:buChar char="•"/>
             </a:pPr>
-            <a:endParaRPr lang="en-US" sz="2500" dirty="0" smtClean="0"/>
+            <a:endParaRPr lang="en-US" sz="2500" dirty="0"/>
           </a:p>
           <a:p>
             <a:pPr marL="1657350" lvl="2" indent="-742950">
@@ -10584,24 +7339,24 @@
               <a:buChar char="•"/>
             </a:pPr>
             <a:r>
-              <a:rPr lang="en-NZ" sz="2500" dirty="0" smtClean="0"/>
+              <a:rPr lang="en-NZ" sz="2500" dirty="0"/>
               <a:t>Inheritance for polymorphism</a:t>
             </a:r>
-            <a:endParaRPr lang="en-US" sz="2500" dirty="0" smtClean="0"/>
+            <a:endParaRPr lang="en-US" sz="2500" dirty="0"/>
           </a:p>
           <a:p>
             <a:pPr marL="1657350" lvl="2" indent="-742950">
               <a:buFont typeface="Arial" panose="020B0604020202020204" pitchFamily="34" charset="0"/>
               <a:buChar char="•"/>
             </a:pPr>
-            <a:endParaRPr lang="en-US" sz="2500" dirty="0" smtClean="0"/>
+            <a:endParaRPr lang="en-US" sz="2500" dirty="0"/>
           </a:p>
           <a:p>
             <a:pPr marL="1657350" lvl="2" indent="-742950">
               <a:buFont typeface="Arial" panose="020B0604020202020204" pitchFamily="34" charset="0"/>
               <a:buChar char="•"/>
             </a:pPr>
-            <a:endParaRPr lang="en-US" sz="2500" dirty="0" smtClean="0"/>
+            <a:endParaRPr lang="en-US" sz="2500" dirty="0"/>
           </a:p>
         </p:txBody>
       </p:sp>
@@ -10656,25 +7411,24 @@
             <a:p>
               <a:pPr algn="ctr"/>
               <a:r>
-                <a:rPr lang="en-NZ" dirty="0" smtClean="0"/>
+                <a:rPr lang="en-NZ" dirty="0"/>
                 <a:t>Base Class – Common Core</a:t>
               </a:r>
             </a:p>
             <a:p>
               <a:pPr algn="ctr"/>
               <a:r>
-                <a:rPr lang="en-NZ" dirty="0" smtClean="0"/>
+                <a:rPr lang="en-NZ" dirty="0"/>
                 <a:t>Including </a:t>
               </a:r>
               <a:r>
-                <a:rPr lang="en-NZ" dirty="0" err="1" smtClean="0"/>
+                <a:rPr lang="en-NZ" dirty="0" err="1"/>
                 <a:t>ImportantJob</a:t>
               </a:r>
               <a:r>
-                <a:rPr lang="en-NZ" dirty="0" smtClean="0"/>
+                <a:rPr lang="en-NZ" dirty="0"/>
                 <a:t>()</a:t>
               </a:r>
-              <a:endParaRPr lang="en-NZ" dirty="0"/>
             </a:p>
           </p:txBody>
         </p:sp>
@@ -10715,25 +7469,24 @@
             <a:p>
               <a:pPr algn="ctr"/>
               <a:r>
-                <a:rPr lang="en-NZ" dirty="0" smtClean="0"/>
+                <a:rPr lang="en-NZ" dirty="0"/>
                 <a:t>Child Class1</a:t>
               </a:r>
             </a:p>
             <a:p>
               <a:pPr algn="ctr"/>
               <a:r>
-                <a:rPr lang="en-NZ" dirty="0" smtClean="0"/>
+                <a:rPr lang="en-NZ" dirty="0"/>
                 <a:t>Implements </a:t>
               </a:r>
               <a:r>
-                <a:rPr lang="en-NZ" dirty="0" err="1" smtClean="0"/>
+                <a:rPr lang="en-NZ" dirty="0" err="1"/>
                 <a:t>ImportantJob</a:t>
               </a:r>
               <a:r>
-                <a:rPr lang="en-NZ" dirty="0" smtClean="0"/>
+                <a:rPr lang="en-NZ" dirty="0"/>
                 <a:t>() with algorithm 1</a:t>
               </a:r>
-              <a:endParaRPr lang="en-NZ" dirty="0"/>
             </a:p>
           </p:txBody>
         </p:sp>
@@ -10813,25 +7566,24 @@
             <a:p>
               <a:pPr algn="ctr"/>
               <a:r>
-                <a:rPr lang="en-NZ" dirty="0" smtClean="0"/>
+                <a:rPr lang="en-NZ" dirty="0"/>
                 <a:t>Child Class2</a:t>
               </a:r>
             </a:p>
             <a:p>
               <a:pPr algn="ctr"/>
               <a:r>
-                <a:rPr lang="en-NZ" dirty="0" smtClean="0"/>
+                <a:rPr lang="en-NZ" dirty="0"/>
                 <a:t>Implements </a:t>
               </a:r>
               <a:r>
-                <a:rPr lang="en-NZ" dirty="0" err="1" smtClean="0"/>
+                <a:rPr lang="en-NZ" dirty="0" err="1"/>
                 <a:t>ImportantJob</a:t>
               </a:r>
               <a:r>
-                <a:rPr lang="en-NZ" dirty="0" smtClean="0"/>
+                <a:rPr lang="en-NZ" dirty="0"/>
                 <a:t>() with algorithm 2</a:t>
               </a:r>
-              <a:endParaRPr lang="en-NZ" dirty="0"/>
             </a:p>
           </p:txBody>
         </p:sp>
@@ -10885,13 +7637,6 @@
   <p:clrMapOvr>
     <a:masterClrMapping/>
   </p:clrMapOvr>
-  <p:timing>
-    <p:tnLst>
-      <p:par>
-        <p:cTn id="1" dur="indefinite" restart="never" nodeType="tmRoot"/>
-      </p:par>
-    </p:tnLst>
-  </p:timing>
 </p:sld>
 </file>
 
@@ -10950,17 +7695,17 @@
           <a:p>
             <a:pPr lvl="1"/>
             <a:r>
-              <a:rPr lang="en-NZ" sz="3500" b="1" dirty="0" smtClean="0"/>
+              <a:rPr lang="en-NZ" sz="3500" b="1" dirty="0"/>
               <a:t>Dangers of inheritance</a:t>
             </a:r>
-            <a:endParaRPr lang="en-US" sz="3500" b="1" dirty="0" smtClean="0"/>
+            <a:endParaRPr lang="en-US" sz="3500" b="1" dirty="0"/>
           </a:p>
           <a:p>
             <a:pPr marL="1657350" lvl="2" indent="-742950">
               <a:buFont typeface="Arial" panose="020B0604020202020204" pitchFamily="34" charset="0"/>
               <a:buChar char="•"/>
             </a:pPr>
-            <a:endParaRPr lang="en-US" sz="2500" dirty="0" smtClean="0"/>
+            <a:endParaRPr lang="en-US" sz="2500" dirty="0"/>
           </a:p>
           <a:p>
             <a:pPr marL="1657350" lvl="2" indent="-742950">
@@ -10989,20 +7734,16 @@
             </a:pPr>
             <a:r>
               <a:rPr lang="en-NZ" sz="2500" dirty="0"/>
-              <a:t>Hidden functionality in </a:t>
-            </a:r>
-            <a:r>
-              <a:rPr lang="en-NZ" sz="2500" dirty="0" smtClean="0"/>
-              <a:t>ancestors</a:t>
-            </a:r>
-            <a:endParaRPr lang="en-US" sz="2500" dirty="0" smtClean="0"/>
+              <a:t>Hidden functionality in ancestors</a:t>
+            </a:r>
+            <a:endParaRPr lang="en-US" sz="2500" dirty="0"/>
           </a:p>
           <a:p>
             <a:pPr marL="1657350" lvl="2" indent="-742950">
               <a:buFont typeface="Arial" panose="020B0604020202020204" pitchFamily="34" charset="0"/>
               <a:buChar char="•"/>
             </a:pPr>
-            <a:endParaRPr lang="en-US" sz="2500" dirty="0" smtClean="0"/>
+            <a:endParaRPr lang="en-US" sz="2500" dirty="0"/>
           </a:p>
         </p:txBody>
       </p:sp>
@@ -11016,13 +7757,6 @@
   <p:clrMapOvr>
     <a:masterClrMapping/>
   </p:clrMapOvr>
-  <p:timing>
-    <p:tnLst>
-      <p:par>
-        <p:cTn id="1" dur="indefinite" restart="never" nodeType="tmRoot"/>
-      </p:par>
-    </p:tnLst>
-  </p:timing>
 </p:sld>
 </file>
 
@@ -11081,17 +7815,17 @@
           <a:p>
             <a:pPr lvl="1"/>
             <a:r>
-              <a:rPr lang="en-NZ" sz="3500" b="1" dirty="0" smtClean="0"/>
+              <a:rPr lang="en-NZ" sz="3500" b="1" dirty="0"/>
               <a:t>Don’t use inheritance</a:t>
             </a:r>
-            <a:endParaRPr lang="en-US" sz="3500" b="1" dirty="0" smtClean="0"/>
+            <a:endParaRPr lang="en-US" sz="3500" b="1" dirty="0"/>
           </a:p>
           <a:p>
             <a:pPr marL="1657350" lvl="2" indent="-742950">
               <a:buFont typeface="Arial" panose="020B0604020202020204" pitchFamily="34" charset="0"/>
               <a:buChar char="•"/>
             </a:pPr>
-            <a:endParaRPr lang="en-US" sz="2500" dirty="0" smtClean="0"/>
+            <a:endParaRPr lang="en-US" sz="2500" dirty="0"/>
           </a:p>
           <a:p>
             <a:pPr marL="1657350" lvl="2" indent="-742950">
@@ -11107,10 +7841,9 @@
               <a:t>“is-a” </a:t>
             </a:r>
             <a:r>
-              <a:rPr lang="en-NZ" sz="2500" dirty="0" smtClean="0"/>
+              <a:rPr lang="en-NZ" sz="2500" dirty="0"/>
               <a:t>relationship</a:t>
             </a:r>
-            <a:endParaRPr lang="en-NZ" sz="2500" dirty="0"/>
           </a:p>
         </p:txBody>
       </p:sp>
@@ -11124,13 +7857,6 @@
   <p:clrMapOvr>
     <a:masterClrMapping/>
   </p:clrMapOvr>
-  <p:timing>
-    <p:tnLst>
-      <p:par>
-        <p:cTn id="1" dur="indefinite" restart="never" nodeType="tmRoot"/>
-      </p:par>
-    </p:tnLst>
-  </p:timing>
 </p:sld>
 </file>
 
@@ -11189,14 +7915,14 @@
           <a:p>
             <a:pPr lvl="1"/>
             <a:r>
-              <a:rPr lang="en-NZ" sz="3500" b="1" dirty="0" smtClean="0"/>
+              <a:rPr lang="en-NZ" sz="3500" b="1" dirty="0"/>
               <a:t>Inheritance syntax in C++</a:t>
             </a:r>
-            <a:endParaRPr lang="en-US" sz="3500" b="1" dirty="0" smtClean="0"/>
+            <a:endParaRPr lang="en-US" sz="3500" b="1" dirty="0"/>
           </a:p>
           <a:p>
             <a:pPr lvl="2"/>
-            <a:endParaRPr lang="en-US" sz="2500" dirty="0" smtClean="0"/>
+            <a:endParaRPr lang="en-US" sz="2500" dirty="0"/>
           </a:p>
         </p:txBody>
       </p:sp>
@@ -11287,13 +8013,6 @@
   <p:clrMapOvr>
     <a:masterClrMapping/>
   </p:clrMapOvr>
-  <p:timing>
-    <p:tnLst>
-      <p:par>
-        <p:cTn id="1" dur="indefinite" restart="never" nodeType="tmRoot"/>
-      </p:par>
-    </p:tnLst>
-  </p:timing>
 </p:sld>
 </file>
 
@@ -11362,7 +8081,7 @@
               <a:buFont typeface="Arial" panose="020B0604020202020204" pitchFamily="34" charset="0"/>
               <a:buChar char="•"/>
             </a:pPr>
-            <a:endParaRPr lang="en-US" sz="2500" dirty="0" smtClean="0"/>
+            <a:endParaRPr lang="en-US" sz="2500" dirty="0"/>
           </a:p>
           <a:p>
             <a:pPr marL="1657350" lvl="2" indent="-742950">
@@ -11370,10 +8089,9 @@
               <a:buChar char="•"/>
             </a:pPr>
             <a:r>
-              <a:rPr lang="en-NZ" sz="2500" dirty="0" smtClean="0"/>
+              <a:rPr lang="en-NZ" sz="2500" dirty="0"/>
               <a:t>In Child1.h</a:t>
             </a:r>
-            <a:endParaRPr lang="en-NZ" sz="2500" dirty="0"/>
           </a:p>
         </p:txBody>
       </p:sp>
@@ -11562,7 +8280,7 @@
               <a:buFont typeface="Arial" panose="020B0604020202020204" pitchFamily="34" charset="0"/>
               <a:buChar char="•"/>
             </a:pPr>
-            <a:endParaRPr lang="en-US" sz="2500" dirty="0" smtClean="0"/>
+            <a:endParaRPr lang="en-US" sz="2500" dirty="0"/>
           </a:p>
           <a:p>
             <a:pPr marL="1657350" lvl="2" indent="-742950">
@@ -11570,7 +8288,7 @@
               <a:buChar char="•"/>
             </a:pPr>
             <a:r>
-              <a:rPr lang="en-NZ" sz="2500" dirty="0" smtClean="0"/>
+              <a:rPr lang="en-NZ" sz="2500" dirty="0"/>
               <a:t>In Child1.h</a:t>
             </a:r>
           </a:p>
@@ -11581,15 +8299,7 @@
             </a:pPr>
             <a:r>
               <a:rPr lang="en-NZ" sz="2800" dirty="0"/>
-              <a:t>If you want to call the parent constructor, make </a:t>
-            </a:r>
-            <a:r>
-              <a:rPr lang="en-NZ" sz="2800" dirty="0" smtClean="0"/>
-              <a:t>	sure </a:t>
-            </a:r>
-            <a:r>
-              <a:rPr lang="en-NZ" sz="2800" dirty="0"/>
-              <a:t>the child constructor contains </a:t>
+              <a:t>If you want to call the parent constructor, make 	sure the child constructor contains </a:t>
             </a:r>
             <a:r>
               <a:rPr lang="en-NZ" sz="2800" i="1" dirty="0"/>
@@ -11599,27 +8309,13 @@
               <a:rPr lang="en-NZ" sz="2800" dirty="0"/>
               <a:t> all </a:t>
             </a:r>
-            <a:endParaRPr lang="en-NZ" sz="2800" dirty="0" smtClean="0"/>
           </a:p>
           <a:p>
             <a:pPr lvl="2"/>
             <a:r>
               <a:rPr lang="en-NZ" sz="2800" dirty="0"/>
-              <a:t>	</a:t>
-            </a:r>
-            <a:r>
-              <a:rPr lang="en-NZ" sz="2800" dirty="0" smtClean="0"/>
-              <a:t>the </a:t>
-            </a:r>
-            <a:r>
-              <a:rPr lang="en-NZ" sz="2800" dirty="0"/>
-              <a:t>input arguments that the parent constructor </a:t>
-            </a:r>
-            <a:r>
-              <a:rPr lang="en-NZ" sz="2800" dirty="0" smtClean="0"/>
-              <a:t>	contains</a:t>
-            </a:r>
-            <a:endParaRPr lang="en-NZ" sz="2800" dirty="0"/>
+              <a:t>	the input arguments that the parent constructor 	contains</a:t>
+            </a:r>
           </a:p>
         </p:txBody>
       </p:sp>
@@ -11798,17 +8494,17 @@
           <a:p>
             <a:pPr lvl="1"/>
             <a:r>
-              <a:rPr lang="en-NZ" sz="3500" b="1" dirty="0" smtClean="0"/>
+              <a:rPr lang="en-NZ" sz="3500" b="1" dirty="0"/>
               <a:t>FSM: state, actions and events</a:t>
             </a:r>
-            <a:endParaRPr lang="en-US" sz="3500" b="1" dirty="0" smtClean="0"/>
+            <a:endParaRPr lang="en-US" sz="3500" b="1" dirty="0"/>
           </a:p>
           <a:p>
             <a:pPr marL="1657350" lvl="2" indent="-742950">
               <a:buFont typeface="Arial" panose="020B0604020202020204" pitchFamily="34" charset="0"/>
               <a:buChar char="•"/>
             </a:pPr>
-            <a:endParaRPr lang="en-US" sz="2500" dirty="0" smtClean="0"/>
+            <a:endParaRPr lang="en-US" sz="2500" dirty="0"/>
           </a:p>
           <a:p>
             <a:pPr marL="1657350" lvl="2" indent="-742950">
@@ -11816,20 +8512,20 @@
               <a:buChar char="•"/>
             </a:pPr>
             <a:r>
-              <a:rPr lang="en-US" sz="2500" dirty="0" smtClean="0"/>
+              <a:rPr lang="en-US" sz="2500" dirty="0"/>
               <a:t>States and events</a:t>
             </a:r>
           </a:p>
           <a:p>
             <a:pPr lvl="2"/>
-            <a:endParaRPr lang="en-US" sz="2500" dirty="0" smtClean="0"/>
+            <a:endParaRPr lang="en-US" sz="2500" dirty="0"/>
           </a:p>
           <a:p>
             <a:pPr marL="1657350" lvl="2" indent="-742950">
               <a:buFont typeface="Arial" panose="020B0604020202020204" pitchFamily="34" charset="0"/>
               <a:buChar char="•"/>
             </a:pPr>
-            <a:endParaRPr lang="en-US" sz="2500" dirty="0" smtClean="0"/>
+            <a:endParaRPr lang="en-US" sz="2500" dirty="0"/>
           </a:p>
         </p:txBody>
       </p:sp>
@@ -12402,13 +9098,6 @@
   <p:clrMapOvr>
     <a:masterClrMapping/>
   </p:clrMapOvr>
-  <p:timing>
-    <p:tnLst>
-      <p:par>
-        <p:cTn id="1" dur="indefinite" restart="never" nodeType="tmRoot"/>
-      </p:par>
-    </p:tnLst>
-  </p:timing>
 </p:sld>
 </file>
 
@@ -12477,7 +9166,7 @@
               <a:buFont typeface="Arial" panose="020B0604020202020204" pitchFamily="34" charset="0"/>
               <a:buChar char="•"/>
             </a:pPr>
-            <a:endParaRPr lang="en-US" sz="2500" dirty="0" smtClean="0"/>
+            <a:endParaRPr lang="en-US" sz="2500" dirty="0"/>
           </a:p>
           <a:p>
             <a:pPr marL="1657350" lvl="2" indent="-742950">
@@ -12485,7 +9174,7 @@
               <a:buChar char="•"/>
             </a:pPr>
             <a:r>
-              <a:rPr lang="en-NZ" sz="2500" dirty="0" smtClean="0"/>
+              <a:rPr lang="en-NZ" sz="2500" dirty="0"/>
               <a:t>In Child1.h</a:t>
             </a:r>
           </a:p>
@@ -12676,7 +9365,7 @@
               <a:buFont typeface="Arial" panose="020B0604020202020204" pitchFamily="34" charset="0"/>
               <a:buChar char="•"/>
             </a:pPr>
-            <a:endParaRPr lang="en-US" sz="2500" dirty="0" smtClean="0"/>
+            <a:endParaRPr lang="en-US" sz="2500" dirty="0"/>
           </a:p>
           <a:p>
             <a:pPr marL="1657350" lvl="2" indent="-742950">
@@ -12684,7 +9373,7 @@
               <a:buChar char="•"/>
             </a:pPr>
             <a:r>
-              <a:rPr lang="en-NZ" sz="2500" dirty="0" smtClean="0"/>
+              <a:rPr lang="en-NZ" sz="2500" dirty="0"/>
               <a:t>In Child1.cpp</a:t>
             </a:r>
           </a:p>
@@ -12873,7 +9562,7 @@
               <a:buFont typeface="Arial" panose="020B0604020202020204" pitchFamily="34" charset="0"/>
               <a:buChar char="•"/>
             </a:pPr>
-            <a:endParaRPr lang="en-US" sz="2500" dirty="0" smtClean="0"/>
+            <a:endParaRPr lang="en-US" sz="2500" dirty="0"/>
           </a:p>
           <a:p>
             <a:pPr marL="1657350" lvl="2" indent="-742950">
@@ -12912,11 +9601,7 @@
             </a:pPr>
             <a:r>
               <a:rPr lang="en-NZ" sz="2000" dirty="0"/>
-              <a:t>Children have the option of overriding with their own code, or using the parent’s default </a:t>
-            </a:r>
-            <a:r>
-              <a:rPr lang="en-NZ" sz="2000" dirty="0" smtClean="0"/>
-              <a:t>version</a:t>
+              <a:t>Children have the option of overriding with their own code, or using the parent’s default version</a:t>
             </a:r>
             <a:endParaRPr lang="en-NZ" sz="2500" dirty="0"/>
           </a:p>
@@ -12957,13 +9642,8 @@
             </a:pPr>
             <a:r>
               <a:rPr lang="en-NZ" sz="2000" dirty="0"/>
-              <a:t>Instances of the parent class cannot be </a:t>
-            </a:r>
-            <a:r>
-              <a:rPr lang="en-NZ" sz="2000" dirty="0" smtClean="0"/>
-              <a:t>instantiated</a:t>
-            </a:r>
-            <a:endParaRPr lang="en-NZ" sz="2000" dirty="0"/>
+              <a:t>Instances of the parent class cannot be instantiated</a:t>
+            </a:r>
           </a:p>
         </p:txBody>
       </p:sp>
@@ -12977,13 +9657,6 @@
   <p:clrMapOvr>
     <a:masterClrMapping/>
   </p:clrMapOvr>
-  <p:timing>
-    <p:tnLst>
-      <p:par>
-        <p:cTn id="1" dur="indefinite" restart="never" nodeType="tmRoot"/>
-      </p:par>
-    </p:tnLst>
-  </p:timing>
 </p:sld>
 </file>
 
@@ -13052,7 +9725,7 @@
               <a:buFont typeface="Arial" panose="020B0604020202020204" pitchFamily="34" charset="0"/>
               <a:buChar char="•"/>
             </a:pPr>
-            <a:endParaRPr lang="en-US" sz="2500" dirty="0" smtClean="0"/>
+            <a:endParaRPr lang="en-US" sz="2500" dirty="0"/>
           </a:p>
         </p:txBody>
       </p:sp>
@@ -13257,13 +9930,6 @@
   <p:clrMapOvr>
     <a:masterClrMapping/>
   </p:clrMapOvr>
-  <p:timing>
-    <p:tnLst>
-      <p:par>
-        <p:cTn id="1" dur="indefinite" restart="never" nodeType="tmRoot"/>
-      </p:par>
-    </p:tnLst>
-  </p:timing>
 </p:sld>
 </file>
 
@@ -13332,7 +9998,7 @@
               <a:buFont typeface="Arial" panose="020B0604020202020204" pitchFamily="34" charset="0"/>
               <a:buChar char="•"/>
             </a:pPr>
-            <a:endParaRPr lang="en-US" sz="2500" dirty="0" smtClean="0"/>
+            <a:endParaRPr lang="en-US" sz="2500" dirty="0"/>
           </a:p>
           <a:p>
             <a:pPr marL="1657350" lvl="2" indent="-742950">
@@ -13340,7 +10006,7 @@
               <a:buChar char="•"/>
             </a:pPr>
             <a:r>
-              <a:rPr lang="en-NZ" sz="2500" dirty="0" smtClean="0"/>
+              <a:rPr lang="en-NZ" sz="2500" dirty="0"/>
               <a:t>In Child1.h</a:t>
             </a:r>
           </a:p>
@@ -13531,7 +10197,7 @@
               <a:buFont typeface="Arial" panose="020B0604020202020204" pitchFamily="34" charset="0"/>
               <a:buChar char="•"/>
             </a:pPr>
-            <a:endParaRPr lang="en-US" sz="2500" dirty="0" smtClean="0"/>
+            <a:endParaRPr lang="en-US" sz="2500" dirty="0"/>
           </a:p>
           <a:p>
             <a:pPr marL="1657350" lvl="2" indent="-742950">
@@ -13539,7 +10205,7 @@
               <a:buChar char="•"/>
             </a:pPr>
             <a:r>
-              <a:rPr lang="en-NZ" sz="2500" dirty="0" smtClean="0"/>
+              <a:rPr lang="en-NZ" sz="2500" dirty="0"/>
               <a:t>In Child1.cpp</a:t>
             </a:r>
           </a:p>
@@ -13720,17 +10386,17 @@
           <a:p>
             <a:pPr lvl="1"/>
             <a:r>
-              <a:rPr lang="en-NZ" sz="3500" b="1" dirty="0" smtClean="0"/>
+              <a:rPr lang="en-NZ" sz="3500" b="1" dirty="0"/>
               <a:t>Practical</a:t>
             </a:r>
-            <a:endParaRPr lang="en-US" sz="3500" b="1" dirty="0" smtClean="0"/>
+            <a:endParaRPr lang="en-US" sz="3500" b="1" dirty="0"/>
           </a:p>
           <a:p>
             <a:pPr marL="1657350" lvl="2" indent="-742950">
               <a:buFont typeface="Arial" panose="020B0604020202020204" pitchFamily="34" charset="0"/>
               <a:buChar char="•"/>
             </a:pPr>
-            <a:endParaRPr lang="en-US" sz="2500" dirty="0" smtClean="0"/>
+            <a:endParaRPr lang="en-US" sz="2500" dirty="0"/>
           </a:p>
           <a:p>
             <a:pPr marL="1657350" lvl="2" indent="-742950">
@@ -13738,10 +10404,9 @@
               <a:buChar char="•"/>
             </a:pPr>
             <a:r>
-              <a:rPr lang="en-NZ" sz="2500" dirty="0" smtClean="0"/>
+              <a:rPr lang="en-NZ" sz="2500" dirty="0"/>
               <a:t>Approach-avoid</a:t>
             </a:r>
-            <a:endParaRPr lang="en-NZ" sz="2500" dirty="0"/>
           </a:p>
         </p:txBody>
       </p:sp>
@@ -13785,13 +10450,6 @@
   <p:clrMapOvr>
     <a:masterClrMapping/>
   </p:clrMapOvr>
-  <p:timing>
-    <p:tnLst>
-      <p:par>
-        <p:cTn id="1" dur="indefinite" restart="never" nodeType="tmRoot"/>
-      </p:par>
-    </p:tnLst>
-  </p:timing>
 </p:sld>
 </file>
 
@@ -13850,17 +10508,17 @@
           <a:p>
             <a:pPr lvl="1"/>
             <a:r>
-              <a:rPr lang="en-NZ" sz="3500" b="1" dirty="0" smtClean="0"/>
+              <a:rPr lang="en-NZ" sz="3500" b="1" dirty="0"/>
               <a:t>Practical</a:t>
             </a:r>
-            <a:endParaRPr lang="en-US" sz="3500" b="1" dirty="0" smtClean="0"/>
+            <a:endParaRPr lang="en-US" sz="3500" b="1" dirty="0"/>
           </a:p>
           <a:p>
             <a:pPr marL="1657350" lvl="2" indent="-742950">
               <a:buFont typeface="Arial" panose="020B0604020202020204" pitchFamily="34" charset="0"/>
               <a:buChar char="•"/>
             </a:pPr>
-            <a:endParaRPr lang="en-US" sz="2500" dirty="0" smtClean="0"/>
+            <a:endParaRPr lang="en-US" sz="2500" dirty="0"/>
           </a:p>
           <a:p>
             <a:pPr marL="1657350" lvl="2" indent="-742950">
@@ -13872,16 +10530,12 @@
               <a:t>Use Inheritance </a:t>
             </a:r>
             <a:r>
-              <a:rPr lang="en-NZ" sz="2500" b="1" dirty="0" err="1" smtClean="0"/>
+              <a:rPr lang="en-NZ" sz="2500" b="1" dirty="0" err="1"/>
               <a:t>InheritanceApproachAvoid</a:t>
             </a:r>
             <a:r>
-              <a:rPr lang="en-NZ" sz="2500" b="1" dirty="0" smtClean="0"/>
-              <a:t> </a:t>
-            </a:r>
-            <a:r>
               <a:rPr lang="en-NZ" sz="2500" b="1" dirty="0"/>
-              <a:t>Skeleton</a:t>
+              <a:t> Skeleton</a:t>
             </a:r>
           </a:p>
           <a:p>
@@ -13945,18 +10599,14 @@
             </a:r>
             <a:r>
               <a:rPr lang="en-NZ" sz="2500" dirty="0"/>
-              <a:t>, both </a:t>
-            </a:r>
-            <a:r>
-              <a:rPr lang="en-NZ" sz="2500" dirty="0" smtClean="0"/>
-              <a:t>	descended from </a:t>
-            </a:r>
-            <a:r>
-              <a:rPr lang="en-NZ" sz="2500" b="1" dirty="0" smtClean="0"/>
+              <a:t>, both 	descended from </a:t>
+            </a:r>
+            <a:r>
+              <a:rPr lang="en-NZ" sz="2500" b="1" dirty="0"/>
               <a:t>SimpleSprite</a:t>
             </a:r>
             <a:r>
-              <a:rPr lang="en-NZ" sz="2500" dirty="0" smtClean="0"/>
+              <a:rPr lang="en-NZ" sz="2500" dirty="0"/>
               <a:t>, so that your </a:t>
             </a:r>
           </a:p>
@@ -13964,13 +10614,8 @@
             <a:pPr lvl="2"/>
             <a:r>
               <a:rPr lang="en-NZ" sz="2500" dirty="0"/>
-              <a:t>	</a:t>
-            </a:r>
-            <a:r>
-              <a:rPr lang="en-NZ" sz="2500" dirty="0" smtClean="0"/>
-              <a:t>application runs as in the demo</a:t>
-            </a:r>
-            <a:endParaRPr lang="en-NZ" sz="2500" dirty="0"/>
+              <a:t>	application runs as in the demo</a:t>
+            </a:r>
           </a:p>
           <a:p>
             <a:pPr marL="1657350" lvl="2" indent="-742950">
@@ -14044,13 +10689,6 @@
   <p:clrMapOvr>
     <a:masterClrMapping/>
   </p:clrMapOvr>
-  <p:timing>
-    <p:tnLst>
-      <p:par>
-        <p:cTn id="1" dur="indefinite" restart="never" nodeType="tmRoot"/>
-      </p:par>
-    </p:tnLst>
-  </p:timing>
 </p:sld>
 </file>
 
@@ -14109,10 +10747,10 @@
           <a:p>
             <a:pPr lvl="1"/>
             <a:r>
-              <a:rPr lang="en-NZ" sz="3500" b="1" dirty="0" smtClean="0"/>
+              <a:rPr lang="en-NZ" sz="3500" b="1" dirty="0"/>
               <a:t>Practical – code examples</a:t>
             </a:r>
-            <a:endParaRPr lang="en-US" sz="3500" b="1" dirty="0" smtClean="0"/>
+            <a:endParaRPr lang="en-US" sz="3500" b="1" dirty="0"/>
           </a:p>
         </p:txBody>
       </p:sp>
@@ -14201,13 +10839,6 @@
   <p:clrMapOvr>
     <a:masterClrMapping/>
   </p:clrMapOvr>
-  <p:timing>
-    <p:tnLst>
-      <p:par>
-        <p:cTn id="1" dur="indefinite" restart="never" nodeType="tmRoot"/>
-      </p:par>
-    </p:tnLst>
-  </p:timing>
 </p:sld>
 </file>
 
@@ -14266,17 +10897,17 @@
           <a:p>
             <a:pPr lvl="1"/>
             <a:r>
-              <a:rPr lang="en-NZ" sz="3500" b="1" dirty="0" smtClean="0"/>
+              <a:rPr lang="en-NZ" sz="3500" b="1" dirty="0"/>
               <a:t>FSM: state, actions and events</a:t>
             </a:r>
-            <a:endParaRPr lang="en-US" sz="3500" b="1" dirty="0" smtClean="0"/>
+            <a:endParaRPr lang="en-US" sz="3500" b="1" dirty="0"/>
           </a:p>
           <a:p>
             <a:pPr marL="1657350" lvl="2" indent="-742950">
               <a:buFont typeface="Arial" panose="020B0604020202020204" pitchFamily="34" charset="0"/>
               <a:buChar char="•"/>
             </a:pPr>
-            <a:endParaRPr lang="en-US" sz="2500" dirty="0" smtClean="0"/>
+            <a:endParaRPr lang="en-US" sz="2500" dirty="0"/>
           </a:p>
           <a:p>
             <a:pPr marL="1657350" lvl="2" indent="-742950">
@@ -14284,20 +10915,20 @@
               <a:buChar char="•"/>
             </a:pPr>
             <a:r>
-              <a:rPr lang="en-US" sz="2500" dirty="0" smtClean="0"/>
+              <a:rPr lang="en-US" sz="2500" dirty="0"/>
               <a:t>Actions</a:t>
             </a:r>
           </a:p>
           <a:p>
             <a:pPr lvl="2"/>
-            <a:endParaRPr lang="en-US" sz="2500" dirty="0" smtClean="0"/>
+            <a:endParaRPr lang="en-US" sz="2500" dirty="0"/>
           </a:p>
           <a:p>
             <a:pPr marL="1657350" lvl="2" indent="-742950">
               <a:buFont typeface="Arial" panose="020B0604020202020204" pitchFamily="34" charset="0"/>
               <a:buChar char="•"/>
             </a:pPr>
-            <a:endParaRPr lang="en-US" sz="2500" dirty="0" smtClean="0"/>
+            <a:endParaRPr lang="en-US" sz="2500" dirty="0"/>
           </a:p>
         </p:txBody>
       </p:sp>
@@ -14329,14 +10960,14 @@
                 <a:gridCol w="2952328">
                   <a:extLst>
                     <a:ext uri="{9D8B030D-6E8A-4147-A177-3AD203B41FA5}">
-                      <a16:colId xmlns:a16="http://schemas.microsoft.com/office/drawing/2014/main" xmlns="" val="20000"/>
+                      <a16:colId xmlns:a16="http://schemas.microsoft.com/office/drawing/2014/main" val="20000"/>
                     </a:ext>
                   </a:extLst>
                 </a:gridCol>
                 <a:gridCol w="4392488">
                   <a:extLst>
                     <a:ext uri="{9D8B030D-6E8A-4147-A177-3AD203B41FA5}">
-                      <a16:colId xmlns:a16="http://schemas.microsoft.com/office/drawing/2014/main" xmlns="" val="20001"/>
+                      <a16:colId xmlns:a16="http://schemas.microsoft.com/office/drawing/2014/main" val="20001"/>
                     </a:ext>
                   </a:extLst>
                 </a:gridCol>
@@ -14348,10 +10979,9 @@
                     <a:lstStyle/>
                     <a:p>
                       <a:r>
-                        <a:rPr lang="en-NZ" dirty="0" smtClean="0"/>
+                        <a:rPr lang="en-NZ" dirty="0"/>
                         <a:t>When in state...</a:t>
                       </a:r>
-                      <a:endParaRPr lang="en-NZ" dirty="0"/>
                     </a:p>
                   </a:txBody>
                   <a:tcPr/>
@@ -14362,17 +10992,16 @@
                     <a:lstStyle/>
                     <a:p>
                       <a:r>
-                        <a:rPr lang="en-NZ" dirty="0" smtClean="0"/>
+                        <a:rPr lang="en-NZ" dirty="0"/>
                         <a:t>Action...</a:t>
                       </a:r>
-                      <a:endParaRPr lang="en-NZ" dirty="0"/>
                     </a:p>
                   </a:txBody>
                   <a:tcPr/>
                 </a:tc>
                 <a:extLst>
                   <a:ext uri="{0D108BD9-81ED-4DB2-BD59-A6C34878D82A}">
-                    <a16:rowId xmlns:a16="http://schemas.microsoft.com/office/drawing/2014/main" xmlns="" val="10000"/>
+                    <a16:rowId xmlns:a16="http://schemas.microsoft.com/office/drawing/2014/main" val="10000"/>
                   </a:ext>
                 </a:extLst>
               </a:tr>
@@ -14383,10 +11012,9 @@
                     <a:lstStyle/>
                     <a:p>
                       <a:r>
-                        <a:rPr lang="en-NZ" dirty="0" smtClean="0"/>
+                        <a:rPr lang="en-NZ" dirty="0"/>
                         <a:t>Sleeping</a:t>
                       </a:r>
-                      <a:endParaRPr lang="en-NZ" dirty="0"/>
                     </a:p>
                   </a:txBody>
                   <a:tcPr/>
@@ -14397,39 +11025,39 @@
                     <a:lstStyle/>
                     <a:p>
                       <a:r>
-                        <a:rPr lang="en-NZ" dirty="0" smtClean="0"/>
+                        <a:rPr lang="en-NZ" dirty="0"/>
                         <a:t>Lie down with eyes closed</a:t>
                       </a:r>
                     </a:p>
                     <a:p>
                       <a:r>
-                        <a:rPr lang="en-NZ" dirty="0" smtClean="0"/>
+                        <a:rPr lang="en-NZ" dirty="0"/>
                         <a:t>Drool</a:t>
                       </a:r>
                     </a:p>
                     <a:p>
                       <a:r>
-                        <a:rPr lang="en-NZ" dirty="0" smtClean="0"/>
+                        <a:rPr lang="en-NZ" dirty="0"/>
                         <a:t>Roll</a:t>
                       </a:r>
                       <a:r>
-                        <a:rPr lang="en-NZ" baseline="0" dirty="0" smtClean="0"/>
+                        <a:rPr lang="en-NZ" baseline="0" dirty="0"/>
                         <a:t> over with ROLL_PROB</a:t>
                       </a:r>
                     </a:p>
                     <a:p>
                       <a:r>
-                        <a:rPr lang="en-NZ" baseline="0" dirty="0" smtClean="0"/>
+                        <a:rPr lang="en-NZ" baseline="0" dirty="0"/>
                         <a:t>Update Hunger</a:t>
                       </a:r>
-                      <a:endParaRPr lang="en-NZ" dirty="0" smtClean="0"/>
+                      <a:endParaRPr lang="en-NZ" dirty="0"/>
                     </a:p>
                   </a:txBody>
                   <a:tcPr/>
                 </a:tc>
                 <a:extLst>
                   <a:ext uri="{0D108BD9-81ED-4DB2-BD59-A6C34878D82A}">
-                    <a16:rowId xmlns:a16="http://schemas.microsoft.com/office/drawing/2014/main" xmlns="" val="10001"/>
+                    <a16:rowId xmlns:a16="http://schemas.microsoft.com/office/drawing/2014/main" val="10001"/>
                   </a:ext>
                 </a:extLst>
               </a:tr>
@@ -14440,10 +11068,9 @@
                     <a:lstStyle/>
                     <a:p>
                       <a:r>
-                        <a:rPr lang="en-NZ" dirty="0" smtClean="0"/>
+                        <a:rPr lang="en-NZ" dirty="0"/>
                         <a:t>Chasing</a:t>
                       </a:r>
-                      <a:endParaRPr lang="en-NZ" dirty="0"/>
                     </a:p>
                   </a:txBody>
                   <a:tcPr/>
@@ -14454,35 +11081,35 @@
                     <a:lstStyle/>
                     <a:p>
                       <a:r>
-                        <a:rPr lang="en-NZ" dirty="0" err="1" smtClean="0"/>
+                        <a:rPr lang="en-NZ" dirty="0" err="1"/>
                         <a:t>OrientTo</a:t>
                       </a:r>
                       <a:r>
-                        <a:rPr lang="en-NZ" dirty="0" smtClean="0"/>
+                        <a:rPr lang="en-NZ" dirty="0"/>
                         <a:t>(</a:t>
                       </a:r>
                       <a:r>
-                        <a:rPr lang="en-NZ" dirty="0" err="1" smtClean="0"/>
+                        <a:rPr lang="en-NZ" dirty="0" err="1"/>
                         <a:t>Neighbour</a:t>
                       </a:r>
                       <a:r>
-                        <a:rPr lang="en-NZ" baseline="0" dirty="0" err="1" smtClean="0"/>
+                        <a:rPr lang="en-NZ" baseline="0" dirty="0" err="1"/>
                         <a:t>Cat</a:t>
                       </a:r>
                       <a:r>
-                        <a:rPr lang="en-NZ" baseline="0" dirty="0" smtClean="0"/>
+                        <a:rPr lang="en-NZ" baseline="0" dirty="0"/>
                         <a:t>)</a:t>
                       </a:r>
                     </a:p>
                     <a:p>
                       <a:r>
-                        <a:rPr lang="en-NZ" baseline="0" dirty="0" smtClean="0"/>
+                        <a:rPr lang="en-NZ" baseline="0" dirty="0"/>
                         <a:t>Move</a:t>
                       </a:r>
                     </a:p>
                     <a:p>
                       <a:r>
-                        <a:rPr lang="en-NZ" baseline="0" dirty="0" smtClean="0"/>
+                        <a:rPr lang="en-NZ" baseline="0" dirty="0"/>
                         <a:t>Hiss</a:t>
                       </a:r>
                       <a:endParaRPr lang="en-NZ" dirty="0"/>
@@ -14492,7 +11119,7 @@
                 </a:tc>
                 <a:extLst>
                   <a:ext uri="{0D108BD9-81ED-4DB2-BD59-A6C34878D82A}">
-                    <a16:rowId xmlns:a16="http://schemas.microsoft.com/office/drawing/2014/main" xmlns="" val="10002"/>
+                    <a16:rowId xmlns:a16="http://schemas.microsoft.com/office/drawing/2014/main" val="10002"/>
                   </a:ext>
                 </a:extLst>
               </a:tr>
@@ -14503,10 +11130,9 @@
                     <a:lstStyle/>
                     <a:p>
                       <a:r>
-                        <a:rPr lang="en-NZ" dirty="0" smtClean="0"/>
+                        <a:rPr lang="en-NZ" dirty="0"/>
                         <a:t>Eating</a:t>
                       </a:r>
-                      <a:endParaRPr lang="en-NZ" dirty="0"/>
                     </a:p>
                   </a:txBody>
                   <a:tcPr/>
@@ -14517,31 +11143,30 @@
                     <a:lstStyle/>
                     <a:p>
                       <a:r>
-                        <a:rPr lang="en-NZ" dirty="0" smtClean="0"/>
+                        <a:rPr lang="en-NZ" dirty="0"/>
                         <a:t>Gobble</a:t>
                       </a:r>
                       <a:r>
-                        <a:rPr lang="en-NZ" baseline="0" dirty="0" smtClean="0"/>
+                        <a:rPr lang="en-NZ" baseline="0" dirty="0"/>
                         <a:t> f</a:t>
                       </a:r>
                       <a:r>
-                        <a:rPr lang="en-NZ" dirty="0" smtClean="0"/>
+                        <a:rPr lang="en-NZ" dirty="0"/>
                         <a:t>ood</a:t>
                       </a:r>
                     </a:p>
                     <a:p>
                       <a:r>
-                        <a:rPr lang="en-NZ" dirty="0" smtClean="0"/>
+                        <a:rPr lang="en-NZ" dirty="0"/>
                         <a:t>Update Fullness</a:t>
                       </a:r>
-                      <a:endParaRPr lang="en-NZ" dirty="0"/>
                     </a:p>
                   </a:txBody>
                   <a:tcPr/>
                 </a:tc>
                 <a:extLst>
                   <a:ext uri="{0D108BD9-81ED-4DB2-BD59-A6C34878D82A}">
-                    <a16:rowId xmlns:a16="http://schemas.microsoft.com/office/drawing/2014/main" xmlns="" val="10003"/>
+                    <a16:rowId xmlns:a16="http://schemas.microsoft.com/office/drawing/2014/main" val="10003"/>
                   </a:ext>
                 </a:extLst>
               </a:tr>
@@ -14559,13 +11184,6 @@
   <p:clrMapOvr>
     <a:masterClrMapping/>
   </p:clrMapOvr>
-  <p:timing>
-    <p:tnLst>
-      <p:par>
-        <p:cTn id="1" dur="indefinite" restart="never" nodeType="tmRoot"/>
-      </p:par>
-    </p:tnLst>
-  </p:timing>
 </p:sld>
 </file>
 
@@ -14624,28 +11242,28 @@
           <a:p>
             <a:pPr lvl="1"/>
             <a:r>
-              <a:rPr lang="en-NZ" sz="3500" b="1" dirty="0" smtClean="0"/>
+              <a:rPr lang="en-NZ" sz="3500" b="1" dirty="0"/>
               <a:t>FSM in games</a:t>
             </a:r>
-            <a:endParaRPr lang="en-US" sz="3500" b="1" dirty="0" smtClean="0"/>
+            <a:endParaRPr lang="en-US" sz="3500" b="1" dirty="0"/>
           </a:p>
           <a:p>
             <a:pPr marL="1657350" lvl="2" indent="-742950">
               <a:buFont typeface="Arial" panose="020B0604020202020204" pitchFamily="34" charset="0"/>
               <a:buChar char="•"/>
             </a:pPr>
-            <a:endParaRPr lang="en-US" sz="2500" dirty="0" smtClean="0"/>
+            <a:endParaRPr lang="en-US" sz="2500" dirty="0"/>
           </a:p>
           <a:p>
             <a:pPr lvl="2"/>
-            <a:endParaRPr lang="en-US" sz="2500" dirty="0" smtClean="0"/>
+            <a:endParaRPr lang="en-US" sz="2500" dirty="0"/>
           </a:p>
           <a:p>
             <a:pPr marL="1657350" lvl="2" indent="-742950">
               <a:buFont typeface="Arial" panose="020B0604020202020204" pitchFamily="34" charset="0"/>
               <a:buChar char="•"/>
             </a:pPr>
-            <a:endParaRPr lang="en-US" sz="2500" dirty="0" smtClean="0"/>
+            <a:endParaRPr lang="en-US" sz="2500" dirty="0"/>
           </a:p>
         </p:txBody>
       </p:sp>
@@ -14691,13 +11309,6 @@
   <p:clrMapOvr>
     <a:masterClrMapping/>
   </p:clrMapOvr>
-  <p:timing>
-    <p:tnLst>
-      <p:par>
-        <p:cTn id="1" dur="indefinite" restart="never" nodeType="tmRoot"/>
-      </p:par>
-    </p:tnLst>
-  </p:timing>
 </p:sld>
 </file>
 
@@ -14756,28 +11367,28 @@
           <a:p>
             <a:pPr lvl="1"/>
             <a:r>
-              <a:rPr lang="en-NZ" sz="3500" b="1" dirty="0" smtClean="0"/>
+              <a:rPr lang="en-NZ" sz="3500" b="1" dirty="0"/>
               <a:t>FSM in games</a:t>
             </a:r>
-            <a:endParaRPr lang="en-US" sz="3500" b="1" dirty="0" smtClean="0"/>
+            <a:endParaRPr lang="en-US" sz="3500" b="1" dirty="0"/>
           </a:p>
           <a:p>
             <a:pPr marL="1657350" lvl="2" indent="-742950">
               <a:buFont typeface="Arial" panose="020B0604020202020204" pitchFamily="34" charset="0"/>
               <a:buChar char="•"/>
             </a:pPr>
-            <a:endParaRPr lang="en-US" sz="2500" dirty="0" smtClean="0"/>
+            <a:endParaRPr lang="en-US" sz="2500" dirty="0"/>
           </a:p>
           <a:p>
             <a:pPr lvl="2"/>
-            <a:endParaRPr lang="en-US" sz="2500" dirty="0" smtClean="0"/>
+            <a:endParaRPr lang="en-US" sz="2500" dirty="0"/>
           </a:p>
           <a:p>
             <a:pPr marL="1657350" lvl="2" indent="-742950">
               <a:buFont typeface="Arial" panose="020B0604020202020204" pitchFamily="34" charset="0"/>
               <a:buChar char="•"/>
             </a:pPr>
-            <a:endParaRPr lang="en-US" sz="2500" dirty="0" smtClean="0"/>
+            <a:endParaRPr lang="en-US" sz="2500" dirty="0"/>
           </a:p>
         </p:txBody>
       </p:sp>
@@ -14823,13 +11434,6 @@
   <p:clrMapOvr>
     <a:masterClrMapping/>
   </p:clrMapOvr>
-  <p:timing>
-    <p:tnLst>
-      <p:par>
-        <p:cTn id="1" dur="indefinite" restart="never" nodeType="tmRoot"/>
-      </p:par>
-    </p:tnLst>
-  </p:timing>
 </p:sld>
 </file>
 
@@ -14888,28 +11492,28 @@
           <a:p>
             <a:pPr lvl="1"/>
             <a:r>
-              <a:rPr lang="en-NZ" sz="3500" b="1" dirty="0" smtClean="0"/>
+              <a:rPr lang="en-NZ" sz="3500" b="1" dirty="0"/>
               <a:t>FSM in games</a:t>
             </a:r>
-            <a:endParaRPr lang="en-US" sz="3500" b="1" dirty="0" smtClean="0"/>
+            <a:endParaRPr lang="en-US" sz="3500" b="1" dirty="0"/>
           </a:p>
           <a:p>
             <a:pPr marL="1657350" lvl="2" indent="-742950">
               <a:buFont typeface="Arial" panose="020B0604020202020204" pitchFamily="34" charset="0"/>
               <a:buChar char="•"/>
             </a:pPr>
-            <a:endParaRPr lang="en-US" sz="2500" dirty="0" smtClean="0"/>
+            <a:endParaRPr lang="en-US" sz="2500" dirty="0"/>
           </a:p>
           <a:p>
             <a:pPr lvl="2"/>
-            <a:endParaRPr lang="en-US" sz="2500" dirty="0" smtClean="0"/>
+            <a:endParaRPr lang="en-US" sz="2500" dirty="0"/>
           </a:p>
           <a:p>
             <a:pPr marL="1657350" lvl="2" indent="-742950">
               <a:buFont typeface="Arial" panose="020B0604020202020204" pitchFamily="34" charset="0"/>
               <a:buChar char="•"/>
             </a:pPr>
-            <a:endParaRPr lang="en-US" sz="2500" dirty="0" smtClean="0"/>
+            <a:endParaRPr lang="en-US" sz="2500" dirty="0"/>
           </a:p>
         </p:txBody>
       </p:sp>
@@ -14955,13 +11559,6 @@
   <p:clrMapOvr>
     <a:masterClrMapping/>
   </p:clrMapOvr>
-  <p:timing>
-    <p:tnLst>
-      <p:par>
-        <p:cTn id="1" dur="indefinite" restart="never" nodeType="tmRoot"/>
-      </p:par>
-    </p:tnLst>
-  </p:timing>
 </p:sld>
 </file>
 
@@ -15020,17 +11617,17 @@
           <a:p>
             <a:pPr lvl="1"/>
             <a:r>
-              <a:rPr lang="en-NZ" sz="3500" b="1" dirty="0" smtClean="0"/>
+              <a:rPr lang="en-NZ" sz="3500" b="1" dirty="0"/>
               <a:t>FSM in games</a:t>
             </a:r>
-            <a:endParaRPr lang="en-US" sz="3500" b="1" dirty="0" smtClean="0"/>
+            <a:endParaRPr lang="en-US" sz="3500" b="1" dirty="0"/>
           </a:p>
           <a:p>
             <a:pPr marL="1657350" lvl="2" indent="-742950">
               <a:buFont typeface="Arial" panose="020B0604020202020204" pitchFamily="34" charset="0"/>
               <a:buChar char="•"/>
             </a:pPr>
-            <a:endParaRPr lang="en-US" sz="2500" dirty="0" smtClean="0"/>
+            <a:endParaRPr lang="en-US" sz="2500" dirty="0"/>
           </a:p>
           <a:p>
             <a:pPr marL="1657350" lvl="2" indent="-742950">
@@ -15144,13 +11741,6 @@
   <p:clrMapOvr>
     <a:masterClrMapping/>
   </p:clrMapOvr>
-  <p:timing>
-    <p:tnLst>
-      <p:par>
-        <p:cTn id="1" dur="indefinite" restart="never" nodeType="tmRoot"/>
-      </p:par>
-    </p:tnLst>
-  </p:timing>
 </p:sld>
 </file>
 
@@ -15209,17 +11799,17 @@
           <a:p>
             <a:pPr lvl="1"/>
             <a:r>
-              <a:rPr lang="en-NZ" sz="3500" b="1" dirty="0" smtClean="0"/>
+              <a:rPr lang="en-NZ" sz="3500" b="1" dirty="0"/>
               <a:t>Coding an FSM</a:t>
             </a:r>
-            <a:endParaRPr lang="en-US" sz="3500" b="1" dirty="0" smtClean="0"/>
+            <a:endParaRPr lang="en-US" sz="3500" b="1" dirty="0"/>
           </a:p>
           <a:p>
             <a:pPr marL="1657350" lvl="2" indent="-742950">
               <a:buFont typeface="Arial" panose="020B0604020202020204" pitchFamily="34" charset="0"/>
               <a:buChar char="•"/>
             </a:pPr>
-            <a:endParaRPr lang="en-US" sz="2500" dirty="0" smtClean="0"/>
+            <a:endParaRPr lang="en-US" sz="2500" dirty="0"/>
           </a:p>
           <a:p>
             <a:pPr marL="1657350" lvl="2" indent="-742950">
@@ -15263,13 +11853,6 @@
   <p:clrMapOvr>
     <a:masterClrMapping/>
   </p:clrMapOvr>
-  <p:timing>
-    <p:tnLst>
-      <p:par>
-        <p:cTn id="1" dur="indefinite" restart="never" nodeType="tmRoot"/>
-      </p:par>
-    </p:tnLst>
-  </p:timing>
 </p:sld>
 </file>
 
@@ -15328,17 +11911,17 @@
           <a:p>
             <a:pPr lvl="1"/>
             <a:r>
-              <a:rPr lang="en-NZ" sz="3500" b="1" dirty="0" smtClean="0"/>
+              <a:rPr lang="en-NZ" sz="3500" b="1" dirty="0"/>
               <a:t>Coding an FSM</a:t>
             </a:r>
-            <a:endParaRPr lang="en-US" sz="3500" b="1" dirty="0" smtClean="0"/>
+            <a:endParaRPr lang="en-US" sz="3500" b="1" dirty="0"/>
           </a:p>
           <a:p>
             <a:pPr marL="1657350" lvl="2" indent="-742950">
               <a:buFont typeface="Arial" panose="020B0604020202020204" pitchFamily="34" charset="0"/>
               <a:buChar char="•"/>
             </a:pPr>
-            <a:endParaRPr lang="en-US" sz="2500" dirty="0" smtClean="0"/>
+            <a:endParaRPr lang="en-US" sz="2500" dirty="0"/>
           </a:p>
           <a:p>
             <a:pPr marL="1657350" lvl="2" indent="-742950">
@@ -15375,12 +11958,8 @@
           <a:p>
             <a:pPr lvl="3"/>
             <a:r>
-              <a:rPr lang="en-NZ" sz="2000" dirty="0" smtClean="0"/>
-              <a:t>case </a:t>
-            </a:r>
-            <a:r>
               <a:rPr lang="en-NZ" sz="2000" dirty="0"/>
-              <a:t>Sleeping:</a:t>
+              <a:t>case Sleeping:</a:t>
             </a:r>
           </a:p>
           <a:p>
@@ -15393,20 +11972,16 @@
           <a:p>
             <a:pPr lvl="4"/>
             <a:r>
-              <a:rPr lang="en-NZ" sz="2000" dirty="0" smtClean="0"/>
+              <a:rPr lang="en-NZ" sz="2000" dirty="0"/>
               <a:t>	</a:t>
             </a:r>
             <a:r>
-              <a:rPr lang="en-NZ" sz="2000" dirty="0" err="1" smtClean="0"/>
+              <a:rPr lang="en-NZ" sz="2000" dirty="0" err="1"/>
               <a:t>CatState</a:t>
             </a:r>
             <a:r>
-              <a:rPr lang="en-NZ" sz="2000" dirty="0" smtClean="0"/>
-              <a:t> </a:t>
-            </a:r>
-            <a:r>
               <a:rPr lang="en-NZ" sz="2000" dirty="0"/>
-              <a:t>= Chasing;</a:t>
+              <a:t> = Chasing;</a:t>
             </a:r>
           </a:p>
           <a:p>
@@ -15419,31 +11994,23 @@
           <a:p>
             <a:pPr lvl="4"/>
             <a:r>
-              <a:rPr lang="en-NZ" sz="2000" dirty="0" smtClean="0"/>
+              <a:rPr lang="en-NZ" sz="2000" dirty="0"/>
               <a:t>	</a:t>
             </a:r>
             <a:r>
-              <a:rPr lang="en-NZ" sz="2000" dirty="0" err="1" smtClean="0"/>
+              <a:rPr lang="en-NZ" sz="2000" dirty="0" err="1"/>
               <a:t>CatState</a:t>
             </a:r>
             <a:r>
-              <a:rPr lang="en-NZ" sz="2000" dirty="0" smtClean="0"/>
-              <a:t> </a:t>
-            </a:r>
-            <a:r>
               <a:rPr lang="en-NZ" sz="2000" dirty="0"/>
-              <a:t>= Eating;</a:t>
+              <a:t> = Eating;</a:t>
             </a:r>
           </a:p>
           <a:p>
             <a:pPr lvl="3"/>
             <a:r>
-              <a:rPr lang="en-NZ" sz="2000" dirty="0" smtClean="0"/>
-              <a:t>Break</a:t>
-            </a:r>
-            <a:r>
               <a:rPr lang="en-NZ" sz="2000" dirty="0"/>
-              <a:t>;</a:t>
+              <a:t>Break;</a:t>
             </a:r>
           </a:p>
           <a:p>
@@ -15501,13 +12068,6 @@
   <p:clrMapOvr>
     <a:masterClrMapping/>
   </p:clrMapOvr>
-  <p:timing>
-    <p:tnLst>
-      <p:par>
-        <p:cTn id="1" dur="indefinite" restart="never" nodeType="tmRoot"/>
-      </p:par>
-    </p:tnLst>
-  </p:timing>
 </p:sld>
 </file>
 
